--- a/Teachers_training_ajk1.pptx
+++ b/Teachers_training_ajk1.pptx
@@ -5,7 +5,7 @@
     <p:sldMasterId id="2147483648" r:id="rId1"/>
   </p:sldMasterIdLst>
   <p:notesMasterIdLst>
-    <p:notesMasterId r:id="rId35"/>
+    <p:notesMasterId r:id="rId13"/>
   </p:notesMasterIdLst>
   <p:sldIdLst>
     <p:sldId id="256" r:id="rId2"/>
@@ -19,28 +19,6 @@
     <p:sldId id="264" r:id="rId10"/>
     <p:sldId id="265" r:id="rId11"/>
     <p:sldId id="266" r:id="rId12"/>
-    <p:sldId id="267" r:id="rId13"/>
-    <p:sldId id="268" r:id="rId14"/>
-    <p:sldId id="269" r:id="rId15"/>
-    <p:sldId id="270" r:id="rId16"/>
-    <p:sldId id="271" r:id="rId17"/>
-    <p:sldId id="272" r:id="rId18"/>
-    <p:sldId id="273" r:id="rId19"/>
-    <p:sldId id="274" r:id="rId20"/>
-    <p:sldId id="275" r:id="rId21"/>
-    <p:sldId id="276" r:id="rId22"/>
-    <p:sldId id="277" r:id="rId23"/>
-    <p:sldId id="278" r:id="rId24"/>
-    <p:sldId id="279" r:id="rId25"/>
-    <p:sldId id="280" r:id="rId26"/>
-    <p:sldId id="281" r:id="rId27"/>
-    <p:sldId id="282" r:id="rId28"/>
-    <p:sldId id="283" r:id="rId29"/>
-    <p:sldId id="284" r:id="rId30"/>
-    <p:sldId id="285" r:id="rId31"/>
-    <p:sldId id="286" r:id="rId32"/>
-    <p:sldId id="287" r:id="rId33"/>
-    <p:sldId id="288" r:id="rId34"/>
   </p:sldIdLst>
   <p:sldSz cx="9144000" cy="5143500" type="screen16x9"/>
   <p:notesSz cx="6858000" cy="9144000"/>
@@ -556,63 +534,7 @@
             </a:pPr>
             <a:r>
               <a:rPr/>
-              <a:t>World is changing rapidly</a:t>
-            </a:r>
-          </a:p>
-          <a:p>
-            <a:pPr lvl="0" indent="0" marL="0">
-              <a:buNone/>
-            </a:pPr>
-          </a:p>
-          <a:p>
-            <a:pPr lvl="0" indent="0" marL="0">
-              <a:buNone/>
-            </a:pPr>
-            <a:r>
-              <a:rPr/>
-              <a:t>luck and preparedness</a:t>
-            </a:r>
-          </a:p>
-          <a:p>
-            <a:pPr lvl="0" indent="0" marL="0">
-              <a:buNone/>
-            </a:pPr>
-          </a:p>
-          <a:p>
-            <a:pPr lvl="0" indent="0" marL="0">
-              <a:buNone/>
-            </a:pPr>
-            <a:r>
-              <a:rPr/>
-              <a:t>daily microgains</a:t>
-            </a:r>
-          </a:p>
-          <a:p>
-            <a:pPr lvl="0" indent="0" marL="0">
-              <a:buNone/>
-            </a:pPr>
-          </a:p>
-          <a:p>
-            <a:pPr lvl="0" indent="0" marL="0">
-              <a:buNone/>
-            </a:pPr>
-            <a:r>
-              <a:rPr/>
-              <a:t>average life</a:t>
-            </a:r>
-          </a:p>
-          <a:p>
-            <a:pPr lvl="0" indent="0" marL="0">
-              <a:buNone/>
-            </a:pPr>
-          </a:p>
-          <a:p>
-            <a:pPr lvl="0" indent="0" marL="0">
-              <a:buNone/>
-            </a:pPr>
-            <a:r>
-              <a:rPr/>
-              <a:t>commitment, conviction, consistency, clarity</a:t>
+              <a:t>Where is this weapon in our society Why dont we have this weapons? Can we have this weapon by degress? If so then AJK is one of the most literate region than most regions of Pakistan? How many of you want independent Kashmir? How many of you have written blogs on it (how many sleepless nights you have to achieve this objective)? If none, then we dont want to move to a new future</a:t>
             </a:r>
           </a:p>
         </p:txBody>
@@ -634,7 +556,297 @@
           <a:p>
             <a:fld id="{18BDFEC3-8487-43E8-A154-7C12CBC1FFF2}" type="slidenum">
               <a:rPr lang="en-US"/>
-              <a:t>13</a:t>
+              <a:t>4</a:t>
+            </a:fld>
+            <a:endParaRPr lang="en-US"/>
+          </a:p>
+        </p:txBody>
+      </p:sp>
+    </p:spTree>
+  </p:cSld>
+</p:notes>
+</file>
+
+<file path=ppt/notesSlides/notesSlide2.xml><?xml version="1.0" encoding="utf-8"?>
+<p:notes xmlns:a="http://schemas.openxmlformats.org/drawingml/2006/main" xmlns:r="http://schemas.openxmlformats.org/officeDocument/2006/relationships" xmlns:p="http://schemas.openxmlformats.org/presentationml/2006/main">
+  <p:cSld>
+    <p:spTree>
+      <p:nvGrpSpPr>
+        <p:cNvPr id="1" name=""/>
+        <p:cNvGrpSpPr/>
+        <p:nvPr/>
+      </p:nvGrpSpPr>
+      <p:grpSpPr>
+        <a:xfrm>
+          <a:off x="0" y="0"/>
+          <a:ext cx="0" cy="0"/>
+          <a:chOff x="0" y="0"/>
+          <a:chExt cx="0" cy="0"/>
+        </a:xfrm>
+      </p:grpSpPr>
+      <p:sp>
+        <p:nvSpPr>
+          <p:cNvPr id="2" name="Slide Image Placeholder 1"/>
+          <p:cNvSpPr>
+            <a:spLocks noGrp="1" noRot="1" noChangeAspect="1"/>
+          </p:cNvSpPr>
+          <p:nvPr>
+            <p:ph type="sldImg"/>
+          </p:nvPr>
+        </p:nvSpPr>
+        <p:spPr/>
+      </p:sp>
+      <p:sp>
+        <p:nvSpPr>
+          <p:cNvPr id="3" name="Notes Placeholder 2"/>
+          <p:cNvSpPr>
+            <a:spLocks noGrp="1"/>
+          </p:cNvSpPr>
+          <p:nvPr>
+            <p:ph type="body" idx="1"/>
+          </p:nvPr>
+        </p:nvSpPr>
+        <p:spPr/>
+        <p:txBody>
+          <a:bodyPr/>
+          <a:lstStyle/>
+          <a:p>
+            <a:pPr lvl="0" indent="0" marL="0">
+              <a:buNone/>
+            </a:pPr>
+            <a:r>
+              <a:rPr/>
+              <a:t>Have you ever enjoyed teaching your subject as a fun?</a:t>
+            </a:r>
+          </a:p>
+          <a:p>
+            <a:pPr lvl="0" indent="0" marL="0">
+              <a:buNone/>
+            </a:pPr>
+          </a:p>
+          <a:p>
+            <a:pPr lvl="0" indent="0" marL="0">
+              <a:buNone/>
+            </a:pPr>
+            <a:r>
+              <a:rPr/>
+              <a:t>The opportunity to profoundly impact the lives of children. ·we think we have an impact to shape better future Mission: My mission is transform students to think deeply, critically and challenge themselvers and put them on a learning path</a:t>
+            </a:r>
+          </a:p>
+        </p:txBody>
+      </p:sp>
+      <p:sp>
+        <p:nvSpPr>
+          <p:cNvPr id="4" name="Slide Number Placeholder 3"/>
+          <p:cNvSpPr>
+            <a:spLocks noGrp="1"/>
+          </p:cNvSpPr>
+          <p:nvPr>
+            <p:ph type="sldNum" sz="quarter" idx="10"/>
+          </p:nvPr>
+        </p:nvSpPr>
+        <p:spPr/>
+        <p:txBody>
+          <a:bodyPr/>
+          <a:lstStyle/>
+          <a:p>
+            <a:fld id="{18BDFEC3-8487-43E8-A154-7C12CBC1FFF2}" type="slidenum">
+              <a:rPr lang="en-US"/>
+              <a:t>5</a:t>
+            </a:fld>
+            <a:endParaRPr lang="en-US"/>
+          </a:p>
+        </p:txBody>
+      </p:sp>
+    </p:spTree>
+  </p:cSld>
+</p:notes>
+</file>
+
+<file path=ppt/notesSlides/notesSlide3.xml><?xml version="1.0" encoding="utf-8"?>
+<p:notes xmlns:a="http://schemas.openxmlformats.org/drawingml/2006/main" xmlns:r="http://schemas.openxmlformats.org/officeDocument/2006/relationships" xmlns:p="http://schemas.openxmlformats.org/presentationml/2006/main">
+  <p:cSld>
+    <p:spTree>
+      <p:nvGrpSpPr>
+        <p:cNvPr id="1" name=""/>
+        <p:cNvGrpSpPr/>
+        <p:nvPr/>
+      </p:nvGrpSpPr>
+      <p:grpSpPr>
+        <a:xfrm>
+          <a:off x="0" y="0"/>
+          <a:ext cx="0" cy="0"/>
+          <a:chOff x="0" y="0"/>
+          <a:chExt cx="0" cy="0"/>
+        </a:xfrm>
+      </p:grpSpPr>
+      <p:sp>
+        <p:nvSpPr>
+          <p:cNvPr id="2" name="Slide Image Placeholder 1"/>
+          <p:cNvSpPr>
+            <a:spLocks noGrp="1" noRot="1" noChangeAspect="1"/>
+          </p:cNvSpPr>
+          <p:nvPr>
+            <p:ph type="sldImg"/>
+          </p:nvPr>
+        </p:nvSpPr>
+        <p:spPr/>
+      </p:sp>
+      <p:sp>
+        <p:nvSpPr>
+          <p:cNvPr id="3" name="Notes Placeholder 2"/>
+          <p:cNvSpPr>
+            <a:spLocks noGrp="1"/>
+          </p:cNvSpPr>
+          <p:nvPr>
+            <p:ph type="body" idx="1"/>
+          </p:nvPr>
+        </p:nvSpPr>
+        <p:spPr/>
+        <p:txBody>
+          <a:bodyPr/>
+          <a:lstStyle/>
+          <a:p>
+            <a:pPr lvl="0" indent="0" marL="0">
+              <a:buNone/>
+            </a:pPr>
+            <a:r>
+              <a:rPr/>
+              <a:t>World is changing rapidly</a:t>
+            </a:r>
+          </a:p>
+          <a:p>
+            <a:pPr lvl="0" indent="0" marL="0">
+              <a:buNone/>
+            </a:pPr>
+          </a:p>
+          <a:p>
+            <a:pPr lvl="0" indent="0" marL="0">
+              <a:buNone/>
+            </a:pPr>
+            <a:r>
+              <a:rPr/>
+              <a:t>luck and preparedness</a:t>
+            </a:r>
+          </a:p>
+          <a:p>
+            <a:pPr lvl="0" indent="0" marL="0">
+              <a:buNone/>
+            </a:pPr>
+          </a:p>
+          <a:p>
+            <a:pPr lvl="0" indent="0" marL="0">
+              <a:buNone/>
+            </a:pPr>
+            <a:r>
+              <a:rPr/>
+              <a:t>daily microgains</a:t>
+            </a:r>
+          </a:p>
+          <a:p>
+            <a:pPr lvl="0" indent="0" marL="0">
+              <a:buNone/>
+            </a:pPr>
+          </a:p>
+          <a:p>
+            <a:pPr lvl="0" indent="0" marL="0">
+              <a:buNone/>
+            </a:pPr>
+            <a:r>
+              <a:rPr/>
+              <a:t>average life</a:t>
+            </a:r>
+          </a:p>
+          <a:p>
+            <a:pPr lvl="0" indent="0" marL="0">
+              <a:buNone/>
+            </a:pPr>
+          </a:p>
+          <a:p>
+            <a:pPr lvl="0" indent="0" marL="0">
+              <a:buNone/>
+            </a:pPr>
+            <a:r>
+              <a:rPr/>
+              <a:t>commitment, conviction, consistency, clarity</a:t>
+            </a:r>
+          </a:p>
+          <a:p>
+            <a:pPr lvl="0" indent="0" marL="0">
+              <a:buNone/>
+            </a:pPr>
+          </a:p>
+          <a:p>
+            <a:pPr lvl="0" indent="-342900" marL="342900">
+              <a:buAutoNum type="arabicPeriod"/>
+            </a:pPr>
+            <a:r>
+              <a:rPr/>
+              <a:t>Voice: audibility, pitch, pronunciation, pause. tone?.) How do you relieve monotony in your lecture?</a:t>
+            </a:r>
+          </a:p>
+          <a:p>
+            <a:pPr lvl="0" indent="0" marL="0">
+              <a:buNone/>
+            </a:pPr>
+          </a:p>
+          <a:p>
+            <a:pPr lvl="0" indent="-342900" marL="342900">
+              <a:buAutoNum type="arabicPeriod"/>
+            </a:pPr>
+            <a:r>
+              <a:rPr/>
+              <a:t>BODY LANGUAGE(Gestures ,pacing but no unpleasant movements) 3.APPEARANCE (posture , .freezing in one corner?)</a:t>
+            </a:r>
+          </a:p>
+          <a:p>
+            <a:pPr lvl="0" indent="0" marL="0">
+              <a:buNone/>
+            </a:pPr>
+          </a:p>
+          <a:p>
+            <a:pPr lvl="0" indent="-342900" marL="342900">
+              <a:buAutoNum type="arabicPeriod"/>
+            </a:pPr>
+            <a:r>
+              <a:rPr/>
+              <a:t>Speed</a:t>
+            </a:r>
+          </a:p>
+          <a:p>
+            <a:pPr lvl="0" indent="0" marL="0">
+              <a:buNone/>
+            </a:pPr>
+          </a:p>
+          <a:p>
+            <a:pPr lvl="0" indent="0" marL="0">
+              <a:buNone/>
+            </a:pPr>
+            <a:r>
+              <a:rPr/>
+              <a:t>So why not have summary notes polleverywhere.com for class activity If you notice I have one light Green color theme for all slides</a:t>
+            </a:r>
+          </a:p>
+        </p:txBody>
+      </p:sp>
+      <p:sp>
+        <p:nvSpPr>
+          <p:cNvPr id="4" name="Slide Number Placeholder 3"/>
+          <p:cNvSpPr>
+            <a:spLocks noGrp="1"/>
+          </p:cNvSpPr>
+          <p:nvPr>
+            <p:ph type="sldNum" sz="quarter" idx="10"/>
+          </p:nvPr>
+        </p:nvSpPr>
+        <p:spPr/>
+        <p:txBody>
+          <a:bodyPr/>
+          <a:lstStyle/>
+          <a:p>
+            <a:fld id="{18BDFEC3-8487-43E8-A154-7C12CBC1FFF2}" type="slidenum">
+              <a:rPr lang="en-US"/>
+              <a:t>6</a:t>
             </a:fld>
             <a:endParaRPr lang="en-US"/>
           </a:p>
@@ -3637,7 +3849,7 @@
             </a:pPr>
             <a:r>
               <a:rPr/>
-              <a:t>Effective communication</a:t>
+              <a:t>Preparing and presenting an effective lecture</a:t>
             </a:r>
           </a:p>
         </p:txBody>
@@ -3698,7 +3910,7 @@
             </a:pPr>
             <a:r>
               <a:rPr/>
-              <a:t>September 20, 2022</a:t>
+              <a:t>September 22, 2022</a:t>
             </a:r>
           </a:p>
         </p:txBody>
@@ -3727,31 +3939,6 @@
       </p:grpSpPr>
       <p:sp>
         <p:nvSpPr>
-          <p:cNvPr id="2" name="Title 1"/>
-          <p:cNvSpPr>
-            <a:spLocks noGrp="1"/>
-          </p:cNvSpPr>
-          <p:nvPr>
-            <p:ph type="title"/>
-          </p:nvPr>
-        </p:nvSpPr>
-        <p:spPr/>
-        <p:txBody>
-          <a:bodyPr/>
-          <a:lstStyle/>
-          <a:p>
-            <a:pPr lvl="0" indent="0" marL="0">
-              <a:buNone/>
-            </a:pPr>
-            <a:r>
-              <a:rPr/>
-              <a:t>Good Teacher</a:t>
-            </a:r>
-          </a:p>
-        </p:txBody>
-      </p:sp>
-      <p:sp>
-        <p:nvSpPr>
           <p:cNvPr id="3" name="Content Placeholder 2"/>
           <p:cNvSpPr>
             <a:spLocks noGrp="1"/>
@@ -3773,13 +3960,62 @@
             </a:pPr>
             <a:r>
               <a:rPr b="1"/>
-              <a:t>good teacher</a:t>
-            </a:r>
-          </a:p>
-          <a:p>
-            <a:pPr lvl="0" indent="0" marL="0">
-              <a:buNone/>
-            </a:pPr>
+              <a:t>Digital era education: challenges and oppotunities</a:t>
+            </a:r>
+          </a:p>
+          <a:p>
+            <a:pPr lvl="0"/>
+            <a:r>
+              <a:rPr>
+                <a:hlinkClick r:id="rId2"/>
+              </a:rPr>
+              <a:t>Immense learning sources</a:t>
+            </a:r>
+          </a:p>
+          <a:p>
+            <a:pPr lvl="0"/>
+            <a:r>
+              <a:rPr>
+                <a:hlinkClick r:id="rId3"/>
+              </a:rPr>
+              <a:t>youtube</a:t>
+            </a:r>
+            <a:r>
+              <a:rPr/>
+              <a:t> and</a:t>
+            </a:r>
+          </a:p>
+          <a:p>
+            <a:pPr lvl="0"/>
+            <a:r>
+              <a:rPr/>
+              <a:t>much more</a:t>
+            </a:r>
+          </a:p>
+          <a:p>
+            <a:pPr lvl="0"/>
+            <a:r>
+              <a:rPr>
+                <a:hlinkClick r:id="rId4"/>
+              </a:rPr>
+              <a:t>Galton Board</a:t>
+            </a:r>
+          </a:p>
+          <a:p>
+            <a:pPr lvl="0"/>
+            <a:r>
+              <a:rPr>
+                <a:hlinkClick r:id="rId5"/>
+              </a:rPr>
+              <a:t>Plinko</a:t>
+            </a:r>
+          </a:p>
+          <a:p>
+            <a:pPr lvl="0"/>
+            <a:r>
+              <a:rPr/>
+              <a:t>Flip based class room teaching</a:t>
+            </a:r>
           </a:p>
           <a:p>
             <a:pPr lvl="0" indent="0" marL="0">
@@ -3788,121 +4024,112 @@
               </a:spcBef>
               <a:buNone/>
             </a:pPr>
+          </a:p>
+          <a:p>
+            <a:pPr lvl="0" indent="0" marL="0">
+              <a:buNone/>
+            </a:pPr>
+            <a:r>
+              <a:rPr>
+                <a:hlinkClick r:id="rId6"/>
+              </a:rPr>
+              <a:t>Teaching methods for inspiring students of the future</a:t>
+            </a:r>
+            <a:r>
+              <a:rPr/>
+              <a:t> :::{.incremental} - “</a:t>
+            </a:r>
             <a:r>
               <a:rPr b="1"/>
-              <a:t>How to become a good teacher?</a:t>
+              <a:t>The mind is not a vessel that needs filling, but wood that needs igniting.</a:t>
+            </a:r>
+            <a:r>
+              <a:rPr/>
+              <a:t>” Plutarch AD46-AD120</a:t>
+            </a:r>
+          </a:p>
+          <a:p>
+            <a:pPr lvl="0"/>
+            <a:r>
+              <a:rPr/>
+              <a:t>“</a:t>
+            </a:r>
+            <a:r>
+              <a:rPr b="1"/>
+              <a:t>Education is not the learning of facts, but the training of the mind to think.</a:t>
+            </a:r>
+            <a:r>
+              <a:rPr/>
+              <a:t>” Abert Einstein 1879-1955 ::: ## {background-color=“#FFF1EE”}</a:t>
             </a:r>
           </a:p>
           <a:p>
             <a:pPr lvl="0" indent="0" marL="0">
               <a:buNone/>
             </a:pPr>
-          </a:p>
-        </p:txBody>
-      </p:sp>
-    </p:spTree>
-  </p:cSld>
-</p:sld>
-</file>
-
-<file path=ppt/slides/slide11.xml><?xml version="1.0" encoding="utf-8"?>
-<p:sld xmlns:a="http://schemas.openxmlformats.org/drawingml/2006/main" xmlns:r="http://schemas.openxmlformats.org/officeDocument/2006/relationships" xmlns:p="http://schemas.openxmlformats.org/presentationml/2006/main">
-  <p:cSld>
-    <p:spTree>
-      <p:nvGrpSpPr>
-        <p:cNvPr id="1" name=""/>
-        <p:cNvGrpSpPr/>
-        <p:nvPr/>
-      </p:nvGrpSpPr>
-      <p:grpSpPr>
-        <a:xfrm>
-          <a:off x="0" y="0"/>
-          <a:ext cx="0" cy="0"/>
-          <a:chOff x="0" y="0"/>
-          <a:chExt cx="0" cy="0"/>
-        </a:xfrm>
-      </p:grpSpPr>
-      <p:sp>
-        <p:nvSpPr>
-          <p:cNvPr id="2" name="Title 1"/>
-          <p:cNvSpPr>
-            <a:spLocks noGrp="1"/>
-          </p:cNvSpPr>
-          <p:nvPr>
-            <p:ph type="title"/>
-          </p:nvPr>
-        </p:nvSpPr>
-        <p:spPr/>
-        <p:txBody>
-          <a:bodyPr/>
-          <a:lstStyle/>
-          <a:p>
-            <a:pPr lvl="0" indent="0" marL="0">
-              <a:buNone/>
-            </a:pPr>
+            <a:r>
+              <a:rPr b="1"/>
+              <a:t>Allow students to engage in:</a:t>
+            </a:r>
+          </a:p>
+          <a:p>
+            <a:pPr lvl="0"/>
+            <a:r>
+              <a:rPr b="1"/>
+              <a:t>Choice</a:t>
+            </a:r>
+          </a:p>
+          <a:p>
+            <a:pPr lvl="0"/>
+            <a:r>
+              <a:rPr b="1"/>
+              <a:t>Collaboration</a:t>
+            </a:r>
+          </a:p>
+          <a:p>
+            <a:pPr lvl="0"/>
+            <a:r>
+              <a:rPr b="1"/>
+              <a:t>Communication</a:t>
+            </a:r>
+            <a:r>
+              <a:rPr>
+                <a:hlinkClick r:id="rId7"/>
+              </a:rPr>
+              <a:t>recent survey by the Pew Research Center</a:t>
+            </a:r>
             <a:r>
               <a:rPr/>
-              <a:t>Modes of communication</a:t>
-            </a:r>
-          </a:p>
-        </p:txBody>
-      </p:sp>
-      <p:sp>
-        <p:nvSpPr>
-          <p:cNvPr id="3" name="Content Placeholder 2"/>
-          <p:cNvSpPr>
-            <a:spLocks noGrp="1"/>
-          </p:cNvSpPr>
-          <p:nvPr>
-            <p:ph idx="1"/>
-          </p:nvPr>
-        </p:nvSpPr>
-        <p:spPr/>
-        <p:txBody>
-          <a:bodyPr/>
-          <a:lstStyle/>
+              <a:t>,</a:t>
+            </a:r>
+          </a:p>
           <a:p>
             <a:pPr lvl="0"/>
             <a:r>
               <a:rPr b="1"/>
-              <a:t>Verbal</a:t>
+              <a:t>Critical Thinking</a:t>
+            </a:r>
+          </a:p>
+          <a:p>
+            <a:pPr lvl="0"/>
+            <a:r>
+              <a:rPr b="1"/>
+              <a:t>Creativity</a:t>
             </a:r>
             <a:r>
               <a:rPr/>
-              <a:t> </a:t>
+              <a:t> and </a:t>
             </a:r>
             <a:r>
               <a:rPr b="1"/>
-              <a:t>– speaking words. Voice tone/pitch/volume.</a:t>
+              <a:t>greatest of all these is</a:t>
             </a:r>
           </a:p>
           <a:p>
             <a:pPr lvl="0"/>
             <a:r>
               <a:rPr b="1"/>
-              <a:t>Intonation : sarcastic, sad Word choice : lecture , friends , scientific meeting,</a:t>
-            </a:r>
-          </a:p>
-          <a:p>
-            <a:pPr lvl="0"/>
-            <a:r>
-              <a:rPr b="1"/>
-              <a:t>Nonverbal</a:t>
-            </a:r>
-            <a:r>
-              <a:rPr/>
-              <a:t> </a:t>
-            </a:r>
-            <a:r>
-              <a:rPr b="1"/>
-              <a:t>: Knowledge ,skill &amp; eye contact ,. body language, facial expression , gestures.</a:t>
-            </a:r>
-          </a:p>
-          <a:p>
-            <a:pPr lvl="0"/>
-            <a:r>
-              <a:rPr b="1"/>
-              <a:t>Written Communication ; Explain ?</a:t>
+              <a:t>LOVE</a:t>
             </a:r>
           </a:p>
         </p:txBody>
@@ -3945,7 +4172,7 @@
                                         <p:tgtEl>
                                           <p:spTgt spid="3">
                                             <p:txEl>
-                                              <p:pRg st="0" end="0"/>
+                                              <p:pRg st="1" end="1"/>
                                             </p:txEl>
                                           </p:spTgt>
                                         </p:tgtEl>
@@ -3994,7 +4221,7 @@
                                         <p:tgtEl>
                                           <p:spTgt spid="3">
                                             <p:txEl>
-                                              <p:pRg st="1" end="1"/>
+                                              <p:pRg st="2" end="2"/>
                                             </p:txEl>
                                           </p:spTgt>
                                         </p:tgtEl>
@@ -4043,7 +4270,7 @@
                                         <p:tgtEl>
                                           <p:spTgt spid="3">
                                             <p:txEl>
-                                              <p:pRg st="2" end="2"/>
+                                              <p:pRg st="3" end="3"/>
                                             </p:txEl>
                                           </p:spTgt>
                                         </p:tgtEl>
@@ -4092,7 +4319,399 @@
                                         <p:tgtEl>
                                           <p:spTgt spid="3">
                                             <p:txEl>
-                                              <p:pRg st="3" end="3"/>
+                                              <p:pRg st="4" end="4"/>
+                                            </p:txEl>
+                                          </p:spTgt>
+                                        </p:tgtEl>
+                                        <p:attrNameLst>
+                                          <p:attrName>style.visibility</p:attrName>
+                                        </p:attrNameLst>
+                                      </p:cBhvr>
+                                      <p:to>
+                                        <p:strVal val="visible"/>
+                                      </p:to>
+                                    </p:set>
+                                  </p:childTnLst>
+                                </p:cTn>
+                              </p:par>
+                            </p:childTnLst>
+                          </p:cTn>
+                        </p:par>
+                      </p:childTnLst>
+                    </p:cTn>
+                  </p:par>
+                  <p:par>
+                    <p:cTn id="19" fill="hold">
+                      <p:stCondLst>
+                        <p:cond delay="indefinite"/>
+                      </p:stCondLst>
+                      <p:childTnLst>
+                        <p:par>
+                          <p:cTn id="20" fill="hold">
+                            <p:stCondLst>
+                              <p:cond delay="0"/>
+                            </p:stCondLst>
+                            <p:childTnLst>
+                              <p:par>
+                                <p:cTn id="21" presetID="1" presetClass="entr" presetSubtype="0" fill="hold" grpId="0" nodeType="clickEffect">
+                                  <p:stCondLst>
+                                    <p:cond delay="0"/>
+                                  </p:stCondLst>
+                                  <p:childTnLst>
+                                    <p:set>
+                                      <p:cBhvr>
+                                        <p:cTn id="22" dur="1" fill="hold">
+                                          <p:stCondLst>
+                                            <p:cond delay="0"/>
+                                          </p:stCondLst>
+                                        </p:cTn>
+                                        <p:tgtEl>
+                                          <p:spTgt spid="3">
+                                            <p:txEl>
+                                              <p:pRg st="5" end="5"/>
+                                            </p:txEl>
+                                          </p:spTgt>
+                                        </p:tgtEl>
+                                        <p:attrNameLst>
+                                          <p:attrName>style.visibility</p:attrName>
+                                        </p:attrNameLst>
+                                      </p:cBhvr>
+                                      <p:to>
+                                        <p:strVal val="visible"/>
+                                      </p:to>
+                                    </p:set>
+                                  </p:childTnLst>
+                                </p:cTn>
+                              </p:par>
+                            </p:childTnLst>
+                          </p:cTn>
+                        </p:par>
+                      </p:childTnLst>
+                    </p:cTn>
+                  </p:par>
+                  <p:par>
+                    <p:cTn id="23" fill="hold">
+                      <p:stCondLst>
+                        <p:cond delay="indefinite"/>
+                      </p:stCondLst>
+                      <p:childTnLst>
+                        <p:par>
+                          <p:cTn id="24" fill="hold">
+                            <p:stCondLst>
+                              <p:cond delay="0"/>
+                            </p:stCondLst>
+                            <p:childTnLst>
+                              <p:par>
+                                <p:cTn id="25" presetID="1" presetClass="entr" presetSubtype="0" fill="hold" grpId="0" nodeType="clickEffect">
+                                  <p:stCondLst>
+                                    <p:cond delay="0"/>
+                                  </p:stCondLst>
+                                  <p:childTnLst>
+                                    <p:set>
+                                      <p:cBhvr>
+                                        <p:cTn id="26" dur="1" fill="hold">
+                                          <p:stCondLst>
+                                            <p:cond delay="0"/>
+                                          </p:stCondLst>
+                                        </p:cTn>
+                                        <p:tgtEl>
+                                          <p:spTgt spid="3">
+                                            <p:txEl>
+                                              <p:pRg st="6" end="6"/>
+                                            </p:txEl>
+                                          </p:spTgt>
+                                        </p:tgtEl>
+                                        <p:attrNameLst>
+                                          <p:attrName>style.visibility</p:attrName>
+                                        </p:attrNameLst>
+                                      </p:cBhvr>
+                                      <p:to>
+                                        <p:strVal val="visible"/>
+                                      </p:to>
+                                    </p:set>
+                                  </p:childTnLst>
+                                </p:cTn>
+                              </p:par>
+                            </p:childTnLst>
+                          </p:cTn>
+                        </p:par>
+                      </p:childTnLst>
+                    </p:cTn>
+                  </p:par>
+                  <p:par>
+                    <p:cTn id="27" fill="hold">
+                      <p:stCondLst>
+                        <p:cond delay="indefinite"/>
+                      </p:stCondLst>
+                      <p:childTnLst>
+                        <p:par>
+                          <p:cTn id="28" fill="hold">
+                            <p:stCondLst>
+                              <p:cond delay="0"/>
+                            </p:stCondLst>
+                            <p:childTnLst>
+                              <p:par>
+                                <p:cTn id="29" presetID="1" presetClass="entr" presetSubtype="0" fill="hold" grpId="0" nodeType="clickEffect">
+                                  <p:stCondLst>
+                                    <p:cond delay="0"/>
+                                  </p:stCondLst>
+                                  <p:childTnLst>
+                                    <p:set>
+                                      <p:cBhvr>
+                                        <p:cTn id="30" dur="1" fill="hold">
+                                          <p:stCondLst>
+                                            <p:cond delay="0"/>
+                                          </p:stCondLst>
+                                        </p:cTn>
+                                        <p:tgtEl>
+                                          <p:spTgt spid="3">
+                                            <p:txEl>
+                                              <p:pRg st="11" end="11"/>
+                                            </p:txEl>
+                                          </p:spTgt>
+                                        </p:tgtEl>
+                                        <p:attrNameLst>
+                                          <p:attrName>style.visibility</p:attrName>
+                                        </p:attrNameLst>
+                                      </p:cBhvr>
+                                      <p:to>
+                                        <p:strVal val="visible"/>
+                                      </p:to>
+                                    </p:set>
+                                  </p:childTnLst>
+                                </p:cTn>
+                              </p:par>
+                            </p:childTnLst>
+                          </p:cTn>
+                        </p:par>
+                      </p:childTnLst>
+                    </p:cTn>
+                  </p:par>
+                  <p:par>
+                    <p:cTn id="31" fill="hold">
+                      <p:stCondLst>
+                        <p:cond delay="indefinite"/>
+                      </p:stCondLst>
+                      <p:childTnLst>
+                        <p:par>
+                          <p:cTn id="32" fill="hold">
+                            <p:stCondLst>
+                              <p:cond delay="0"/>
+                            </p:stCondLst>
+                            <p:childTnLst>
+                              <p:par>
+                                <p:cTn id="33" presetID="1" presetClass="entr" presetSubtype="0" fill="hold" grpId="0" nodeType="clickEffect">
+                                  <p:stCondLst>
+                                    <p:cond delay="0"/>
+                                  </p:stCondLst>
+                                  <p:childTnLst>
+                                    <p:set>
+                                      <p:cBhvr>
+                                        <p:cTn id="34" dur="1" fill="hold">
+                                          <p:stCondLst>
+                                            <p:cond delay="0"/>
+                                          </p:stCondLst>
+                                        </p:cTn>
+                                        <p:tgtEl>
+                                          <p:spTgt spid="3">
+                                            <p:txEl>
+                                              <p:pRg st="12" end="12"/>
+                                            </p:txEl>
+                                          </p:spTgt>
+                                        </p:tgtEl>
+                                        <p:attrNameLst>
+                                          <p:attrName>style.visibility</p:attrName>
+                                        </p:attrNameLst>
+                                      </p:cBhvr>
+                                      <p:to>
+                                        <p:strVal val="visible"/>
+                                      </p:to>
+                                    </p:set>
+                                  </p:childTnLst>
+                                </p:cTn>
+                              </p:par>
+                            </p:childTnLst>
+                          </p:cTn>
+                        </p:par>
+                      </p:childTnLst>
+                    </p:cTn>
+                  </p:par>
+                  <p:par>
+                    <p:cTn id="35" fill="hold">
+                      <p:stCondLst>
+                        <p:cond delay="indefinite"/>
+                      </p:stCondLst>
+                      <p:childTnLst>
+                        <p:par>
+                          <p:cTn id="36" fill="hold">
+                            <p:stCondLst>
+                              <p:cond delay="0"/>
+                            </p:stCondLst>
+                            <p:childTnLst>
+                              <p:par>
+                                <p:cTn id="37" presetID="1" presetClass="entr" presetSubtype="0" fill="hold" grpId="0" nodeType="clickEffect">
+                                  <p:stCondLst>
+                                    <p:cond delay="0"/>
+                                  </p:stCondLst>
+                                  <p:childTnLst>
+                                    <p:set>
+                                      <p:cBhvr>
+                                        <p:cTn id="38" dur="1" fill="hold">
+                                          <p:stCondLst>
+                                            <p:cond delay="0"/>
+                                          </p:stCondLst>
+                                        </p:cTn>
+                                        <p:tgtEl>
+                                          <p:spTgt spid="3">
+                                            <p:txEl>
+                                              <p:pRg st="13" end="13"/>
+                                            </p:txEl>
+                                          </p:spTgt>
+                                        </p:tgtEl>
+                                        <p:attrNameLst>
+                                          <p:attrName>style.visibility</p:attrName>
+                                        </p:attrNameLst>
+                                      </p:cBhvr>
+                                      <p:to>
+                                        <p:strVal val="visible"/>
+                                      </p:to>
+                                    </p:set>
+                                  </p:childTnLst>
+                                </p:cTn>
+                              </p:par>
+                            </p:childTnLst>
+                          </p:cTn>
+                        </p:par>
+                      </p:childTnLst>
+                    </p:cTn>
+                  </p:par>
+                  <p:par>
+                    <p:cTn id="39" fill="hold">
+                      <p:stCondLst>
+                        <p:cond delay="indefinite"/>
+                      </p:stCondLst>
+                      <p:childTnLst>
+                        <p:par>
+                          <p:cTn id="40" fill="hold">
+                            <p:stCondLst>
+                              <p:cond delay="0"/>
+                            </p:stCondLst>
+                            <p:childTnLst>
+                              <p:par>
+                                <p:cTn id="41" presetID="1" presetClass="entr" presetSubtype="0" fill="hold" grpId="0" nodeType="clickEffect">
+                                  <p:stCondLst>
+                                    <p:cond delay="0"/>
+                                  </p:stCondLst>
+                                  <p:childTnLst>
+                                    <p:set>
+                                      <p:cBhvr>
+                                        <p:cTn id="42" dur="1" fill="hold">
+                                          <p:stCondLst>
+                                            <p:cond delay="0"/>
+                                          </p:stCondLst>
+                                        </p:cTn>
+                                        <p:tgtEl>
+                                          <p:spTgt spid="3">
+                                            <p:txEl>
+                                              <p:pRg st="14" end="14"/>
+                                            </p:txEl>
+                                          </p:spTgt>
+                                        </p:tgtEl>
+                                        <p:attrNameLst>
+                                          <p:attrName>style.visibility</p:attrName>
+                                        </p:attrNameLst>
+                                      </p:cBhvr>
+                                      <p:to>
+                                        <p:strVal val="visible"/>
+                                      </p:to>
+                                    </p:set>
+                                  </p:childTnLst>
+                                </p:cTn>
+                              </p:par>
+                            </p:childTnLst>
+                          </p:cTn>
+                        </p:par>
+                      </p:childTnLst>
+                    </p:cTn>
+                  </p:par>
+                  <p:par>
+                    <p:cTn id="43" fill="hold">
+                      <p:stCondLst>
+                        <p:cond delay="indefinite"/>
+                      </p:stCondLst>
+                      <p:childTnLst>
+                        <p:par>
+                          <p:cTn id="44" fill="hold">
+                            <p:stCondLst>
+                              <p:cond delay="0"/>
+                            </p:stCondLst>
+                            <p:childTnLst>
+                              <p:par>
+                                <p:cTn id="45" presetID="1" presetClass="entr" presetSubtype="0" fill="hold" grpId="0" nodeType="clickEffect">
+                                  <p:stCondLst>
+                                    <p:cond delay="0"/>
+                                  </p:stCondLst>
+                                  <p:childTnLst>
+                                    <p:set>
+                                      <p:cBhvr>
+                                        <p:cTn id="46" dur="1" fill="hold">
+                                          <p:stCondLst>
+                                            <p:cond delay="0"/>
+                                          </p:stCondLst>
+                                        </p:cTn>
+                                        <p:tgtEl>
+                                          <p:spTgt spid="3">
+                                            <p:txEl>
+                                              <p:pRg st="15" end="15"/>
+                                            </p:txEl>
+                                          </p:spTgt>
+                                        </p:tgtEl>
+                                        <p:attrNameLst>
+                                          <p:attrName>style.visibility</p:attrName>
+                                        </p:attrNameLst>
+                                      </p:cBhvr>
+                                      <p:to>
+                                        <p:strVal val="visible"/>
+                                      </p:to>
+                                    </p:set>
+                                  </p:childTnLst>
+                                </p:cTn>
+                              </p:par>
+                            </p:childTnLst>
+                          </p:cTn>
+                        </p:par>
+                      </p:childTnLst>
+                    </p:cTn>
+                  </p:par>
+                  <p:par>
+                    <p:cTn id="47" fill="hold">
+                      <p:stCondLst>
+                        <p:cond delay="indefinite"/>
+                      </p:stCondLst>
+                      <p:childTnLst>
+                        <p:par>
+                          <p:cTn id="48" fill="hold">
+                            <p:stCondLst>
+                              <p:cond delay="0"/>
+                            </p:stCondLst>
+                            <p:childTnLst>
+                              <p:par>
+                                <p:cTn id="49" presetID="1" presetClass="entr" presetSubtype="0" fill="hold" grpId="0" nodeType="clickEffect">
+                                  <p:stCondLst>
+                                    <p:cond delay="0"/>
+                                  </p:stCondLst>
+                                  <p:childTnLst>
+                                    <p:set>
+                                      <p:cBhvr>
+                                        <p:cTn id="50" dur="1" fill="hold">
+                                          <p:stCondLst>
+                                            <p:cond delay="0"/>
+                                          </p:stCondLst>
+                                        </p:cTn>
+                                        <p:tgtEl>
+                                          <p:spTgt spid="3">
+                                            <p:txEl>
+                                              <p:pRg st="16" end="16"/>
                                             </p:txEl>
                                           </p:spTgt>
                                         </p:tgtEl>
@@ -4141,7 +4760,7 @@
 </p:sld>
 </file>
 
-<file path=ppt/slides/slide12.xml><?xml version="1.0" encoding="utf-8"?>
+<file path=ppt/slides/slide11.xml><?xml version="1.0" encoding="utf-8"?>
 <p:sld xmlns:a="http://schemas.openxmlformats.org/drawingml/2006/main" xmlns:r="http://schemas.openxmlformats.org/officeDocument/2006/relationships" xmlns:p="http://schemas.openxmlformats.org/presentationml/2006/main">
   <p:cSld>
     <p:spTree>
@@ -4178,7 +4797,7 @@
             </a:pPr>
             <a:r>
               <a:rPr/>
-              <a:t>Types of Teachers</a:t>
+              <a:t>Stay Hungry, Stay Foolish</a:t>
             </a:r>
           </a:p>
         </p:txBody>
@@ -4198,45 +4817,246 @@
           <a:bodyPr/>
           <a:lstStyle/>
           <a:p>
+            <a:pPr lvl="0" indent="0" marL="0">
+              <a:spcBef>
+                <a:spcPts val="3000"/>
+              </a:spcBef>
+              <a:buNone/>
+            </a:pPr>
+          </a:p>
+          <a:p>
             <a:pPr lvl="0"/>
             <a:r>
+              <a:rPr/>
+              <a:t>I </a:t>
+            </a:r>
+            <a:r>
+              <a:rPr i="1"/>
+              <a:t>am a great</a:t>
+            </a:r>
+            <a:r>
+              <a:rPr/>
+              <a:t> TEACHER</a:t>
+            </a:r>
+          </a:p>
+          <a:p>
+            <a:pPr lvl="0"/>
+            <a:r>
+              <a:rPr/>
+              <a:t>BECAUSE…</a:t>
+            </a:r>
+          </a:p>
+          <a:p>
+            <a:pPr lvl="0" indent="0" marL="0">
+              <a:spcBef>
+                <a:spcPts val="3000"/>
+              </a:spcBef>
+              <a:buNone/>
+            </a:pPr>
+            <a:r>
               <a:rPr b="1"/>
-              <a:t>A mediocre Teacher : Tells</a:t>
+              <a:t>Great teacher</a:t>
             </a:r>
           </a:p>
           <a:p>
             <a:pPr lvl="0"/>
             <a:r>
+              <a:rPr/>
+              <a:t>Celebrate mistakes</a:t>
+            </a:r>
+          </a:p>
+          <a:p>
+            <a:pPr lvl="0"/>
+            <a:r>
+              <a:rPr/>
+              <a:t>Appreciate differences</a:t>
+            </a:r>
+          </a:p>
+          <a:p>
+            <a:pPr lvl="0"/>
+            <a:r>
+              <a:rPr/>
+              <a:t>Relay feedback</a:t>
+            </a:r>
+          </a:p>
+          <a:p>
+            <a:pPr lvl="0"/>
+            <a:r>
+              <a:rPr/>
+              <a:t>Evaluate themselves</a:t>
+            </a:r>
+          </a:p>
+          <a:p>
+            <a:pPr lvl="0" indent="0" marL="1270000">
+              <a:buNone/>
+            </a:pPr>
+            <a:r>
+              <a:rPr sz="2000" b="1"/>
+              <a:t>“I have learned that people will forget what yousaid</a:t>
+            </a:r>
+            <a:r>
+              <a:rPr sz="2000"/>
+              <a:t>, people will forget what you </a:t>
+            </a:r>
+            <a:r>
+              <a:rPr sz="2000" b="1"/>
+              <a:t>did</a:t>
+            </a:r>
+            <a:r>
+              <a:rPr sz="2000"/>
+              <a:t>, but people will never forget how you made them </a:t>
+            </a:r>
+            <a:r>
+              <a:rPr sz="2000" b="1"/>
+              <a:t>feel</a:t>
+            </a:r>
+            <a:r>
+              <a:rPr sz="2000"/>
+              <a:t>.” -Maya Angelou</a:t>
+            </a:r>
+          </a:p>
+          <a:p>
+            <a:pPr lvl="0" indent="0" marL="0">
+              <a:spcBef>
+                <a:spcPts val="3000"/>
+              </a:spcBef>
+              <a:buNone/>
+            </a:pPr>
+          </a:p>
+          <a:p>
+            <a:pPr lvl="0" indent="0" marL="0">
+              <a:spcBef>
+                <a:spcPts val="3000"/>
+              </a:spcBef>
+              <a:buNone/>
+            </a:pPr>
+            <a:r>
               <a:rPr b="1"/>
-              <a:t>A good Teacher : explains</a:t>
-            </a:r>
-          </a:p>
-          <a:p>
-            <a:pPr lvl="0"/>
+              <a:t>لوئے لوئے پرہ لے کڑ یے پانڈا جے پانڈا تدھ پر ہنا</a:t>
+            </a:r>
+          </a:p>
+          <a:p>
+            <a:pPr lvl="0" indent="0" marL="0">
+              <a:spcBef>
+                <a:spcPts val="3000"/>
+              </a:spcBef>
+              <a:buNone/>
+            </a:pPr>
             <a:r>
               <a:rPr b="1"/>
-              <a:t>A superior Teacher : demonstrates</a:t>
-            </a:r>
-          </a:p>
-          <a:p>
-            <a:pPr lvl="0"/>
+              <a:t>شام پئی بن شام محمد تو کرہ جاندی نے ڈرنا</a:t>
+            </a:r>
+          </a:p>
+          <a:p>
+            <a:pPr lvl="0" indent="0" marL="0">
+              <a:spcBef>
+                <a:spcPts val="3000"/>
+              </a:spcBef>
+              <a:buNone/>
+            </a:pPr>
+          </a:p>
+          <a:p>
+            <a:pPr lvl="0" indent="0" marL="0">
+              <a:spcBef>
+                <a:spcPts val="3000"/>
+              </a:spcBef>
+              <a:buNone/>
+            </a:pPr>
             <a:r>
               <a:rPr b="1"/>
-              <a:t>A great Teacher : inspires</a:t>
-            </a:r>
-          </a:p>
-          <a:p>
-            <a:pPr lvl="0"/>
+              <a:t>کںڈے سخت گلاباں والےدوروں ویکھ نہ ڈریے</a:t>
+            </a:r>
+          </a:p>
+          <a:p>
+            <a:pPr lvl="0" indent="0" marL="0">
+              <a:spcBef>
+                <a:spcPts val="3000"/>
+              </a:spcBef>
+              <a:buNone/>
+            </a:pPr>
             <a:r>
               <a:rPr b="1"/>
-              <a:t>A great Teacher uses : E C M T</a:t>
-            </a:r>
-          </a:p>
-          <a:p>
-            <a:pPr lvl="0"/>
+              <a:t>چوبھاں جھلیےرت چوایےتد ھ پھل چولی بھریے</a:t>
+            </a:r>
+          </a:p>
+          <a:p>
+            <a:pPr lvl="0" indent="0" marL="0">
+              <a:spcBef>
+                <a:spcPts val="3000"/>
+              </a:spcBef>
+              <a:buNone/>
+            </a:pPr>
+          </a:p>
+          <a:p>
+            <a:pPr lvl="0" indent="0" marL="0">
+              <a:spcBef>
+                <a:spcPts val="3000"/>
+              </a:spcBef>
+              <a:buNone/>
+            </a:pPr>
             <a:r>
               <a:rPr b="1"/>
-              <a:t>(Effective Classroom Management Techniques)</a:t>
+              <a:t>اساں سویر دی ہن نیت لئی اے</a:t>
+            </a:r>
+          </a:p>
+          <a:p>
+            <a:pPr lvl="0" indent="0" marL="0">
+              <a:spcBef>
+                <a:spcPts val="3000"/>
+              </a:spcBef>
+              <a:buNone/>
+            </a:pPr>
+            <a:r>
+              <a:rPr b="1"/>
+              <a:t>سورج نو ں ہن چڑھنا پئے گا</a:t>
+            </a:r>
+          </a:p>
+          <a:p>
+            <a:pPr lvl="0" indent="0" marL="0">
+              <a:spcBef>
+                <a:spcPts val="3000"/>
+              </a:spcBef>
+              <a:buNone/>
+            </a:pPr>
+            <a:r>
+              <a:rPr b="1"/>
+              <a:t>متھا ٹیکیاں ٹھڈے پیندے</a:t>
+            </a:r>
+          </a:p>
+          <a:p>
+            <a:pPr lvl="0" indent="0" marL="0">
+              <a:spcBef>
+                <a:spcPts val="3000"/>
+              </a:spcBef>
+              <a:buNone/>
+            </a:pPr>
+            <a:r>
+              <a:rPr b="1"/>
+              <a:t>سر موہنڈے تے دھرنا پئے گا</a:t>
+            </a:r>
+          </a:p>
+          <a:p>
+            <a:pPr lvl="0" indent="0" marL="0">
+              <a:spcBef>
+                <a:spcPts val="3000"/>
+              </a:spcBef>
+              <a:buNone/>
+            </a:pPr>
+            <a:r>
+              <a:rPr b="1"/>
+              <a:t>جے سقراط دی پیڑھی بہنا</a:t>
+            </a:r>
+          </a:p>
+          <a:p>
+            <a:pPr lvl="0" indent="0" marL="0">
+              <a:spcBef>
+                <a:spcPts val="3000"/>
+              </a:spcBef>
+              <a:buNone/>
+            </a:pPr>
+            <a:r>
+              <a:rPr b="1"/>
+              <a:t>سر دی ہانڈی کڑھنا پئے گا</a:t>
             </a:r>
           </a:p>
         </p:txBody>
@@ -4279,7 +5099,7 @@
                                         <p:tgtEl>
                                           <p:spTgt spid="3">
                                             <p:txEl>
-                                              <p:pRg st="0" end="0"/>
+                                              <p:pRg st="1" end="1"/>
                                             </p:txEl>
                                           </p:spTgt>
                                         </p:tgtEl>
@@ -4328,203 +5148,7 @@
                                         <p:tgtEl>
                                           <p:spTgt spid="3">
                                             <p:txEl>
-                                              <p:pRg st="1" end="1"/>
-                                            </p:txEl>
-                                          </p:spTgt>
-                                        </p:tgtEl>
-                                        <p:attrNameLst>
-                                          <p:attrName>style.visibility</p:attrName>
-                                        </p:attrNameLst>
-                                      </p:cBhvr>
-                                      <p:to>
-                                        <p:strVal val="visible"/>
-                                      </p:to>
-                                    </p:set>
-                                  </p:childTnLst>
-                                </p:cTn>
-                              </p:par>
-                            </p:childTnLst>
-                          </p:cTn>
-                        </p:par>
-                      </p:childTnLst>
-                    </p:cTn>
-                  </p:par>
-                  <p:par>
-                    <p:cTn id="11" fill="hold">
-                      <p:stCondLst>
-                        <p:cond delay="indefinite"/>
-                      </p:stCondLst>
-                      <p:childTnLst>
-                        <p:par>
-                          <p:cTn id="12" fill="hold">
-                            <p:stCondLst>
-                              <p:cond delay="0"/>
-                            </p:stCondLst>
-                            <p:childTnLst>
-                              <p:par>
-                                <p:cTn id="13" presetID="1" presetClass="entr" presetSubtype="0" fill="hold" grpId="0" nodeType="clickEffect">
-                                  <p:stCondLst>
-                                    <p:cond delay="0"/>
-                                  </p:stCondLst>
-                                  <p:childTnLst>
-                                    <p:set>
-                                      <p:cBhvr>
-                                        <p:cTn id="14" dur="1" fill="hold">
-                                          <p:stCondLst>
-                                            <p:cond delay="0"/>
-                                          </p:stCondLst>
-                                        </p:cTn>
-                                        <p:tgtEl>
-                                          <p:spTgt spid="3">
-                                            <p:txEl>
                                               <p:pRg st="2" end="2"/>
-                                            </p:txEl>
-                                          </p:spTgt>
-                                        </p:tgtEl>
-                                        <p:attrNameLst>
-                                          <p:attrName>style.visibility</p:attrName>
-                                        </p:attrNameLst>
-                                      </p:cBhvr>
-                                      <p:to>
-                                        <p:strVal val="visible"/>
-                                      </p:to>
-                                    </p:set>
-                                  </p:childTnLst>
-                                </p:cTn>
-                              </p:par>
-                            </p:childTnLst>
-                          </p:cTn>
-                        </p:par>
-                      </p:childTnLst>
-                    </p:cTn>
-                  </p:par>
-                  <p:par>
-                    <p:cTn id="15" fill="hold">
-                      <p:stCondLst>
-                        <p:cond delay="indefinite"/>
-                      </p:stCondLst>
-                      <p:childTnLst>
-                        <p:par>
-                          <p:cTn id="16" fill="hold">
-                            <p:stCondLst>
-                              <p:cond delay="0"/>
-                            </p:stCondLst>
-                            <p:childTnLst>
-                              <p:par>
-                                <p:cTn id="17" presetID="1" presetClass="entr" presetSubtype="0" fill="hold" grpId="0" nodeType="clickEffect">
-                                  <p:stCondLst>
-                                    <p:cond delay="0"/>
-                                  </p:stCondLst>
-                                  <p:childTnLst>
-                                    <p:set>
-                                      <p:cBhvr>
-                                        <p:cTn id="18" dur="1" fill="hold">
-                                          <p:stCondLst>
-                                            <p:cond delay="0"/>
-                                          </p:stCondLst>
-                                        </p:cTn>
-                                        <p:tgtEl>
-                                          <p:spTgt spid="3">
-                                            <p:txEl>
-                                              <p:pRg st="3" end="3"/>
-                                            </p:txEl>
-                                          </p:spTgt>
-                                        </p:tgtEl>
-                                        <p:attrNameLst>
-                                          <p:attrName>style.visibility</p:attrName>
-                                        </p:attrNameLst>
-                                      </p:cBhvr>
-                                      <p:to>
-                                        <p:strVal val="visible"/>
-                                      </p:to>
-                                    </p:set>
-                                  </p:childTnLst>
-                                </p:cTn>
-                              </p:par>
-                            </p:childTnLst>
-                          </p:cTn>
-                        </p:par>
-                      </p:childTnLst>
-                    </p:cTn>
-                  </p:par>
-                  <p:par>
-                    <p:cTn id="19" fill="hold">
-                      <p:stCondLst>
-                        <p:cond delay="indefinite"/>
-                      </p:stCondLst>
-                      <p:childTnLst>
-                        <p:par>
-                          <p:cTn id="20" fill="hold">
-                            <p:stCondLst>
-                              <p:cond delay="0"/>
-                            </p:stCondLst>
-                            <p:childTnLst>
-                              <p:par>
-                                <p:cTn id="21" presetID="1" presetClass="entr" presetSubtype="0" fill="hold" grpId="0" nodeType="clickEffect">
-                                  <p:stCondLst>
-                                    <p:cond delay="0"/>
-                                  </p:stCondLst>
-                                  <p:childTnLst>
-                                    <p:set>
-                                      <p:cBhvr>
-                                        <p:cTn id="22" dur="1" fill="hold">
-                                          <p:stCondLst>
-                                            <p:cond delay="0"/>
-                                          </p:stCondLst>
-                                        </p:cTn>
-                                        <p:tgtEl>
-                                          <p:spTgt spid="3">
-                                            <p:txEl>
-                                              <p:pRg st="4" end="4"/>
-                                            </p:txEl>
-                                          </p:spTgt>
-                                        </p:tgtEl>
-                                        <p:attrNameLst>
-                                          <p:attrName>style.visibility</p:attrName>
-                                        </p:attrNameLst>
-                                      </p:cBhvr>
-                                      <p:to>
-                                        <p:strVal val="visible"/>
-                                      </p:to>
-                                    </p:set>
-                                  </p:childTnLst>
-                                </p:cTn>
-                              </p:par>
-                            </p:childTnLst>
-                          </p:cTn>
-                        </p:par>
-                      </p:childTnLst>
-                    </p:cTn>
-                  </p:par>
-                  <p:par>
-                    <p:cTn id="23" fill="hold">
-                      <p:stCondLst>
-                        <p:cond delay="indefinite"/>
-                      </p:stCondLst>
-                      <p:childTnLst>
-                        <p:par>
-                          <p:cTn id="24" fill="hold">
-                            <p:stCondLst>
-                              <p:cond delay="0"/>
-                            </p:stCondLst>
-                            <p:childTnLst>
-                              <p:par>
-                                <p:cTn id="25" presetID="1" presetClass="entr" presetSubtype="0" fill="hold" grpId="0" nodeType="clickEffect">
-                                  <p:stCondLst>
-                                    <p:cond delay="0"/>
-                                  </p:stCondLst>
-                                  <p:childTnLst>
-                                    <p:set>
-                                      <p:cBhvr>
-                                        <p:cTn id="26" dur="1" fill="hold">
-                                          <p:stCondLst>
-                                            <p:cond delay="0"/>
-                                          </p:stCondLst>
-                                        </p:cTn>
-                                        <p:tgtEl>
-                                          <p:spTgt spid="3">
-                                            <p:txEl>
-                                              <p:pRg st="5" end="5"/>
                                             </p:txEl>
                                           </p:spTgt>
                                         </p:tgtEl>
@@ -4573,7 +5197,181 @@
 </p:sld>
 </file>
 
-<file path=ppt/slides/slide13.xml><?xml version="1.0" encoding="utf-8"?>
+<file path=ppt/slides/slide2.xml><?xml version="1.0" encoding="utf-8"?>
+<p:sld xmlns:a="http://schemas.openxmlformats.org/drawingml/2006/main" xmlns:r="http://schemas.openxmlformats.org/officeDocument/2006/relationships" xmlns:p="http://schemas.openxmlformats.org/presentationml/2006/main">
+  <p:cSld>
+    <p:spTree>
+      <p:nvGrpSpPr>
+        <p:cNvPr id="1" name=""/>
+        <p:cNvGrpSpPr/>
+        <p:nvPr/>
+      </p:nvGrpSpPr>
+      <p:grpSpPr>
+        <a:xfrm>
+          <a:off x="0" y="0"/>
+          <a:ext cx="0" cy="0"/>
+          <a:chOff x="0" y="0"/>
+          <a:chExt cx="0" cy="0"/>
+        </a:xfrm>
+      </p:grpSpPr>
+      <p:sp>
+        <p:nvSpPr>
+          <p:cNvPr id="3" name="Content Placeholder 2"/>
+          <p:cNvSpPr>
+            <a:spLocks noGrp="1"/>
+          </p:cNvSpPr>
+          <p:nvPr>
+            <p:ph idx="1"/>
+          </p:nvPr>
+        </p:nvSpPr>
+        <p:spPr/>
+        <p:txBody>
+          <a:bodyPr/>
+          <a:lstStyle/>
+          <a:p>
+            <a:pPr lvl="0" indent="0" marL="0">
+              <a:spcBef>
+                <a:spcPts val="3000"/>
+              </a:spcBef>
+              <a:buNone/>
+            </a:pPr>
+            <a:r>
+              <a:rPr b="1"/>
+              <a:t>About Me</a:t>
+            </a:r>
+          </a:p>
+        </p:txBody>
+      </p:sp>
+    </p:spTree>
+  </p:cSld>
+</p:sld>
+</file>
+
+<file path=ppt/slides/slide3.xml><?xml version="1.0" encoding="utf-8"?>
+<p:sld xmlns:a="http://schemas.openxmlformats.org/drawingml/2006/main" xmlns:r="http://schemas.openxmlformats.org/officeDocument/2006/relationships" xmlns:p="http://schemas.openxmlformats.org/presentationml/2006/main">
+  <p:cSld>
+    <p:spTree>
+      <p:nvGrpSpPr>
+        <p:cNvPr id="1" name=""/>
+        <p:cNvGrpSpPr/>
+        <p:nvPr/>
+      </p:nvGrpSpPr>
+      <p:grpSpPr>
+        <a:xfrm>
+          <a:off x="0" y="0"/>
+          <a:ext cx="0" cy="0"/>
+          <a:chOff x="0" y="0"/>
+          <a:chExt cx="0" cy="0"/>
+        </a:xfrm>
+      </p:grpSpPr>
+      <p:pic>
+        <p:nvPicPr>
+          <p:cNvPr descr="images/zahid.jpg" id="0" name="Picture 1"/>
+          <p:cNvPicPr>
+            <a:picLocks noGrp="1" noChangeAspect="1"/>
+          </p:cNvPicPr>
+          <p:nvPr/>
+        </p:nvPicPr>
+        <p:blipFill>
+          <a:blip r:embed="rId2"/>
+          <a:stretch>
+            <a:fillRect/>
+          </a:stretch>
+        </p:blipFill>
+        <p:spPr bwMode="auto">
+          <a:xfrm>
+            <a:off x="787400" y="1193800"/>
+            <a:ext cx="3390900" cy="3390900"/>
+          </a:xfrm>
+          <a:prstGeom prst="rect">
+            <a:avLst/>
+          </a:prstGeom>
+          <a:noFill/>
+          <a:ln w="9525">
+            <a:noFill/>
+            <a:headEnd/>
+            <a:tailEnd/>
+          </a:ln>
+        </p:spPr>
+      </p:pic>
+      <p:sp>
+        <p:nvSpPr>
+          <p:cNvPr id="4" name="Content Placeholder 3"/>
+          <p:cNvSpPr>
+            <a:spLocks noGrp="1"/>
+          </p:cNvSpPr>
+          <p:nvPr>
+            <p:ph idx="2" sz="half"/>
+          </p:nvPr>
+        </p:nvSpPr>
+        <p:spPr/>
+        <p:txBody>
+          <a:bodyPr/>
+          <a:lstStyle/>
+          <a:p>
+            <a:pPr lvl="0"/>
+            <a:r>
+              <a:rPr/>
+              <a:t>Ph.D (Economics) — Pakistan Institute of Development Economics, 2007</a:t>
+            </a:r>
+          </a:p>
+          <a:p>
+            <a:pPr lvl="0"/>
+            <a:r>
+              <a:rPr/>
+              <a:t>Director, School of Economics (2019-Jan-22)</a:t>
+            </a:r>
+          </a:p>
+          <a:p>
+            <a:pPr lvl="0"/>
+            <a:r>
+              <a:rPr/>
+              <a:t>Registrar(2020-2021), Quaid-i-Azam University, Islamabad</a:t>
+            </a:r>
+          </a:p>
+          <a:p>
+            <a:pPr lvl="0"/>
+            <a:r>
+              <a:rPr/>
+              <a:t>Specializations:</a:t>
+            </a:r>
+          </a:p>
+          <a:p>
+            <a:pPr lvl="1"/>
+            <a:r>
+              <a:rPr/>
+              <a:t>Applied Econometrics</a:t>
+            </a:r>
+          </a:p>
+          <a:p>
+            <a:pPr lvl="1"/>
+            <a:r>
+              <a:rPr/>
+              <a:t>Data Analyst</a:t>
+            </a:r>
+          </a:p>
+          <a:p>
+            <a:pPr lvl="1"/>
+            <a:r>
+              <a:rPr/>
+              <a:t>Development Economics</a:t>
+            </a:r>
+          </a:p>
+          <a:p>
+            <a:pPr lvl="0"/>
+            <a:r>
+              <a:rPr/>
+              <a:t>Research interests : data for policy, data and analytical skill development ,data for policy</a:t>
+            </a:r>
+          </a:p>
+        </p:txBody>
+      </p:sp>
+    </p:spTree>
+  </p:cSld>
+</p:sld>
+</file>
+
+<file path=ppt/slides/slide4.xml><?xml version="1.0" encoding="utf-8"?>
 <p:sld xmlns:a="http://schemas.openxmlformats.org/drawingml/2006/main" xmlns:r="http://schemas.openxmlformats.org/officeDocument/2006/relationships" xmlns:p="http://schemas.openxmlformats.org/presentationml/2006/main">
   <p:cSld>
     <p:spTree>
@@ -4609,10 +5407,8 @@
               <a:buNone/>
             </a:pPr>
             <a:r>
-              <a:rPr>
-                <a:hlinkClick r:id="rId3"/>
-              </a:rPr>
-              <a:t>polleverywhere</a:t>
+              <a:rPr/>
+              <a:t>“If we want to move from a future we dont want to a future we want, we have to consciously practice bold thinking to achieve the desired future.”</a:t>
             </a:r>
           </a:p>
         </p:txBody>
@@ -4633,14 +5429,11 @@
           <a:lstStyle/>
           <a:p>
             <a:pPr lvl="0" indent="0" marL="0">
+              <a:spcBef>
+                <a:spcPts val="3000"/>
+              </a:spcBef>
               <a:buNone/>
             </a:pPr>
-            <a:r>
-              <a:rPr>
-                <a:hlinkClick r:id="rId4"/>
-              </a:rPr>
-              <a:t>An ideal teacher</a:t>
-            </a:r>
           </a:p>
         </p:txBody>
       </p:sp>
@@ -4649,7 +5442,7 @@
 </p:sld>
 </file>
 
-<file path=ppt/slides/slide14.xml><?xml version="1.0" encoding="utf-8"?>
+<file path=ppt/slides/slide5.xml><?xml version="1.0" encoding="utf-8"?>
 <p:sld xmlns:a="http://schemas.openxmlformats.org/drawingml/2006/main" xmlns:r="http://schemas.openxmlformats.org/officeDocument/2006/relationships" xmlns:p="http://schemas.openxmlformats.org/presentationml/2006/main">
   <p:cSld>
     <p:spTree>
@@ -4685,8 +5478,10 @@
               <a:buNone/>
             </a:pPr>
             <a:r>
-              <a:rPr/>
-              <a:t>Lecturing</a:t>
+              <a:rPr>
+                <a:hlinkClick r:id="rId3"/>
+              </a:rPr>
+              <a:t>How to Give a Killer Presentation HBR</a:t>
             </a:r>
           </a:p>
         </p:txBody>
@@ -4712,95 +5507,174 @@
               </a:spcBef>
               <a:buNone/>
             </a:pPr>
+          </a:p>
+          <a:p>
+            <a:pPr lvl="0" indent="0" marL="0">
+              <a:spcBef>
+                <a:spcPts val="3000"/>
+              </a:spcBef>
+              <a:buNone/>
+            </a:pPr>
+          </a:p>
+          <a:p>
+            <a:pPr lvl="0" indent="0" marL="0">
+              <a:spcBef>
+                <a:spcPts val="3000"/>
+              </a:spcBef>
+              <a:buNone/>
+            </a:pPr>
             <a:r>
               <a:rPr b="1"/>
-              <a:t>is a process by which knowledge is transferred from the teacher (expert) to young learners(students). Unfortunately, there is no single magical formula for that but still quite possible by following a series of steps and procedures which I hope will be made part of this training.</a:t>
-            </a:r>
-          </a:p>
-        </p:txBody>
-      </p:sp>
-    </p:spTree>
-  </p:cSld>
-</p:sld>
-</file>
-
-<file path=ppt/slides/slide15.xml><?xml version="1.0" encoding="utf-8"?>
-<p:sld xmlns:a="http://schemas.openxmlformats.org/drawingml/2006/main" xmlns:r="http://schemas.openxmlformats.org/officeDocument/2006/relationships" xmlns:p="http://schemas.openxmlformats.org/presentationml/2006/main">
-  <p:cSld>
-    <p:spTree>
-      <p:nvGrpSpPr>
-        <p:cNvPr id="1" name=""/>
-        <p:cNvGrpSpPr/>
-        <p:nvPr/>
-      </p:nvGrpSpPr>
-      <p:grpSpPr>
-        <a:xfrm>
-          <a:off x="0" y="0"/>
-          <a:ext cx="0" cy="0"/>
-          <a:chOff x="0" y="0"/>
-          <a:chExt cx="0" cy="0"/>
-        </a:xfrm>
-      </p:grpSpPr>
-      <p:sp>
-        <p:nvSpPr>
-          <p:cNvPr id="3" name="Content Placeholder 2"/>
-          <p:cNvSpPr>
-            <a:spLocks noGrp="1"/>
-          </p:cNvSpPr>
-          <p:nvPr>
-            <p:ph idx="1"/>
-          </p:nvPr>
-        </p:nvSpPr>
-        <p:spPr/>
-        <p:txBody>
-          <a:bodyPr/>
-          <a:lstStyle/>
+              <a:t>Why do we teach?</a:t>
+            </a:r>
+          </a:p>
+          <a:p>
+            <a:pPr lvl="0"/>
+            <a:r>
+              <a:rPr b="1"/>
+              <a:t>What is your mission of teaching?</a:t>
+            </a:r>
+          </a:p>
+          <a:p>
+            <a:pPr lvl="0"/>
+            <a:r>
+              <a:rPr b="1"/>
+              <a:t>What is happening when we teach?</a:t>
+            </a:r>
+          </a:p>
+          <a:p>
+            <a:pPr lvl="0"/>
+            <a:r>
+              <a:rPr b="1"/>
+              <a:t>What is teaching?</a:t>
+            </a:r>
+          </a:p>
           <a:p>
             <a:pPr lvl="0" indent="0" marL="0">
+              <a:spcBef>
+                <a:spcPts val="3000"/>
+              </a:spcBef>
               <a:buNone/>
             </a:pPr>
             <a:r>
               <a:rPr b="1"/>
-              <a:t>Lecturer job:lessen student fears and encourage students to pursue deeper understanding</a:t>
+              <a:t>Contents:</a:t>
+            </a:r>
+          </a:p>
+          <a:p>
+            <a:pPr lvl="0" indent="-342900" marL="342900">
+              <a:buAutoNum type="arabicPeriod"/>
+            </a:pPr>
+            <a:r>
+              <a:rPr b="1"/>
+              <a:t>Requirements of a good teacher</a:t>
+            </a:r>
+          </a:p>
+          <a:p>
+            <a:pPr lvl="0" indent="-342900" marL="342900">
+              <a:buAutoNum type="arabicPeriod"/>
+            </a:pPr>
+            <a:r>
+              <a:rPr b="1"/>
+              <a:t>Types of Teacher</a:t>
+            </a:r>
+          </a:p>
+          <a:p>
+            <a:pPr lvl="0" indent="-342900" marL="342900">
+              <a:buAutoNum type="arabicPeriod"/>
+            </a:pPr>
+            <a:r>
+              <a:rPr b="1"/>
+              <a:t>Lecturing</a:t>
+            </a:r>
+          </a:p>
+          <a:p>
+            <a:pPr lvl="0" indent="-342900" marL="342900">
+              <a:buAutoNum type="arabicPeriod"/>
+            </a:pPr>
+            <a:r>
+              <a:rPr b="1"/>
+              <a:t>Requirements of Successful Lecturing</a:t>
+            </a:r>
+          </a:p>
+          <a:p>
+            <a:pPr lvl="0" indent="-342900" marL="342900">
+              <a:buAutoNum type="arabicPeriod"/>
+            </a:pPr>
+            <a:r>
+              <a:rPr b="1"/>
+              <a:t>Oral presentation Material and Methods</a:t>
+            </a:r>
+          </a:p>
+          <a:p>
+            <a:pPr lvl="0" indent="-342900" marL="342900">
+              <a:buAutoNum type="arabicPeriod"/>
+            </a:pPr>
+            <a:r>
+              <a:rPr b="1"/>
+              <a:t>Requirements of Ideal effective lecturing</a:t>
             </a:r>
           </a:p>
           <a:p>
             <a:pPr lvl="0" indent="0" marL="0">
+              <a:spcBef>
+                <a:spcPts val="3000"/>
+              </a:spcBef>
               <a:buNone/>
             </a:pPr>
-            <a:r>
-              <a:rPr/>
-              <a:t>a- These include several teaching and curriculum approaches that can be integrated into typical quantitative methods classes.</a:t>
-            </a:r>
-          </a:p>
-          <a:p>
-            <a:pPr lvl="0" indent="0" marL="0">
-              <a:buNone/>
+          </a:p>
+          <a:p>
+            <a:pPr lvl="0" indent="-342900" marL="342900">
+              <a:buAutoNum startAt="7" type="arabicPeriod"/>
             </a:pPr>
             <a:r>
-              <a:rPr/>
-              <a:t>b- integration during the class;</a:t>
-            </a:r>
-          </a:p>
-          <a:p>
-            <a:pPr lvl="0"/>
-            <a:r>
-              <a:rPr/>
-              <a:t>expanded opportunities for two-way communication;</a:t>
-            </a:r>
-          </a:p>
-          <a:p>
-            <a:pPr lvl="0"/>
-            <a:r>
-              <a:rPr/>
-              <a:t>developing co-ownership of the course along with the students;</a:t>
-            </a:r>
-          </a:p>
-          <a:p>
-            <a:pPr lvl="0"/>
-            <a:r>
-              <a:rPr/>
-              <a:t>alternating lecture with small-group work to aid in learning difficult topics.</a:t>
+              <a:rPr b="1"/>
+              <a:t>Characteristics of Good Instructions.</a:t>
+            </a:r>
+          </a:p>
+          <a:p>
+            <a:pPr lvl="0" indent="-342900" marL="342900">
+              <a:buAutoNum startAt="7" type="arabicPeriod"/>
+            </a:pPr>
+            <a:r>
+              <a:rPr b="1"/>
+              <a:t>Structure of the lecture</a:t>
+            </a:r>
+          </a:p>
+          <a:p>
+            <a:pPr lvl="0" indent="-342900" marL="342900">
+              <a:buAutoNum startAt="7" type="arabicPeriod"/>
+            </a:pPr>
+            <a:r>
+              <a:rPr b="1"/>
+              <a:t>Summary of the requirements for an ideal and effective lecture</a:t>
+            </a:r>
+          </a:p>
+          <a:p>
+            <a:pPr lvl="0" indent="-342900" marL="342900">
+              <a:buAutoNum startAt="7" type="arabicPeriod"/>
+            </a:pPr>
+            <a:r>
+              <a:rPr b="1"/>
+              <a:t>Closure</a:t>
+            </a:r>
+          </a:p>
+          <a:p>
+            <a:pPr lvl="0" indent="-342900" marL="342900">
+              <a:buAutoNum startAt="7" type="arabicPeriod"/>
+            </a:pPr>
+            <a:r>
+              <a:rPr b="1"/>
+              <a:t>Summary</a:t>
+            </a:r>
+          </a:p>
+          <a:p>
+            <a:pPr lvl="0" indent="-342900" marL="342900">
+              <a:buAutoNum startAt="7" type="arabicPeriod"/>
+            </a:pPr>
+            <a:r>
+              <a:rPr b="1"/>
+              <a:t>Conclusion</a:t>
             </a:r>
           </a:p>
         </p:txBody>
@@ -4962,6 +5836,594 @@
                       </p:childTnLst>
                     </p:cTn>
                   </p:par>
+                  <p:par>
+                    <p:cTn id="15" fill="hold">
+                      <p:stCondLst>
+                        <p:cond delay="indefinite"/>
+                      </p:stCondLst>
+                      <p:childTnLst>
+                        <p:par>
+                          <p:cTn id="16" fill="hold">
+                            <p:stCondLst>
+                              <p:cond delay="0"/>
+                            </p:stCondLst>
+                            <p:childTnLst>
+                              <p:par>
+                                <p:cTn id="17" presetID="1" presetClass="entr" presetSubtype="0" fill="hold" grpId="0" nodeType="clickEffect">
+                                  <p:stCondLst>
+                                    <p:cond delay="0"/>
+                                  </p:stCondLst>
+                                  <p:childTnLst>
+                                    <p:set>
+                                      <p:cBhvr>
+                                        <p:cTn id="18" dur="1" fill="hold">
+                                          <p:stCondLst>
+                                            <p:cond delay="0"/>
+                                          </p:stCondLst>
+                                        </p:cTn>
+                                        <p:tgtEl>
+                                          <p:spTgt spid="3">
+                                            <p:txEl>
+                                              <p:pRg st="7" end="7"/>
+                                            </p:txEl>
+                                          </p:spTgt>
+                                        </p:tgtEl>
+                                        <p:attrNameLst>
+                                          <p:attrName>style.visibility</p:attrName>
+                                        </p:attrNameLst>
+                                      </p:cBhvr>
+                                      <p:to>
+                                        <p:strVal val="visible"/>
+                                      </p:to>
+                                    </p:set>
+                                  </p:childTnLst>
+                                </p:cTn>
+                              </p:par>
+                            </p:childTnLst>
+                          </p:cTn>
+                        </p:par>
+                      </p:childTnLst>
+                    </p:cTn>
+                  </p:par>
+                  <p:par>
+                    <p:cTn id="19" fill="hold">
+                      <p:stCondLst>
+                        <p:cond delay="indefinite"/>
+                      </p:stCondLst>
+                      <p:childTnLst>
+                        <p:par>
+                          <p:cTn id="20" fill="hold">
+                            <p:stCondLst>
+                              <p:cond delay="0"/>
+                            </p:stCondLst>
+                            <p:childTnLst>
+                              <p:par>
+                                <p:cTn id="21" presetID="1" presetClass="entr" presetSubtype="0" fill="hold" grpId="0" nodeType="clickEffect">
+                                  <p:stCondLst>
+                                    <p:cond delay="0"/>
+                                  </p:stCondLst>
+                                  <p:childTnLst>
+                                    <p:set>
+                                      <p:cBhvr>
+                                        <p:cTn id="22" dur="1" fill="hold">
+                                          <p:stCondLst>
+                                            <p:cond delay="0"/>
+                                          </p:stCondLst>
+                                        </p:cTn>
+                                        <p:tgtEl>
+                                          <p:spTgt spid="3">
+                                            <p:txEl>
+                                              <p:pRg st="8" end="8"/>
+                                            </p:txEl>
+                                          </p:spTgt>
+                                        </p:tgtEl>
+                                        <p:attrNameLst>
+                                          <p:attrName>style.visibility</p:attrName>
+                                        </p:attrNameLst>
+                                      </p:cBhvr>
+                                      <p:to>
+                                        <p:strVal val="visible"/>
+                                      </p:to>
+                                    </p:set>
+                                  </p:childTnLst>
+                                </p:cTn>
+                              </p:par>
+                            </p:childTnLst>
+                          </p:cTn>
+                        </p:par>
+                      </p:childTnLst>
+                    </p:cTn>
+                  </p:par>
+                  <p:par>
+                    <p:cTn id="23" fill="hold">
+                      <p:stCondLst>
+                        <p:cond delay="indefinite"/>
+                      </p:stCondLst>
+                      <p:childTnLst>
+                        <p:par>
+                          <p:cTn id="24" fill="hold">
+                            <p:stCondLst>
+                              <p:cond delay="0"/>
+                            </p:stCondLst>
+                            <p:childTnLst>
+                              <p:par>
+                                <p:cTn id="25" presetID="1" presetClass="entr" presetSubtype="0" fill="hold" grpId="0" nodeType="clickEffect">
+                                  <p:stCondLst>
+                                    <p:cond delay="0"/>
+                                  </p:stCondLst>
+                                  <p:childTnLst>
+                                    <p:set>
+                                      <p:cBhvr>
+                                        <p:cTn id="26" dur="1" fill="hold">
+                                          <p:stCondLst>
+                                            <p:cond delay="0"/>
+                                          </p:stCondLst>
+                                        </p:cTn>
+                                        <p:tgtEl>
+                                          <p:spTgt spid="3">
+                                            <p:txEl>
+                                              <p:pRg st="9" end="9"/>
+                                            </p:txEl>
+                                          </p:spTgt>
+                                        </p:tgtEl>
+                                        <p:attrNameLst>
+                                          <p:attrName>style.visibility</p:attrName>
+                                        </p:attrNameLst>
+                                      </p:cBhvr>
+                                      <p:to>
+                                        <p:strVal val="visible"/>
+                                      </p:to>
+                                    </p:set>
+                                  </p:childTnLst>
+                                </p:cTn>
+                              </p:par>
+                            </p:childTnLst>
+                          </p:cTn>
+                        </p:par>
+                      </p:childTnLst>
+                    </p:cTn>
+                  </p:par>
+                  <p:par>
+                    <p:cTn id="27" fill="hold">
+                      <p:stCondLst>
+                        <p:cond delay="indefinite"/>
+                      </p:stCondLst>
+                      <p:childTnLst>
+                        <p:par>
+                          <p:cTn id="28" fill="hold">
+                            <p:stCondLst>
+                              <p:cond delay="0"/>
+                            </p:stCondLst>
+                            <p:childTnLst>
+                              <p:par>
+                                <p:cTn id="29" presetID="1" presetClass="entr" presetSubtype="0" fill="hold" grpId="0" nodeType="clickEffect">
+                                  <p:stCondLst>
+                                    <p:cond delay="0"/>
+                                  </p:stCondLst>
+                                  <p:childTnLst>
+                                    <p:set>
+                                      <p:cBhvr>
+                                        <p:cTn id="30" dur="1" fill="hold">
+                                          <p:stCondLst>
+                                            <p:cond delay="0"/>
+                                          </p:stCondLst>
+                                        </p:cTn>
+                                        <p:tgtEl>
+                                          <p:spTgt spid="3">
+                                            <p:txEl>
+                                              <p:pRg st="10" end="10"/>
+                                            </p:txEl>
+                                          </p:spTgt>
+                                        </p:tgtEl>
+                                        <p:attrNameLst>
+                                          <p:attrName>style.visibility</p:attrName>
+                                        </p:attrNameLst>
+                                      </p:cBhvr>
+                                      <p:to>
+                                        <p:strVal val="visible"/>
+                                      </p:to>
+                                    </p:set>
+                                  </p:childTnLst>
+                                </p:cTn>
+                              </p:par>
+                            </p:childTnLst>
+                          </p:cTn>
+                        </p:par>
+                      </p:childTnLst>
+                    </p:cTn>
+                  </p:par>
+                  <p:par>
+                    <p:cTn id="31" fill="hold">
+                      <p:stCondLst>
+                        <p:cond delay="indefinite"/>
+                      </p:stCondLst>
+                      <p:childTnLst>
+                        <p:par>
+                          <p:cTn id="32" fill="hold">
+                            <p:stCondLst>
+                              <p:cond delay="0"/>
+                            </p:stCondLst>
+                            <p:childTnLst>
+                              <p:par>
+                                <p:cTn id="33" presetID="1" presetClass="entr" presetSubtype="0" fill="hold" grpId="0" nodeType="clickEffect">
+                                  <p:stCondLst>
+                                    <p:cond delay="0"/>
+                                  </p:stCondLst>
+                                  <p:childTnLst>
+                                    <p:set>
+                                      <p:cBhvr>
+                                        <p:cTn id="34" dur="1" fill="hold">
+                                          <p:stCondLst>
+                                            <p:cond delay="0"/>
+                                          </p:stCondLst>
+                                        </p:cTn>
+                                        <p:tgtEl>
+                                          <p:spTgt spid="3">
+                                            <p:txEl>
+                                              <p:pRg st="11" end="11"/>
+                                            </p:txEl>
+                                          </p:spTgt>
+                                        </p:tgtEl>
+                                        <p:attrNameLst>
+                                          <p:attrName>style.visibility</p:attrName>
+                                        </p:attrNameLst>
+                                      </p:cBhvr>
+                                      <p:to>
+                                        <p:strVal val="visible"/>
+                                      </p:to>
+                                    </p:set>
+                                  </p:childTnLst>
+                                </p:cTn>
+                              </p:par>
+                            </p:childTnLst>
+                          </p:cTn>
+                        </p:par>
+                      </p:childTnLst>
+                    </p:cTn>
+                  </p:par>
+                  <p:par>
+                    <p:cTn id="35" fill="hold">
+                      <p:stCondLst>
+                        <p:cond delay="indefinite"/>
+                      </p:stCondLst>
+                      <p:childTnLst>
+                        <p:par>
+                          <p:cTn id="36" fill="hold">
+                            <p:stCondLst>
+                              <p:cond delay="0"/>
+                            </p:stCondLst>
+                            <p:childTnLst>
+                              <p:par>
+                                <p:cTn id="37" presetID="1" presetClass="entr" presetSubtype="0" fill="hold" grpId="0" nodeType="clickEffect">
+                                  <p:stCondLst>
+                                    <p:cond delay="0"/>
+                                  </p:stCondLst>
+                                  <p:childTnLst>
+                                    <p:set>
+                                      <p:cBhvr>
+                                        <p:cTn id="38" dur="1" fill="hold">
+                                          <p:stCondLst>
+                                            <p:cond delay="0"/>
+                                          </p:stCondLst>
+                                        </p:cTn>
+                                        <p:tgtEl>
+                                          <p:spTgt spid="3">
+                                            <p:txEl>
+                                              <p:pRg st="12" end="12"/>
+                                            </p:txEl>
+                                          </p:spTgt>
+                                        </p:tgtEl>
+                                        <p:attrNameLst>
+                                          <p:attrName>style.visibility</p:attrName>
+                                        </p:attrNameLst>
+                                      </p:cBhvr>
+                                      <p:to>
+                                        <p:strVal val="visible"/>
+                                      </p:to>
+                                    </p:set>
+                                  </p:childTnLst>
+                                </p:cTn>
+                              </p:par>
+                            </p:childTnLst>
+                          </p:cTn>
+                        </p:par>
+                      </p:childTnLst>
+                    </p:cTn>
+                  </p:par>
+                  <p:par>
+                    <p:cTn id="39" fill="hold">
+                      <p:stCondLst>
+                        <p:cond delay="indefinite"/>
+                      </p:stCondLst>
+                      <p:childTnLst>
+                        <p:par>
+                          <p:cTn id="40" fill="hold">
+                            <p:stCondLst>
+                              <p:cond delay="0"/>
+                            </p:stCondLst>
+                            <p:childTnLst>
+                              <p:par>
+                                <p:cTn id="41" presetID="1" presetClass="entr" presetSubtype="0" fill="hold" grpId="0" nodeType="clickEffect">
+                                  <p:stCondLst>
+                                    <p:cond delay="0"/>
+                                  </p:stCondLst>
+                                  <p:childTnLst>
+                                    <p:set>
+                                      <p:cBhvr>
+                                        <p:cTn id="42" dur="1" fill="hold">
+                                          <p:stCondLst>
+                                            <p:cond delay="0"/>
+                                          </p:stCondLst>
+                                        </p:cTn>
+                                        <p:tgtEl>
+                                          <p:spTgt spid="3">
+                                            <p:txEl>
+                                              <p:pRg st="14" end="14"/>
+                                            </p:txEl>
+                                          </p:spTgt>
+                                        </p:tgtEl>
+                                        <p:attrNameLst>
+                                          <p:attrName>style.visibility</p:attrName>
+                                        </p:attrNameLst>
+                                      </p:cBhvr>
+                                      <p:to>
+                                        <p:strVal val="visible"/>
+                                      </p:to>
+                                    </p:set>
+                                  </p:childTnLst>
+                                </p:cTn>
+                              </p:par>
+                            </p:childTnLst>
+                          </p:cTn>
+                        </p:par>
+                      </p:childTnLst>
+                    </p:cTn>
+                  </p:par>
+                  <p:par>
+                    <p:cTn id="43" fill="hold">
+                      <p:stCondLst>
+                        <p:cond delay="indefinite"/>
+                      </p:stCondLst>
+                      <p:childTnLst>
+                        <p:par>
+                          <p:cTn id="44" fill="hold">
+                            <p:stCondLst>
+                              <p:cond delay="0"/>
+                            </p:stCondLst>
+                            <p:childTnLst>
+                              <p:par>
+                                <p:cTn id="45" presetID="1" presetClass="entr" presetSubtype="0" fill="hold" grpId="0" nodeType="clickEffect">
+                                  <p:stCondLst>
+                                    <p:cond delay="0"/>
+                                  </p:stCondLst>
+                                  <p:childTnLst>
+                                    <p:set>
+                                      <p:cBhvr>
+                                        <p:cTn id="46" dur="1" fill="hold">
+                                          <p:stCondLst>
+                                            <p:cond delay="0"/>
+                                          </p:stCondLst>
+                                        </p:cTn>
+                                        <p:tgtEl>
+                                          <p:spTgt spid="3">
+                                            <p:txEl>
+                                              <p:pRg st="15" end="15"/>
+                                            </p:txEl>
+                                          </p:spTgt>
+                                        </p:tgtEl>
+                                        <p:attrNameLst>
+                                          <p:attrName>style.visibility</p:attrName>
+                                        </p:attrNameLst>
+                                      </p:cBhvr>
+                                      <p:to>
+                                        <p:strVal val="visible"/>
+                                      </p:to>
+                                    </p:set>
+                                  </p:childTnLst>
+                                </p:cTn>
+                              </p:par>
+                            </p:childTnLst>
+                          </p:cTn>
+                        </p:par>
+                      </p:childTnLst>
+                    </p:cTn>
+                  </p:par>
+                  <p:par>
+                    <p:cTn id="47" fill="hold">
+                      <p:stCondLst>
+                        <p:cond delay="indefinite"/>
+                      </p:stCondLst>
+                      <p:childTnLst>
+                        <p:par>
+                          <p:cTn id="48" fill="hold">
+                            <p:stCondLst>
+                              <p:cond delay="0"/>
+                            </p:stCondLst>
+                            <p:childTnLst>
+                              <p:par>
+                                <p:cTn id="49" presetID="1" presetClass="entr" presetSubtype="0" fill="hold" grpId="0" nodeType="clickEffect">
+                                  <p:stCondLst>
+                                    <p:cond delay="0"/>
+                                  </p:stCondLst>
+                                  <p:childTnLst>
+                                    <p:set>
+                                      <p:cBhvr>
+                                        <p:cTn id="50" dur="1" fill="hold">
+                                          <p:stCondLst>
+                                            <p:cond delay="0"/>
+                                          </p:stCondLst>
+                                        </p:cTn>
+                                        <p:tgtEl>
+                                          <p:spTgt spid="3">
+                                            <p:txEl>
+                                              <p:pRg st="16" end="16"/>
+                                            </p:txEl>
+                                          </p:spTgt>
+                                        </p:tgtEl>
+                                        <p:attrNameLst>
+                                          <p:attrName>style.visibility</p:attrName>
+                                        </p:attrNameLst>
+                                      </p:cBhvr>
+                                      <p:to>
+                                        <p:strVal val="visible"/>
+                                      </p:to>
+                                    </p:set>
+                                  </p:childTnLst>
+                                </p:cTn>
+                              </p:par>
+                            </p:childTnLst>
+                          </p:cTn>
+                        </p:par>
+                      </p:childTnLst>
+                    </p:cTn>
+                  </p:par>
+                  <p:par>
+                    <p:cTn id="51" fill="hold">
+                      <p:stCondLst>
+                        <p:cond delay="indefinite"/>
+                      </p:stCondLst>
+                      <p:childTnLst>
+                        <p:par>
+                          <p:cTn id="52" fill="hold">
+                            <p:stCondLst>
+                              <p:cond delay="0"/>
+                            </p:stCondLst>
+                            <p:childTnLst>
+                              <p:par>
+                                <p:cTn id="53" presetID="1" presetClass="entr" presetSubtype="0" fill="hold" grpId="0" nodeType="clickEffect">
+                                  <p:stCondLst>
+                                    <p:cond delay="0"/>
+                                  </p:stCondLst>
+                                  <p:childTnLst>
+                                    <p:set>
+                                      <p:cBhvr>
+                                        <p:cTn id="54" dur="1" fill="hold">
+                                          <p:stCondLst>
+                                            <p:cond delay="0"/>
+                                          </p:stCondLst>
+                                        </p:cTn>
+                                        <p:tgtEl>
+                                          <p:spTgt spid="3">
+                                            <p:txEl>
+                                              <p:pRg st="17" end="17"/>
+                                            </p:txEl>
+                                          </p:spTgt>
+                                        </p:tgtEl>
+                                        <p:attrNameLst>
+                                          <p:attrName>style.visibility</p:attrName>
+                                        </p:attrNameLst>
+                                      </p:cBhvr>
+                                      <p:to>
+                                        <p:strVal val="visible"/>
+                                      </p:to>
+                                    </p:set>
+                                  </p:childTnLst>
+                                </p:cTn>
+                              </p:par>
+                            </p:childTnLst>
+                          </p:cTn>
+                        </p:par>
+                      </p:childTnLst>
+                    </p:cTn>
+                  </p:par>
+                  <p:par>
+                    <p:cTn id="55" fill="hold">
+                      <p:stCondLst>
+                        <p:cond delay="indefinite"/>
+                      </p:stCondLst>
+                      <p:childTnLst>
+                        <p:par>
+                          <p:cTn id="56" fill="hold">
+                            <p:stCondLst>
+                              <p:cond delay="0"/>
+                            </p:stCondLst>
+                            <p:childTnLst>
+                              <p:par>
+                                <p:cTn id="57" presetID="1" presetClass="entr" presetSubtype="0" fill="hold" grpId="0" nodeType="clickEffect">
+                                  <p:stCondLst>
+                                    <p:cond delay="0"/>
+                                  </p:stCondLst>
+                                  <p:childTnLst>
+                                    <p:set>
+                                      <p:cBhvr>
+                                        <p:cTn id="58" dur="1" fill="hold">
+                                          <p:stCondLst>
+                                            <p:cond delay="0"/>
+                                          </p:stCondLst>
+                                        </p:cTn>
+                                        <p:tgtEl>
+                                          <p:spTgt spid="3">
+                                            <p:txEl>
+                                              <p:pRg st="18" end="18"/>
+                                            </p:txEl>
+                                          </p:spTgt>
+                                        </p:tgtEl>
+                                        <p:attrNameLst>
+                                          <p:attrName>style.visibility</p:attrName>
+                                        </p:attrNameLst>
+                                      </p:cBhvr>
+                                      <p:to>
+                                        <p:strVal val="visible"/>
+                                      </p:to>
+                                    </p:set>
+                                  </p:childTnLst>
+                                </p:cTn>
+                              </p:par>
+                            </p:childTnLst>
+                          </p:cTn>
+                        </p:par>
+                      </p:childTnLst>
+                    </p:cTn>
+                  </p:par>
+                  <p:par>
+                    <p:cTn id="59" fill="hold">
+                      <p:stCondLst>
+                        <p:cond delay="indefinite"/>
+                      </p:stCondLst>
+                      <p:childTnLst>
+                        <p:par>
+                          <p:cTn id="60" fill="hold">
+                            <p:stCondLst>
+                              <p:cond delay="0"/>
+                            </p:stCondLst>
+                            <p:childTnLst>
+                              <p:par>
+                                <p:cTn id="61" presetID="1" presetClass="entr" presetSubtype="0" fill="hold" grpId="0" nodeType="clickEffect">
+                                  <p:stCondLst>
+                                    <p:cond delay="0"/>
+                                  </p:stCondLst>
+                                  <p:childTnLst>
+                                    <p:set>
+                                      <p:cBhvr>
+                                        <p:cTn id="62" dur="1" fill="hold">
+                                          <p:stCondLst>
+                                            <p:cond delay="0"/>
+                                          </p:stCondLst>
+                                        </p:cTn>
+                                        <p:tgtEl>
+                                          <p:spTgt spid="3">
+                                            <p:txEl>
+                                              <p:pRg st="19" end="19"/>
+                                            </p:txEl>
+                                          </p:spTgt>
+                                        </p:tgtEl>
+                                        <p:attrNameLst>
+                                          <p:attrName>style.visibility</p:attrName>
+                                        </p:attrNameLst>
+                                      </p:cBhvr>
+                                      <p:to>
+                                        <p:strVal val="visible"/>
+                                      </p:to>
+                                    </p:set>
+                                  </p:childTnLst>
+                                </p:cTn>
+                              </p:par>
+                            </p:childTnLst>
+                          </p:cTn>
+                        </p:par>
+                      </p:childTnLst>
+                    </p:cTn>
+                  </p:par>
                 </p:childTnLst>
               </p:cTn>
               <p:prevCondLst>
@@ -4990,7 +6452,7 @@
 </p:sld>
 </file>
 
-<file path=ppt/slides/slide16.xml><?xml version="1.0" encoding="utf-8"?>
+<file path=ppt/slides/slide6.xml><?xml version="1.0" encoding="utf-8"?>
 <p:sld xmlns:a="http://schemas.openxmlformats.org/drawingml/2006/main" xmlns:r="http://schemas.openxmlformats.org/officeDocument/2006/relationships" xmlns:p="http://schemas.openxmlformats.org/presentationml/2006/main">
   <p:cSld>
     <p:spTree>
@@ -5009,31 +6471,6 @@
       </p:grpSpPr>
       <p:sp>
         <p:nvSpPr>
-          <p:cNvPr id="2" name="Title 1"/>
-          <p:cNvSpPr>
-            <a:spLocks noGrp="1"/>
-          </p:cNvSpPr>
-          <p:nvPr>
-            <p:ph type="title"/>
-          </p:nvPr>
-        </p:nvSpPr>
-        <p:spPr/>
-        <p:txBody>
-          <a:bodyPr/>
-          <a:lstStyle/>
-          <a:p>
-            <a:pPr lvl="0" indent="0" marL="0">
-              <a:buNone/>
-            </a:pPr>
-            <a:r>
-              <a:rPr/>
-              <a:t>Poor slide</a:t>
-            </a:r>
-          </a:p>
-        </p:txBody>
-      </p:sp>
-      <p:sp>
-        <p:nvSpPr>
           <p:cNvPr id="3" name="Content Placeholder 2"/>
           <p:cNvSpPr>
             <a:spLocks noGrp="1"/>
@@ -5047,6 +6484,275 @@
           <a:bodyPr/>
           <a:lstStyle/>
           <a:p>
+            <a:pPr lvl="0" indent="0" marL="0">
+              <a:spcBef>
+                <a:spcPts val="3000"/>
+              </a:spcBef>
+              <a:buNone/>
+            </a:pPr>
+            <a:r>
+              <a:rPr b="1"/>
+              <a:t>Good Teacher</a:t>
+            </a:r>
+          </a:p>
+          <a:p>
+            <a:pPr lvl="0" indent="0" marL="0">
+              <a:spcBef>
+                <a:spcPts val="3000"/>
+              </a:spcBef>
+              <a:buNone/>
+            </a:pPr>
+            <a:r>
+              <a:rPr b="1"/>
+              <a:t>good teacher</a:t>
+            </a:r>
+          </a:p>
+          <a:p>
+            <a:pPr lvl="0" indent="0" marL="0">
+              <a:buNone/>
+            </a:pPr>
+          </a:p>
+          <a:p>
+            <a:pPr lvl="0" indent="0" marL="0">
+              <a:spcBef>
+                <a:spcPts val="3000"/>
+              </a:spcBef>
+              <a:buNone/>
+            </a:pPr>
+            <a:r>
+              <a:rPr b="1"/>
+              <a:t>How to become a good teacher?</a:t>
+            </a:r>
+          </a:p>
+          <a:p>
+            <a:pPr lvl="0" indent="0" marL="0">
+              <a:buNone/>
+            </a:pPr>
+          </a:p>
+          <a:p>
+            <a:pPr lvl="0" indent="0" marL="0">
+              <a:spcBef>
+                <a:spcPts val="3000"/>
+              </a:spcBef>
+              <a:buNone/>
+            </a:pPr>
+            <a:r>
+              <a:rPr b="1"/>
+              <a:t>Modes of communication</a:t>
+            </a:r>
+          </a:p>
+          <a:p>
+            <a:pPr lvl="0"/>
+            <a:r>
+              <a:rPr b="1"/>
+              <a:t>Verbal</a:t>
+            </a:r>
+            <a:r>
+              <a:rPr/>
+              <a:t> </a:t>
+            </a:r>
+            <a:r>
+              <a:rPr b="1"/>
+              <a:t>– speaking words. Voice tone/pitch/volume.</a:t>
+            </a:r>
+          </a:p>
+          <a:p>
+            <a:pPr lvl="0"/>
+            <a:r>
+              <a:rPr/>
+              <a:t>**Intonation : sarcastic, sad Word choice : lecture , friends , scientific meeting,**</a:t>
+            </a:r>
+          </a:p>
+          <a:p>
+            <a:pPr lvl="0"/>
+            <a:r>
+              <a:rPr b="1"/>
+              <a:t>Nonverbal</a:t>
+            </a:r>
+            <a:r>
+              <a:rPr/>
+              <a:t> </a:t>
+            </a:r>
+            <a:r>
+              <a:rPr b="1"/>
+              <a:t>: Knowledge ,skill &amp; eye contact ,. body language, facial expression , gestures.</a:t>
+            </a:r>
+          </a:p>
+          <a:p>
+            <a:pPr lvl="0"/>
+            <a:r>
+              <a:rPr b="1"/>
+              <a:t>Written Communication ; Explain ?</a:t>
+            </a:r>
+          </a:p>
+          <a:p>
+            <a:pPr lvl="0" indent="0" marL="0">
+              <a:spcBef>
+                <a:spcPts val="3000"/>
+              </a:spcBef>
+              <a:buNone/>
+            </a:pPr>
+            <a:r>
+              <a:rPr b="1"/>
+              <a:t>Types of Teachers</a:t>
+            </a:r>
+          </a:p>
+          <a:p>
+            <a:pPr lvl="0"/>
+            <a:r>
+              <a:rPr b="1"/>
+              <a:t>A mediocre Teacher : Tells</a:t>
+            </a:r>
+          </a:p>
+          <a:p>
+            <a:pPr lvl="0"/>
+            <a:r>
+              <a:rPr b="1"/>
+              <a:t>A good Teacher : explains</a:t>
+            </a:r>
+          </a:p>
+          <a:p>
+            <a:pPr lvl="0"/>
+            <a:r>
+              <a:rPr b="1"/>
+              <a:t>A superior Teacher : demonstrates</a:t>
+            </a:r>
+          </a:p>
+          <a:p>
+            <a:pPr lvl="0"/>
+            <a:r>
+              <a:rPr b="1"/>
+              <a:t>A great Teacher : inspires</a:t>
+            </a:r>
+          </a:p>
+          <a:p>
+            <a:pPr lvl="0"/>
+            <a:r>
+              <a:rPr b="1"/>
+              <a:t>A great Teacher uses : E C M T</a:t>
+            </a:r>
+          </a:p>
+          <a:p>
+            <a:pPr lvl="0"/>
+            <a:r>
+              <a:rPr b="1"/>
+              <a:t>(Effective Classroom Management Techniques)</a:t>
+            </a:r>
+          </a:p>
+          <a:p>
+            <a:pPr lvl="0" indent="0" marL="0">
+              <a:spcBef>
+                <a:spcPts val="3000"/>
+              </a:spcBef>
+              <a:buNone/>
+            </a:pPr>
+            <a:r>
+              <a:rPr b="1">
+                <a:hlinkClick r:id="rId3"/>
+              </a:rPr>
+              <a:t>polleverywhere</a:t>
+            </a:r>
+          </a:p>
+          <a:p>
+            <a:pPr lvl="0" indent="0" marL="0">
+              <a:buNone/>
+            </a:pPr>
+            <a:r>
+              <a:rPr>
+                <a:hlinkClick r:id="rId4"/>
+              </a:rPr>
+              <a:t>An ideal teacher</a:t>
+            </a:r>
+          </a:p>
+          <a:p>
+            <a:pPr lvl="0" indent="0" marL="0">
+              <a:spcBef>
+                <a:spcPts val="3000"/>
+              </a:spcBef>
+              <a:buNone/>
+            </a:pPr>
+            <a:r>
+              <a:rPr b="1"/>
+              <a:t>Lecturing</a:t>
+            </a:r>
+          </a:p>
+          <a:p>
+            <a:pPr lvl="0" indent="0" marL="0">
+              <a:spcBef>
+                <a:spcPts val="3000"/>
+              </a:spcBef>
+              <a:buNone/>
+            </a:pPr>
+            <a:r>
+              <a:rPr b="1"/>
+              <a:t>is a process by which knowledge is transferred from the teacher (expert) to young learners(students). Unfortunately, there is no single magical formula for that but still quite possible by following a series of steps and procedures which I hope will be made part of this training.</a:t>
+            </a:r>
+          </a:p>
+          <a:p>
+            <a:pPr lvl="0" indent="0" marL="0">
+              <a:spcBef>
+                <a:spcPts val="3000"/>
+              </a:spcBef>
+              <a:buNone/>
+            </a:pPr>
+          </a:p>
+          <a:p>
+            <a:pPr lvl="0" indent="0" marL="0">
+              <a:buNone/>
+            </a:pPr>
+            <a:r>
+              <a:rPr/>
+              <a:t>Lecturer job:lessen student fears and encourage students to pursue deeper understanding</a:t>
+            </a:r>
+          </a:p>
+          <a:p>
+            <a:pPr lvl="0"/>
+            <a:r>
+              <a:rPr/>
+              <a:t>Through several teaching and curriculum approaches</a:t>
+            </a:r>
+          </a:p>
+          <a:p>
+            <a:pPr lvl="0"/>
+            <a:r>
+              <a:rPr/>
+              <a:t>integration during the class;</a:t>
+            </a:r>
+          </a:p>
+          <a:p>
+            <a:pPr lvl="0"/>
+            <a:r>
+              <a:rPr/>
+              <a:t>expanded opportunities for two-way communication;</a:t>
+            </a:r>
+          </a:p>
+          <a:p>
+            <a:pPr lvl="0"/>
+            <a:r>
+              <a:rPr/>
+              <a:t>developing co-ownership of the course along with the students;</a:t>
+            </a:r>
+          </a:p>
+          <a:p>
+            <a:pPr lvl="0"/>
+            <a:r>
+              <a:rPr/>
+              <a:t>alternating lecture with small-group work to aid in learning difficult topics.</a:t>
+            </a:r>
+          </a:p>
+          <a:p>
+            <a:pPr lvl="0" indent="0" marL="0">
+              <a:spcBef>
+                <a:spcPts val="3000"/>
+              </a:spcBef>
+              <a:buNone/>
+            </a:pPr>
+            <a:r>
+              <a:rPr b="1"/>
+              <a:t>Poor slide</a:t>
+            </a:r>
+          </a:p>
+          <a:p>
             <a:pPr lvl="0"/>
             <a:r>
               <a:rPr b="1" i="1"/>
@@ -5058,6 +6764,304 @@
             <a:r>
               <a:rPr b="1" i="1"/>
               <a:t>“Effective learning in the classroom depends on the teacher’s ability … ??</a:t>
+            </a:r>
+          </a:p>
+          <a:p>
+            <a:pPr lvl="0"/>
+            <a:r>
+              <a:rPr/>
+              <a:t>a-</a:t>
+            </a:r>
+            <a:r>
+              <a:rPr b="1"/>
+              <a:t>Improving teaching provision within the department by identifying models of best practice and promoting new teaching initiatives and curriculum development.</a:t>
+            </a:r>
+          </a:p>
+          <a:p>
+            <a:pPr lvl="0"/>
+            <a:r>
+              <a:rPr/>
+              <a:t>b- </a:t>
+            </a:r>
+            <a:r>
+              <a:rPr b="1"/>
+              <a:t>Promote links with other departments and/or disciplines where possible.</a:t>
+            </a:r>
+          </a:p>
+          <a:p>
+            <a:pPr lvl="0" indent="0" marL="0">
+              <a:spcBef>
+                <a:spcPts val="3000"/>
+              </a:spcBef>
+              <a:buNone/>
+            </a:pPr>
+            <a:r>
+              <a:rPr b="1"/>
+              <a:t>Favorable classroom atmosphere</a:t>
+            </a:r>
+          </a:p>
+          <a:p>
+            <a:pPr lvl="0"/>
+            <a:r>
+              <a:rPr b="1"/>
+              <a:t>Some students seem naturally enthusiastic about learning, but many need-or expect-their instructors to inspire, challenge, and stimulate them:</a:t>
+            </a:r>
+          </a:p>
+          <a:p>
+            <a:pPr lvl="0"/>
+            <a:r>
+              <a:rPr b="1"/>
+              <a:t>“Effective learning in the classroom depends on the teacher’s ability … ??</a:t>
+            </a:r>
+          </a:p>
+          <a:p>
+            <a:pPr lvl="0" indent="0" marL="0">
+              <a:spcBef>
+                <a:spcPts val="3000"/>
+              </a:spcBef>
+              <a:buNone/>
+            </a:pPr>
+            <a:r>
+              <a:rPr b="1"/>
+              <a:t>Teaching Modules</a:t>
+            </a:r>
+          </a:p>
+          <a:p>
+            <a:pPr lvl="0"/>
+            <a:r>
+              <a:rPr/>
+              <a:t>a-</a:t>
+            </a:r>
+            <a:r>
+              <a:rPr b="1"/>
+              <a:t>Improving teaching provision within the department by identifying models of best practice and promoting new teaching initiatives and curriculum development.</a:t>
+            </a:r>
+          </a:p>
+          <a:p>
+            <a:pPr lvl="0"/>
+            <a:r>
+              <a:rPr/>
+              <a:t>b- </a:t>
+            </a:r>
+            <a:r>
+              <a:rPr b="1"/>
+              <a:t>Promote links with other departments and/or disciplines where possible.</a:t>
+            </a:r>
+          </a:p>
+          <a:p>
+            <a:pPr lvl="0"/>
+            <a:r>
+              <a:rPr b="1"/>
+              <a:t>Trans-disciplinary and multidisciplinary</a:t>
+            </a:r>
+          </a:p>
+          <a:p>
+            <a:pPr lvl="0" indent="0" marL="0">
+              <a:spcBef>
+                <a:spcPts val="3000"/>
+              </a:spcBef>
+              <a:buNone/>
+            </a:pPr>
+            <a:r>
+              <a:rPr b="1"/>
+              <a:t>Interactive Learning</a:t>
+            </a:r>
+          </a:p>
+          <a:p>
+            <a:pPr lvl="0"/>
+            <a:r>
+              <a:rPr b="1"/>
+              <a:t>Course assessment</a:t>
+            </a:r>
+          </a:p>
+          <a:p>
+            <a:pPr lvl="0"/>
+            <a:r>
+              <a:rPr b="1"/>
+              <a:t>Students assessment</a:t>
+            </a:r>
+          </a:p>
+          <a:p>
+            <a:pPr lvl="0"/>
+            <a:r>
+              <a:rPr b="1"/>
+              <a:t>Teaching Methods</a:t>
+            </a:r>
+          </a:p>
+          <a:p>
+            <a:pPr lvl="0"/>
+            <a:r>
+              <a:rPr b="1"/>
+              <a:t>A thousand teachers, a thousand methods.</a:t>
+            </a:r>
+            <a:r>
+              <a:rPr/>
+              <a:t>(Chinese proverb)</a:t>
+            </a:r>
+          </a:p>
+          <a:p>
+            <a:pPr lvl="0" indent="0" marL="0">
+              <a:spcBef>
+                <a:spcPts val="3000"/>
+              </a:spcBef>
+              <a:buNone/>
+            </a:pPr>
+            <a:r>
+              <a:rPr b="1"/>
+              <a:t>Oral Presentation: Methods and Materials</a:t>
+            </a:r>
+          </a:p>
+          <a:p>
+            <a:pPr lvl="0"/>
+            <a:r>
+              <a:rPr/>
+              <a:t>YOUR VOICE</a:t>
+            </a:r>
+          </a:p>
+          <a:p>
+            <a:pPr lvl="0"/>
+            <a:r>
+              <a:rPr/>
+              <a:t>BODY LANGUAGE</a:t>
+            </a:r>
+          </a:p>
+          <a:p>
+            <a:pPr lvl="0"/>
+            <a:r>
+              <a:rPr/>
+              <a:t>APPEARANCE</a:t>
+            </a:r>
+          </a:p>
+          <a:p>
+            <a:pPr lvl="0"/>
+            <a:r>
+              <a:rPr/>
+              <a:t>Speed</a:t>
+            </a:r>
+          </a:p>
+          <a:p>
+            <a:pPr lvl="0" indent="0" marL="0">
+              <a:spcBef>
+                <a:spcPts val="3000"/>
+              </a:spcBef>
+              <a:buNone/>
+            </a:pPr>
+            <a:r>
+              <a:rPr b="1"/>
+              <a:t>Closure</a:t>
+            </a:r>
+          </a:p>
+          <a:p>
+            <a:pPr lvl="0" indent="-342900" marL="342900">
+              <a:buAutoNum type="arabicPeriod"/>
+            </a:pPr>
+            <a:r>
+              <a:rPr b="1"/>
+              <a:t>No single teaching method covers everything</a:t>
+            </a:r>
+          </a:p>
+          <a:p>
+            <a:pPr lvl="0" indent="-342900" marL="342900">
+              <a:buAutoNum type="arabicPeriod"/>
+            </a:pPr>
+            <a:r>
+              <a:rPr b="1"/>
+              <a:t>Optimal approach features a mixture of instructional methods and learning activities</a:t>
+            </a:r>
+          </a:p>
+          <a:p>
+            <a:pPr lvl="0" indent="-342900" marL="342900">
+              <a:buAutoNum type="arabicPeriod"/>
+            </a:pPr>
+            <a:r>
+              <a:rPr b="1"/>
+              <a:t>Optimal mixture changes over time with change in students?</a:t>
+            </a:r>
+          </a:p>
+          <a:p>
+            <a:pPr lvl="0" indent="-342900" marL="342900">
+              <a:buAutoNum type="arabicPeriod"/>
+            </a:pPr>
+            <a:r>
+              <a:rPr b="1"/>
+              <a:t>Students involvement in the learning process</a:t>
+            </a:r>
+          </a:p>
+          <a:p>
+            <a:pPr lvl="0" indent="-342900" marL="342900">
+              <a:buAutoNum type="arabicPeriod"/>
+            </a:pPr>
+            <a:r>
+              <a:rPr b="1"/>
+              <a:t>Favorable classroom environment</a:t>
+            </a:r>
+          </a:p>
+          <a:p>
+            <a:pPr lvl="0" indent="0" marL="0">
+              <a:spcBef>
+                <a:spcPts val="3000"/>
+              </a:spcBef>
+              <a:buNone/>
+            </a:pPr>
+            <a:r>
+              <a:rPr b="1"/>
+              <a:t>Summary</a:t>
+            </a:r>
+          </a:p>
+          <a:p>
+            <a:pPr lvl="0"/>
+            <a:r>
+              <a:rPr b="1"/>
+              <a:t>What one thing did you learn today?</a:t>
+            </a:r>
+          </a:p>
+          <a:p>
+            <a:pPr lvl="0"/>
+            <a:r>
+              <a:rPr b="1"/>
+              <a:t>How does today’s lesson impact your understanding?</a:t>
+            </a:r>
+          </a:p>
+          <a:p>
+            <a:pPr lvl="0"/>
+            <a:r>
+              <a:rPr b="1"/>
+              <a:t>How would you summarize today’s lecture for someone who wasn’t here?</a:t>
+            </a:r>
+          </a:p>
+          <a:p>
+            <a:pPr lvl="0"/>
+            <a:r>
+              <a:rPr b="1"/>
+              <a:t>What was the most significant learning from today’s lecture?</a:t>
+            </a:r>
+          </a:p>
+          <a:p>
+            <a:pPr lvl="0"/>
+            <a:r>
+              <a:rPr b="1"/>
+              <a:t>What was the most difficult concept in today’s lecture?</a:t>
+            </a:r>
+          </a:p>
+          <a:p>
+            <a:pPr lvl="0"/>
+            <a:r>
+              <a:rPr b="1"/>
+              <a:t>What should I review further in our next lecture?</a:t>
+            </a:r>
+          </a:p>
+          <a:p>
+            <a:pPr lvl="0"/>
+            <a:r>
+              <a:rPr b="1"/>
+              <a:t>What was one thing you were unsure about in the lecture ?</a:t>
+            </a:r>
+          </a:p>
+          <a:p>
+            <a:pPr lvl="0"/>
+            <a:r>
+              <a:rPr b="1"/>
+              <a:t>Clarify areas of confusion</a:t>
             </a:r>
           </a:p>
         </p:txBody>
@@ -5100,7 +7104,7 @@
                                         <p:tgtEl>
                                           <p:spTgt spid="3">
                                             <p:txEl>
-                                              <p:pRg st="0" end="0"/>
+                                              <p:pRg st="6" end="6"/>
                                             </p:txEl>
                                           </p:spTgt>
                                         </p:tgtEl>
@@ -5149,7 +7153,1330 @@
                                         <p:tgtEl>
                                           <p:spTgt spid="3">
                                             <p:txEl>
-                                              <p:pRg st="1" end="1"/>
+                                              <p:pRg st="7" end="7"/>
+                                            </p:txEl>
+                                          </p:spTgt>
+                                        </p:tgtEl>
+                                        <p:attrNameLst>
+                                          <p:attrName>style.visibility</p:attrName>
+                                        </p:attrNameLst>
+                                      </p:cBhvr>
+                                      <p:to>
+                                        <p:strVal val="visible"/>
+                                      </p:to>
+                                    </p:set>
+                                  </p:childTnLst>
+                                </p:cTn>
+                              </p:par>
+                            </p:childTnLst>
+                          </p:cTn>
+                        </p:par>
+                      </p:childTnLst>
+                    </p:cTn>
+                  </p:par>
+                  <p:par>
+                    <p:cTn id="11" fill="hold">
+                      <p:stCondLst>
+                        <p:cond delay="indefinite"/>
+                      </p:stCondLst>
+                      <p:childTnLst>
+                        <p:par>
+                          <p:cTn id="12" fill="hold">
+                            <p:stCondLst>
+                              <p:cond delay="0"/>
+                            </p:stCondLst>
+                            <p:childTnLst>
+                              <p:par>
+                                <p:cTn id="13" presetID="1" presetClass="entr" presetSubtype="0" fill="hold" grpId="0" nodeType="clickEffect">
+                                  <p:stCondLst>
+                                    <p:cond delay="0"/>
+                                  </p:stCondLst>
+                                  <p:childTnLst>
+                                    <p:set>
+                                      <p:cBhvr>
+                                        <p:cTn id="14" dur="1" fill="hold">
+                                          <p:stCondLst>
+                                            <p:cond delay="0"/>
+                                          </p:stCondLst>
+                                        </p:cTn>
+                                        <p:tgtEl>
+                                          <p:spTgt spid="3">
+                                            <p:txEl>
+                                              <p:pRg st="8" end="8"/>
+                                            </p:txEl>
+                                          </p:spTgt>
+                                        </p:tgtEl>
+                                        <p:attrNameLst>
+                                          <p:attrName>style.visibility</p:attrName>
+                                        </p:attrNameLst>
+                                      </p:cBhvr>
+                                      <p:to>
+                                        <p:strVal val="visible"/>
+                                      </p:to>
+                                    </p:set>
+                                  </p:childTnLst>
+                                </p:cTn>
+                              </p:par>
+                            </p:childTnLst>
+                          </p:cTn>
+                        </p:par>
+                      </p:childTnLst>
+                    </p:cTn>
+                  </p:par>
+                  <p:par>
+                    <p:cTn id="15" fill="hold">
+                      <p:stCondLst>
+                        <p:cond delay="indefinite"/>
+                      </p:stCondLst>
+                      <p:childTnLst>
+                        <p:par>
+                          <p:cTn id="16" fill="hold">
+                            <p:stCondLst>
+                              <p:cond delay="0"/>
+                            </p:stCondLst>
+                            <p:childTnLst>
+                              <p:par>
+                                <p:cTn id="17" presetID="1" presetClass="entr" presetSubtype="0" fill="hold" grpId="0" nodeType="clickEffect">
+                                  <p:stCondLst>
+                                    <p:cond delay="0"/>
+                                  </p:stCondLst>
+                                  <p:childTnLst>
+                                    <p:set>
+                                      <p:cBhvr>
+                                        <p:cTn id="18" dur="1" fill="hold">
+                                          <p:stCondLst>
+                                            <p:cond delay="0"/>
+                                          </p:stCondLst>
+                                        </p:cTn>
+                                        <p:tgtEl>
+                                          <p:spTgt spid="3">
+                                            <p:txEl>
+                                              <p:pRg st="9" end="9"/>
+                                            </p:txEl>
+                                          </p:spTgt>
+                                        </p:tgtEl>
+                                        <p:attrNameLst>
+                                          <p:attrName>style.visibility</p:attrName>
+                                        </p:attrNameLst>
+                                      </p:cBhvr>
+                                      <p:to>
+                                        <p:strVal val="visible"/>
+                                      </p:to>
+                                    </p:set>
+                                  </p:childTnLst>
+                                </p:cTn>
+                              </p:par>
+                            </p:childTnLst>
+                          </p:cTn>
+                        </p:par>
+                      </p:childTnLst>
+                    </p:cTn>
+                  </p:par>
+                  <p:par>
+                    <p:cTn id="19" fill="hold">
+                      <p:stCondLst>
+                        <p:cond delay="indefinite"/>
+                      </p:stCondLst>
+                      <p:childTnLst>
+                        <p:par>
+                          <p:cTn id="20" fill="hold">
+                            <p:stCondLst>
+                              <p:cond delay="0"/>
+                            </p:stCondLst>
+                            <p:childTnLst>
+                              <p:par>
+                                <p:cTn id="21" presetID="1" presetClass="entr" presetSubtype="0" fill="hold" grpId="0" nodeType="clickEffect">
+                                  <p:stCondLst>
+                                    <p:cond delay="0"/>
+                                  </p:stCondLst>
+                                  <p:childTnLst>
+                                    <p:set>
+                                      <p:cBhvr>
+                                        <p:cTn id="22" dur="1" fill="hold">
+                                          <p:stCondLst>
+                                            <p:cond delay="0"/>
+                                          </p:stCondLst>
+                                        </p:cTn>
+                                        <p:tgtEl>
+                                          <p:spTgt spid="3">
+                                            <p:txEl>
+                                              <p:pRg st="11" end="11"/>
+                                            </p:txEl>
+                                          </p:spTgt>
+                                        </p:tgtEl>
+                                        <p:attrNameLst>
+                                          <p:attrName>style.visibility</p:attrName>
+                                        </p:attrNameLst>
+                                      </p:cBhvr>
+                                      <p:to>
+                                        <p:strVal val="visible"/>
+                                      </p:to>
+                                    </p:set>
+                                  </p:childTnLst>
+                                </p:cTn>
+                              </p:par>
+                            </p:childTnLst>
+                          </p:cTn>
+                        </p:par>
+                      </p:childTnLst>
+                    </p:cTn>
+                  </p:par>
+                  <p:par>
+                    <p:cTn id="23" fill="hold">
+                      <p:stCondLst>
+                        <p:cond delay="indefinite"/>
+                      </p:stCondLst>
+                      <p:childTnLst>
+                        <p:par>
+                          <p:cTn id="24" fill="hold">
+                            <p:stCondLst>
+                              <p:cond delay="0"/>
+                            </p:stCondLst>
+                            <p:childTnLst>
+                              <p:par>
+                                <p:cTn id="25" presetID="1" presetClass="entr" presetSubtype="0" fill="hold" grpId="0" nodeType="clickEffect">
+                                  <p:stCondLst>
+                                    <p:cond delay="0"/>
+                                  </p:stCondLst>
+                                  <p:childTnLst>
+                                    <p:set>
+                                      <p:cBhvr>
+                                        <p:cTn id="26" dur="1" fill="hold">
+                                          <p:stCondLst>
+                                            <p:cond delay="0"/>
+                                          </p:stCondLst>
+                                        </p:cTn>
+                                        <p:tgtEl>
+                                          <p:spTgt spid="3">
+                                            <p:txEl>
+                                              <p:pRg st="12" end="12"/>
+                                            </p:txEl>
+                                          </p:spTgt>
+                                        </p:tgtEl>
+                                        <p:attrNameLst>
+                                          <p:attrName>style.visibility</p:attrName>
+                                        </p:attrNameLst>
+                                      </p:cBhvr>
+                                      <p:to>
+                                        <p:strVal val="visible"/>
+                                      </p:to>
+                                    </p:set>
+                                  </p:childTnLst>
+                                </p:cTn>
+                              </p:par>
+                            </p:childTnLst>
+                          </p:cTn>
+                        </p:par>
+                      </p:childTnLst>
+                    </p:cTn>
+                  </p:par>
+                  <p:par>
+                    <p:cTn id="27" fill="hold">
+                      <p:stCondLst>
+                        <p:cond delay="indefinite"/>
+                      </p:stCondLst>
+                      <p:childTnLst>
+                        <p:par>
+                          <p:cTn id="28" fill="hold">
+                            <p:stCondLst>
+                              <p:cond delay="0"/>
+                            </p:stCondLst>
+                            <p:childTnLst>
+                              <p:par>
+                                <p:cTn id="29" presetID="1" presetClass="entr" presetSubtype="0" fill="hold" grpId="0" nodeType="clickEffect">
+                                  <p:stCondLst>
+                                    <p:cond delay="0"/>
+                                  </p:stCondLst>
+                                  <p:childTnLst>
+                                    <p:set>
+                                      <p:cBhvr>
+                                        <p:cTn id="30" dur="1" fill="hold">
+                                          <p:stCondLst>
+                                            <p:cond delay="0"/>
+                                          </p:stCondLst>
+                                        </p:cTn>
+                                        <p:tgtEl>
+                                          <p:spTgt spid="3">
+                                            <p:txEl>
+                                              <p:pRg st="13" end="13"/>
+                                            </p:txEl>
+                                          </p:spTgt>
+                                        </p:tgtEl>
+                                        <p:attrNameLst>
+                                          <p:attrName>style.visibility</p:attrName>
+                                        </p:attrNameLst>
+                                      </p:cBhvr>
+                                      <p:to>
+                                        <p:strVal val="visible"/>
+                                      </p:to>
+                                    </p:set>
+                                  </p:childTnLst>
+                                </p:cTn>
+                              </p:par>
+                            </p:childTnLst>
+                          </p:cTn>
+                        </p:par>
+                      </p:childTnLst>
+                    </p:cTn>
+                  </p:par>
+                  <p:par>
+                    <p:cTn id="31" fill="hold">
+                      <p:stCondLst>
+                        <p:cond delay="indefinite"/>
+                      </p:stCondLst>
+                      <p:childTnLst>
+                        <p:par>
+                          <p:cTn id="32" fill="hold">
+                            <p:stCondLst>
+                              <p:cond delay="0"/>
+                            </p:stCondLst>
+                            <p:childTnLst>
+                              <p:par>
+                                <p:cTn id="33" presetID="1" presetClass="entr" presetSubtype="0" fill="hold" grpId="0" nodeType="clickEffect">
+                                  <p:stCondLst>
+                                    <p:cond delay="0"/>
+                                  </p:stCondLst>
+                                  <p:childTnLst>
+                                    <p:set>
+                                      <p:cBhvr>
+                                        <p:cTn id="34" dur="1" fill="hold">
+                                          <p:stCondLst>
+                                            <p:cond delay="0"/>
+                                          </p:stCondLst>
+                                        </p:cTn>
+                                        <p:tgtEl>
+                                          <p:spTgt spid="3">
+                                            <p:txEl>
+                                              <p:pRg st="14" end="14"/>
+                                            </p:txEl>
+                                          </p:spTgt>
+                                        </p:tgtEl>
+                                        <p:attrNameLst>
+                                          <p:attrName>style.visibility</p:attrName>
+                                        </p:attrNameLst>
+                                      </p:cBhvr>
+                                      <p:to>
+                                        <p:strVal val="visible"/>
+                                      </p:to>
+                                    </p:set>
+                                  </p:childTnLst>
+                                </p:cTn>
+                              </p:par>
+                            </p:childTnLst>
+                          </p:cTn>
+                        </p:par>
+                      </p:childTnLst>
+                    </p:cTn>
+                  </p:par>
+                  <p:par>
+                    <p:cTn id="35" fill="hold">
+                      <p:stCondLst>
+                        <p:cond delay="indefinite"/>
+                      </p:stCondLst>
+                      <p:childTnLst>
+                        <p:par>
+                          <p:cTn id="36" fill="hold">
+                            <p:stCondLst>
+                              <p:cond delay="0"/>
+                            </p:stCondLst>
+                            <p:childTnLst>
+                              <p:par>
+                                <p:cTn id="37" presetID="1" presetClass="entr" presetSubtype="0" fill="hold" grpId="0" nodeType="clickEffect">
+                                  <p:stCondLst>
+                                    <p:cond delay="0"/>
+                                  </p:stCondLst>
+                                  <p:childTnLst>
+                                    <p:set>
+                                      <p:cBhvr>
+                                        <p:cTn id="38" dur="1" fill="hold">
+                                          <p:stCondLst>
+                                            <p:cond delay="0"/>
+                                          </p:stCondLst>
+                                        </p:cTn>
+                                        <p:tgtEl>
+                                          <p:spTgt spid="3">
+                                            <p:txEl>
+                                              <p:pRg st="15" end="15"/>
+                                            </p:txEl>
+                                          </p:spTgt>
+                                        </p:tgtEl>
+                                        <p:attrNameLst>
+                                          <p:attrName>style.visibility</p:attrName>
+                                        </p:attrNameLst>
+                                      </p:cBhvr>
+                                      <p:to>
+                                        <p:strVal val="visible"/>
+                                      </p:to>
+                                    </p:set>
+                                  </p:childTnLst>
+                                </p:cTn>
+                              </p:par>
+                            </p:childTnLst>
+                          </p:cTn>
+                        </p:par>
+                      </p:childTnLst>
+                    </p:cTn>
+                  </p:par>
+                  <p:par>
+                    <p:cTn id="39" fill="hold">
+                      <p:stCondLst>
+                        <p:cond delay="indefinite"/>
+                      </p:stCondLst>
+                      <p:childTnLst>
+                        <p:par>
+                          <p:cTn id="40" fill="hold">
+                            <p:stCondLst>
+                              <p:cond delay="0"/>
+                            </p:stCondLst>
+                            <p:childTnLst>
+                              <p:par>
+                                <p:cTn id="41" presetID="1" presetClass="entr" presetSubtype="0" fill="hold" grpId="0" nodeType="clickEffect">
+                                  <p:stCondLst>
+                                    <p:cond delay="0"/>
+                                  </p:stCondLst>
+                                  <p:childTnLst>
+                                    <p:set>
+                                      <p:cBhvr>
+                                        <p:cTn id="42" dur="1" fill="hold">
+                                          <p:stCondLst>
+                                            <p:cond delay="0"/>
+                                          </p:stCondLst>
+                                        </p:cTn>
+                                        <p:tgtEl>
+                                          <p:spTgt spid="3">
+                                            <p:txEl>
+                                              <p:pRg st="16" end="16"/>
+                                            </p:txEl>
+                                          </p:spTgt>
+                                        </p:tgtEl>
+                                        <p:attrNameLst>
+                                          <p:attrName>style.visibility</p:attrName>
+                                        </p:attrNameLst>
+                                      </p:cBhvr>
+                                      <p:to>
+                                        <p:strVal val="visible"/>
+                                      </p:to>
+                                    </p:set>
+                                  </p:childTnLst>
+                                </p:cTn>
+                              </p:par>
+                            </p:childTnLst>
+                          </p:cTn>
+                        </p:par>
+                      </p:childTnLst>
+                    </p:cTn>
+                  </p:par>
+                  <p:par>
+                    <p:cTn id="43" fill="hold">
+                      <p:stCondLst>
+                        <p:cond delay="indefinite"/>
+                      </p:stCondLst>
+                      <p:childTnLst>
+                        <p:par>
+                          <p:cTn id="44" fill="hold">
+                            <p:stCondLst>
+                              <p:cond delay="0"/>
+                            </p:stCondLst>
+                            <p:childTnLst>
+                              <p:par>
+                                <p:cTn id="45" presetID="1" presetClass="entr" presetSubtype="0" fill="hold" grpId="0" nodeType="clickEffect">
+                                  <p:stCondLst>
+                                    <p:cond delay="0"/>
+                                  </p:stCondLst>
+                                  <p:childTnLst>
+                                    <p:set>
+                                      <p:cBhvr>
+                                        <p:cTn id="46" dur="1" fill="hold">
+                                          <p:stCondLst>
+                                            <p:cond delay="0"/>
+                                          </p:stCondLst>
+                                        </p:cTn>
+                                        <p:tgtEl>
+                                          <p:spTgt spid="3">
+                                            <p:txEl>
+                                              <p:pRg st="23" end="23"/>
+                                            </p:txEl>
+                                          </p:spTgt>
+                                        </p:tgtEl>
+                                        <p:attrNameLst>
+                                          <p:attrName>style.visibility</p:attrName>
+                                        </p:attrNameLst>
+                                      </p:cBhvr>
+                                      <p:to>
+                                        <p:strVal val="visible"/>
+                                      </p:to>
+                                    </p:set>
+                                  </p:childTnLst>
+                                </p:cTn>
+                              </p:par>
+                            </p:childTnLst>
+                          </p:cTn>
+                        </p:par>
+                      </p:childTnLst>
+                    </p:cTn>
+                  </p:par>
+                  <p:par>
+                    <p:cTn id="47" fill="hold">
+                      <p:stCondLst>
+                        <p:cond delay="indefinite"/>
+                      </p:stCondLst>
+                      <p:childTnLst>
+                        <p:par>
+                          <p:cTn id="48" fill="hold">
+                            <p:stCondLst>
+                              <p:cond delay="0"/>
+                            </p:stCondLst>
+                            <p:childTnLst>
+                              <p:par>
+                                <p:cTn id="49" presetID="1" presetClass="entr" presetSubtype="0" fill="hold" grpId="0" nodeType="clickEffect">
+                                  <p:stCondLst>
+                                    <p:cond delay="0"/>
+                                  </p:stCondLst>
+                                  <p:childTnLst>
+                                    <p:set>
+                                      <p:cBhvr>
+                                        <p:cTn id="50" dur="1" fill="hold">
+                                          <p:stCondLst>
+                                            <p:cond delay="0"/>
+                                          </p:stCondLst>
+                                        </p:cTn>
+                                        <p:tgtEl>
+                                          <p:spTgt spid="3">
+                                            <p:txEl>
+                                              <p:pRg st="24" end="24"/>
+                                            </p:txEl>
+                                          </p:spTgt>
+                                        </p:tgtEl>
+                                        <p:attrNameLst>
+                                          <p:attrName>style.visibility</p:attrName>
+                                        </p:attrNameLst>
+                                      </p:cBhvr>
+                                      <p:to>
+                                        <p:strVal val="visible"/>
+                                      </p:to>
+                                    </p:set>
+                                  </p:childTnLst>
+                                </p:cTn>
+                              </p:par>
+                            </p:childTnLst>
+                          </p:cTn>
+                        </p:par>
+                      </p:childTnLst>
+                    </p:cTn>
+                  </p:par>
+                  <p:par>
+                    <p:cTn id="51" fill="hold">
+                      <p:stCondLst>
+                        <p:cond delay="indefinite"/>
+                      </p:stCondLst>
+                      <p:childTnLst>
+                        <p:par>
+                          <p:cTn id="52" fill="hold">
+                            <p:stCondLst>
+                              <p:cond delay="0"/>
+                            </p:stCondLst>
+                            <p:childTnLst>
+                              <p:par>
+                                <p:cTn id="53" presetID="1" presetClass="entr" presetSubtype="0" fill="hold" grpId="0" nodeType="clickEffect">
+                                  <p:stCondLst>
+                                    <p:cond delay="0"/>
+                                  </p:stCondLst>
+                                  <p:childTnLst>
+                                    <p:set>
+                                      <p:cBhvr>
+                                        <p:cTn id="54" dur="1" fill="hold">
+                                          <p:stCondLst>
+                                            <p:cond delay="0"/>
+                                          </p:stCondLst>
+                                        </p:cTn>
+                                        <p:tgtEl>
+                                          <p:spTgt spid="3">
+                                            <p:txEl>
+                                              <p:pRg st="25" end="25"/>
+                                            </p:txEl>
+                                          </p:spTgt>
+                                        </p:tgtEl>
+                                        <p:attrNameLst>
+                                          <p:attrName>style.visibility</p:attrName>
+                                        </p:attrNameLst>
+                                      </p:cBhvr>
+                                      <p:to>
+                                        <p:strVal val="visible"/>
+                                      </p:to>
+                                    </p:set>
+                                  </p:childTnLst>
+                                </p:cTn>
+                              </p:par>
+                            </p:childTnLst>
+                          </p:cTn>
+                        </p:par>
+                      </p:childTnLst>
+                    </p:cTn>
+                  </p:par>
+                  <p:par>
+                    <p:cTn id="55" fill="hold">
+                      <p:stCondLst>
+                        <p:cond delay="indefinite"/>
+                      </p:stCondLst>
+                      <p:childTnLst>
+                        <p:par>
+                          <p:cTn id="56" fill="hold">
+                            <p:stCondLst>
+                              <p:cond delay="0"/>
+                            </p:stCondLst>
+                            <p:childTnLst>
+                              <p:par>
+                                <p:cTn id="57" presetID="1" presetClass="entr" presetSubtype="0" fill="hold" grpId="0" nodeType="clickEffect">
+                                  <p:stCondLst>
+                                    <p:cond delay="0"/>
+                                  </p:stCondLst>
+                                  <p:childTnLst>
+                                    <p:set>
+                                      <p:cBhvr>
+                                        <p:cTn id="58" dur="1" fill="hold">
+                                          <p:stCondLst>
+                                            <p:cond delay="0"/>
+                                          </p:stCondLst>
+                                        </p:cTn>
+                                        <p:tgtEl>
+                                          <p:spTgt spid="3">
+                                            <p:txEl>
+                                              <p:pRg st="26" end="26"/>
+                                            </p:txEl>
+                                          </p:spTgt>
+                                        </p:tgtEl>
+                                        <p:attrNameLst>
+                                          <p:attrName>style.visibility</p:attrName>
+                                        </p:attrNameLst>
+                                      </p:cBhvr>
+                                      <p:to>
+                                        <p:strVal val="visible"/>
+                                      </p:to>
+                                    </p:set>
+                                  </p:childTnLst>
+                                </p:cTn>
+                              </p:par>
+                            </p:childTnLst>
+                          </p:cTn>
+                        </p:par>
+                      </p:childTnLst>
+                    </p:cTn>
+                  </p:par>
+                  <p:par>
+                    <p:cTn id="59" fill="hold">
+                      <p:stCondLst>
+                        <p:cond delay="indefinite"/>
+                      </p:stCondLst>
+                      <p:childTnLst>
+                        <p:par>
+                          <p:cTn id="60" fill="hold">
+                            <p:stCondLst>
+                              <p:cond delay="0"/>
+                            </p:stCondLst>
+                            <p:childTnLst>
+                              <p:par>
+                                <p:cTn id="61" presetID="1" presetClass="entr" presetSubtype="0" fill="hold" grpId="0" nodeType="clickEffect">
+                                  <p:stCondLst>
+                                    <p:cond delay="0"/>
+                                  </p:stCondLst>
+                                  <p:childTnLst>
+                                    <p:set>
+                                      <p:cBhvr>
+                                        <p:cTn id="62" dur="1" fill="hold">
+                                          <p:stCondLst>
+                                            <p:cond delay="0"/>
+                                          </p:stCondLst>
+                                        </p:cTn>
+                                        <p:tgtEl>
+                                          <p:spTgt spid="3">
+                                            <p:txEl>
+                                              <p:pRg st="27" end="27"/>
+                                            </p:txEl>
+                                          </p:spTgt>
+                                        </p:tgtEl>
+                                        <p:attrNameLst>
+                                          <p:attrName>style.visibility</p:attrName>
+                                        </p:attrNameLst>
+                                      </p:cBhvr>
+                                      <p:to>
+                                        <p:strVal val="visible"/>
+                                      </p:to>
+                                    </p:set>
+                                  </p:childTnLst>
+                                </p:cTn>
+                              </p:par>
+                            </p:childTnLst>
+                          </p:cTn>
+                        </p:par>
+                      </p:childTnLst>
+                    </p:cTn>
+                  </p:par>
+                  <p:par>
+                    <p:cTn id="63" fill="hold">
+                      <p:stCondLst>
+                        <p:cond delay="indefinite"/>
+                      </p:stCondLst>
+                      <p:childTnLst>
+                        <p:par>
+                          <p:cTn id="64" fill="hold">
+                            <p:stCondLst>
+                              <p:cond delay="0"/>
+                            </p:stCondLst>
+                            <p:childTnLst>
+                              <p:par>
+                                <p:cTn id="65" presetID="1" presetClass="entr" presetSubtype="0" fill="hold" grpId="0" nodeType="clickEffect">
+                                  <p:stCondLst>
+                                    <p:cond delay="0"/>
+                                  </p:stCondLst>
+                                  <p:childTnLst>
+                                    <p:set>
+                                      <p:cBhvr>
+                                        <p:cTn id="66" dur="1" fill="hold">
+                                          <p:stCondLst>
+                                            <p:cond delay="0"/>
+                                          </p:stCondLst>
+                                        </p:cTn>
+                                        <p:tgtEl>
+                                          <p:spTgt spid="3">
+                                            <p:txEl>
+                                              <p:pRg st="34" end="34"/>
+                                            </p:txEl>
+                                          </p:spTgt>
+                                        </p:tgtEl>
+                                        <p:attrNameLst>
+                                          <p:attrName>style.visibility</p:attrName>
+                                        </p:attrNameLst>
+                                      </p:cBhvr>
+                                      <p:to>
+                                        <p:strVal val="visible"/>
+                                      </p:to>
+                                    </p:set>
+                                  </p:childTnLst>
+                                </p:cTn>
+                              </p:par>
+                            </p:childTnLst>
+                          </p:cTn>
+                        </p:par>
+                      </p:childTnLst>
+                    </p:cTn>
+                  </p:par>
+                  <p:par>
+                    <p:cTn id="67" fill="hold">
+                      <p:stCondLst>
+                        <p:cond delay="indefinite"/>
+                      </p:stCondLst>
+                      <p:childTnLst>
+                        <p:par>
+                          <p:cTn id="68" fill="hold">
+                            <p:stCondLst>
+                              <p:cond delay="0"/>
+                            </p:stCondLst>
+                            <p:childTnLst>
+                              <p:par>
+                                <p:cTn id="69" presetID="1" presetClass="entr" presetSubtype="0" fill="hold" grpId="0" nodeType="clickEffect">
+                                  <p:stCondLst>
+                                    <p:cond delay="0"/>
+                                  </p:stCondLst>
+                                  <p:childTnLst>
+                                    <p:set>
+                                      <p:cBhvr>
+                                        <p:cTn id="70" dur="1" fill="hold">
+                                          <p:stCondLst>
+                                            <p:cond delay="0"/>
+                                          </p:stCondLst>
+                                        </p:cTn>
+                                        <p:tgtEl>
+                                          <p:spTgt spid="3">
+                                            <p:txEl>
+                                              <p:pRg st="35" end="35"/>
+                                            </p:txEl>
+                                          </p:spTgt>
+                                        </p:tgtEl>
+                                        <p:attrNameLst>
+                                          <p:attrName>style.visibility</p:attrName>
+                                        </p:attrNameLst>
+                                      </p:cBhvr>
+                                      <p:to>
+                                        <p:strVal val="visible"/>
+                                      </p:to>
+                                    </p:set>
+                                  </p:childTnLst>
+                                </p:cTn>
+                              </p:par>
+                            </p:childTnLst>
+                          </p:cTn>
+                        </p:par>
+                      </p:childTnLst>
+                    </p:cTn>
+                  </p:par>
+                  <p:par>
+                    <p:cTn id="71" fill="hold">
+                      <p:stCondLst>
+                        <p:cond delay="indefinite"/>
+                      </p:stCondLst>
+                      <p:childTnLst>
+                        <p:par>
+                          <p:cTn id="72" fill="hold">
+                            <p:stCondLst>
+                              <p:cond delay="0"/>
+                            </p:stCondLst>
+                            <p:childTnLst>
+                              <p:par>
+                                <p:cTn id="73" presetID="1" presetClass="entr" presetSubtype="0" fill="hold" grpId="0" nodeType="clickEffect">
+                                  <p:stCondLst>
+                                    <p:cond delay="0"/>
+                                  </p:stCondLst>
+                                  <p:childTnLst>
+                                    <p:set>
+                                      <p:cBhvr>
+                                        <p:cTn id="74" dur="1" fill="hold">
+                                          <p:stCondLst>
+                                            <p:cond delay="0"/>
+                                          </p:stCondLst>
+                                        </p:cTn>
+                                        <p:tgtEl>
+                                          <p:spTgt spid="3">
+                                            <p:txEl>
+                                              <p:pRg st="37" end="37"/>
+                                            </p:txEl>
+                                          </p:spTgt>
+                                        </p:tgtEl>
+                                        <p:attrNameLst>
+                                          <p:attrName>style.visibility</p:attrName>
+                                        </p:attrNameLst>
+                                      </p:cBhvr>
+                                      <p:to>
+                                        <p:strVal val="visible"/>
+                                      </p:to>
+                                    </p:set>
+                                  </p:childTnLst>
+                                </p:cTn>
+                              </p:par>
+                            </p:childTnLst>
+                          </p:cTn>
+                        </p:par>
+                      </p:childTnLst>
+                    </p:cTn>
+                  </p:par>
+                  <p:par>
+                    <p:cTn id="75" fill="hold">
+                      <p:stCondLst>
+                        <p:cond delay="indefinite"/>
+                      </p:stCondLst>
+                      <p:childTnLst>
+                        <p:par>
+                          <p:cTn id="76" fill="hold">
+                            <p:stCondLst>
+                              <p:cond delay="0"/>
+                            </p:stCondLst>
+                            <p:childTnLst>
+                              <p:par>
+                                <p:cTn id="77" presetID="1" presetClass="entr" presetSubtype="0" fill="hold" grpId="0" nodeType="clickEffect">
+                                  <p:stCondLst>
+                                    <p:cond delay="0"/>
+                                  </p:stCondLst>
+                                  <p:childTnLst>
+                                    <p:set>
+                                      <p:cBhvr>
+                                        <p:cTn id="78" dur="1" fill="hold">
+                                          <p:stCondLst>
+                                            <p:cond delay="0"/>
+                                          </p:stCondLst>
+                                        </p:cTn>
+                                        <p:tgtEl>
+                                          <p:spTgt spid="3">
+                                            <p:txEl>
+                                              <p:pRg st="38" end="38"/>
+                                            </p:txEl>
+                                          </p:spTgt>
+                                        </p:tgtEl>
+                                        <p:attrNameLst>
+                                          <p:attrName>style.visibility</p:attrName>
+                                        </p:attrNameLst>
+                                      </p:cBhvr>
+                                      <p:to>
+                                        <p:strVal val="visible"/>
+                                      </p:to>
+                                    </p:set>
+                                  </p:childTnLst>
+                                </p:cTn>
+                              </p:par>
+                            </p:childTnLst>
+                          </p:cTn>
+                        </p:par>
+                      </p:childTnLst>
+                    </p:cTn>
+                  </p:par>
+                  <p:par>
+                    <p:cTn id="79" fill="hold">
+                      <p:stCondLst>
+                        <p:cond delay="indefinite"/>
+                      </p:stCondLst>
+                      <p:childTnLst>
+                        <p:par>
+                          <p:cTn id="80" fill="hold">
+                            <p:stCondLst>
+                              <p:cond delay="0"/>
+                            </p:stCondLst>
+                            <p:childTnLst>
+                              <p:par>
+                                <p:cTn id="81" presetID="1" presetClass="entr" presetSubtype="0" fill="hold" grpId="0" nodeType="clickEffect">
+                                  <p:stCondLst>
+                                    <p:cond delay="0"/>
+                                  </p:stCondLst>
+                                  <p:childTnLst>
+                                    <p:set>
+                                      <p:cBhvr>
+                                        <p:cTn id="82" dur="1" fill="hold">
+                                          <p:stCondLst>
+                                            <p:cond delay="0"/>
+                                          </p:stCondLst>
+                                        </p:cTn>
+                                        <p:tgtEl>
+                                          <p:spTgt spid="3">
+                                            <p:txEl>
+                                              <p:pRg st="39" end="39"/>
+                                            </p:txEl>
+                                          </p:spTgt>
+                                        </p:tgtEl>
+                                        <p:attrNameLst>
+                                          <p:attrName>style.visibility</p:attrName>
+                                        </p:attrNameLst>
+                                      </p:cBhvr>
+                                      <p:to>
+                                        <p:strVal val="visible"/>
+                                      </p:to>
+                                    </p:set>
+                                  </p:childTnLst>
+                                </p:cTn>
+                              </p:par>
+                            </p:childTnLst>
+                          </p:cTn>
+                        </p:par>
+                      </p:childTnLst>
+                    </p:cTn>
+                  </p:par>
+                  <p:par>
+                    <p:cTn id="83" fill="hold">
+                      <p:stCondLst>
+                        <p:cond delay="indefinite"/>
+                      </p:stCondLst>
+                      <p:childTnLst>
+                        <p:par>
+                          <p:cTn id="84" fill="hold">
+                            <p:stCondLst>
+                              <p:cond delay="0"/>
+                            </p:stCondLst>
+                            <p:childTnLst>
+                              <p:par>
+                                <p:cTn id="85" presetID="1" presetClass="entr" presetSubtype="0" fill="hold" grpId="0" nodeType="clickEffect">
+                                  <p:stCondLst>
+                                    <p:cond delay="0"/>
+                                  </p:stCondLst>
+                                  <p:childTnLst>
+                                    <p:set>
+                                      <p:cBhvr>
+                                        <p:cTn id="86" dur="1" fill="hold">
+                                          <p:stCondLst>
+                                            <p:cond delay="0"/>
+                                          </p:stCondLst>
+                                        </p:cTn>
+                                        <p:tgtEl>
+                                          <p:spTgt spid="3">
+                                            <p:txEl>
+                                              <p:pRg st="41" end="41"/>
+                                            </p:txEl>
+                                          </p:spTgt>
+                                        </p:tgtEl>
+                                        <p:attrNameLst>
+                                          <p:attrName>style.visibility</p:attrName>
+                                        </p:attrNameLst>
+                                      </p:cBhvr>
+                                      <p:to>
+                                        <p:strVal val="visible"/>
+                                      </p:to>
+                                    </p:set>
+                                  </p:childTnLst>
+                                </p:cTn>
+                              </p:par>
+                            </p:childTnLst>
+                          </p:cTn>
+                        </p:par>
+                      </p:childTnLst>
+                    </p:cTn>
+                  </p:par>
+                  <p:par>
+                    <p:cTn id="87" fill="hold">
+                      <p:stCondLst>
+                        <p:cond delay="indefinite"/>
+                      </p:stCondLst>
+                      <p:childTnLst>
+                        <p:par>
+                          <p:cTn id="88" fill="hold">
+                            <p:stCondLst>
+                              <p:cond delay="0"/>
+                            </p:stCondLst>
+                            <p:childTnLst>
+                              <p:par>
+                                <p:cTn id="89" presetID="1" presetClass="entr" presetSubtype="0" fill="hold" grpId="0" nodeType="clickEffect">
+                                  <p:stCondLst>
+                                    <p:cond delay="0"/>
+                                  </p:stCondLst>
+                                  <p:childTnLst>
+                                    <p:set>
+                                      <p:cBhvr>
+                                        <p:cTn id="90" dur="1" fill="hold">
+                                          <p:stCondLst>
+                                            <p:cond delay="0"/>
+                                          </p:stCondLst>
+                                        </p:cTn>
+                                        <p:tgtEl>
+                                          <p:spTgt spid="3">
+                                            <p:txEl>
+                                              <p:pRg st="42" end="42"/>
+                                            </p:txEl>
+                                          </p:spTgt>
+                                        </p:tgtEl>
+                                        <p:attrNameLst>
+                                          <p:attrName>style.visibility</p:attrName>
+                                        </p:attrNameLst>
+                                      </p:cBhvr>
+                                      <p:to>
+                                        <p:strVal val="visible"/>
+                                      </p:to>
+                                    </p:set>
+                                  </p:childTnLst>
+                                </p:cTn>
+                              </p:par>
+                            </p:childTnLst>
+                          </p:cTn>
+                        </p:par>
+                      </p:childTnLst>
+                    </p:cTn>
+                  </p:par>
+                  <p:par>
+                    <p:cTn id="91" fill="hold">
+                      <p:stCondLst>
+                        <p:cond delay="indefinite"/>
+                      </p:stCondLst>
+                      <p:childTnLst>
+                        <p:par>
+                          <p:cTn id="92" fill="hold">
+                            <p:stCondLst>
+                              <p:cond delay="0"/>
+                            </p:stCondLst>
+                            <p:childTnLst>
+                              <p:par>
+                                <p:cTn id="93" presetID="1" presetClass="entr" presetSubtype="0" fill="hold" grpId="0" nodeType="clickEffect">
+                                  <p:stCondLst>
+                                    <p:cond delay="0"/>
+                                  </p:stCondLst>
+                                  <p:childTnLst>
+                                    <p:set>
+                                      <p:cBhvr>
+                                        <p:cTn id="94" dur="1" fill="hold">
+                                          <p:stCondLst>
+                                            <p:cond delay="0"/>
+                                          </p:stCondLst>
+                                        </p:cTn>
+                                        <p:tgtEl>
+                                          <p:spTgt spid="3">
+                                            <p:txEl>
+                                              <p:pRg st="43" end="43"/>
+                                            </p:txEl>
+                                          </p:spTgt>
+                                        </p:tgtEl>
+                                        <p:attrNameLst>
+                                          <p:attrName>style.visibility</p:attrName>
+                                        </p:attrNameLst>
+                                      </p:cBhvr>
+                                      <p:to>
+                                        <p:strVal val="visible"/>
+                                      </p:to>
+                                    </p:set>
+                                  </p:childTnLst>
+                                </p:cTn>
+                              </p:par>
+                            </p:childTnLst>
+                          </p:cTn>
+                        </p:par>
+                      </p:childTnLst>
+                    </p:cTn>
+                  </p:par>
+                  <p:par>
+                    <p:cTn id="95" fill="hold">
+                      <p:stCondLst>
+                        <p:cond delay="indefinite"/>
+                      </p:stCondLst>
+                      <p:childTnLst>
+                        <p:par>
+                          <p:cTn id="96" fill="hold">
+                            <p:stCondLst>
+                              <p:cond delay="0"/>
+                            </p:stCondLst>
+                            <p:childTnLst>
+                              <p:par>
+                                <p:cTn id="97" presetID="1" presetClass="entr" presetSubtype="0" fill="hold" grpId="0" nodeType="clickEffect">
+                                  <p:stCondLst>
+                                    <p:cond delay="0"/>
+                                  </p:stCondLst>
+                                  <p:childTnLst>
+                                    <p:set>
+                                      <p:cBhvr>
+                                        <p:cTn id="98" dur="1" fill="hold">
+                                          <p:stCondLst>
+                                            <p:cond delay="0"/>
+                                          </p:stCondLst>
+                                        </p:cTn>
+                                        <p:tgtEl>
+                                          <p:spTgt spid="3">
+                                            <p:txEl>
+                                              <p:pRg st="44" end="44"/>
+                                            </p:txEl>
+                                          </p:spTgt>
+                                        </p:tgtEl>
+                                        <p:attrNameLst>
+                                          <p:attrName>style.visibility</p:attrName>
+                                        </p:attrNameLst>
+                                      </p:cBhvr>
+                                      <p:to>
+                                        <p:strVal val="visible"/>
+                                      </p:to>
+                                    </p:set>
+                                  </p:childTnLst>
+                                </p:cTn>
+                              </p:par>
+                            </p:childTnLst>
+                          </p:cTn>
+                        </p:par>
+                      </p:childTnLst>
+                    </p:cTn>
+                  </p:par>
+                  <p:par>
+                    <p:cTn id="99" fill="hold">
+                      <p:stCondLst>
+                        <p:cond delay="indefinite"/>
+                      </p:stCondLst>
+                      <p:childTnLst>
+                        <p:par>
+                          <p:cTn id="100" fill="hold">
+                            <p:stCondLst>
+                              <p:cond delay="0"/>
+                            </p:stCondLst>
+                            <p:childTnLst>
+                              <p:par>
+                                <p:cTn id="101" presetID="1" presetClass="entr" presetSubtype="0" fill="hold" grpId="0" nodeType="clickEffect">
+                                  <p:stCondLst>
+                                    <p:cond delay="0"/>
+                                  </p:stCondLst>
+                                  <p:childTnLst>
+                                    <p:set>
+                                      <p:cBhvr>
+                                        <p:cTn id="102" dur="1" fill="hold">
+                                          <p:stCondLst>
+                                            <p:cond delay="0"/>
+                                          </p:stCondLst>
+                                        </p:cTn>
+                                        <p:tgtEl>
+                                          <p:spTgt spid="3">
+                                            <p:txEl>
+                                              <p:pRg st="51" end="51"/>
+                                            </p:txEl>
+                                          </p:spTgt>
+                                        </p:tgtEl>
+                                        <p:attrNameLst>
+                                          <p:attrName>style.visibility</p:attrName>
+                                        </p:attrNameLst>
+                                      </p:cBhvr>
+                                      <p:to>
+                                        <p:strVal val="visible"/>
+                                      </p:to>
+                                    </p:set>
+                                  </p:childTnLst>
+                                </p:cTn>
+                              </p:par>
+                            </p:childTnLst>
+                          </p:cTn>
+                        </p:par>
+                      </p:childTnLst>
+                    </p:cTn>
+                  </p:par>
+                  <p:par>
+                    <p:cTn id="103" fill="hold">
+                      <p:stCondLst>
+                        <p:cond delay="indefinite"/>
+                      </p:stCondLst>
+                      <p:childTnLst>
+                        <p:par>
+                          <p:cTn id="104" fill="hold">
+                            <p:stCondLst>
+                              <p:cond delay="0"/>
+                            </p:stCondLst>
+                            <p:childTnLst>
+                              <p:par>
+                                <p:cTn id="105" presetID="1" presetClass="entr" presetSubtype="0" fill="hold" grpId="0" nodeType="clickEffect">
+                                  <p:stCondLst>
+                                    <p:cond delay="0"/>
+                                  </p:stCondLst>
+                                  <p:childTnLst>
+                                    <p:set>
+                                      <p:cBhvr>
+                                        <p:cTn id="106" dur="1" fill="hold">
+                                          <p:stCondLst>
+                                            <p:cond delay="0"/>
+                                          </p:stCondLst>
+                                        </p:cTn>
+                                        <p:tgtEl>
+                                          <p:spTgt spid="3">
+                                            <p:txEl>
+                                              <p:pRg st="52" end="52"/>
+                                            </p:txEl>
+                                          </p:spTgt>
+                                        </p:tgtEl>
+                                        <p:attrNameLst>
+                                          <p:attrName>style.visibility</p:attrName>
+                                        </p:attrNameLst>
+                                      </p:cBhvr>
+                                      <p:to>
+                                        <p:strVal val="visible"/>
+                                      </p:to>
+                                    </p:set>
+                                  </p:childTnLst>
+                                </p:cTn>
+                              </p:par>
+                            </p:childTnLst>
+                          </p:cTn>
+                        </p:par>
+                      </p:childTnLst>
+                    </p:cTn>
+                  </p:par>
+                  <p:par>
+                    <p:cTn id="107" fill="hold">
+                      <p:stCondLst>
+                        <p:cond delay="indefinite"/>
+                      </p:stCondLst>
+                      <p:childTnLst>
+                        <p:par>
+                          <p:cTn id="108" fill="hold">
+                            <p:stCondLst>
+                              <p:cond delay="0"/>
+                            </p:stCondLst>
+                            <p:childTnLst>
+                              <p:par>
+                                <p:cTn id="109" presetID="1" presetClass="entr" presetSubtype="0" fill="hold" grpId="0" nodeType="clickEffect">
+                                  <p:stCondLst>
+                                    <p:cond delay="0"/>
+                                  </p:stCondLst>
+                                  <p:childTnLst>
+                                    <p:set>
+                                      <p:cBhvr>
+                                        <p:cTn id="110" dur="1" fill="hold">
+                                          <p:stCondLst>
+                                            <p:cond delay="0"/>
+                                          </p:stCondLst>
+                                        </p:cTn>
+                                        <p:tgtEl>
+                                          <p:spTgt spid="3">
+                                            <p:txEl>
+                                              <p:pRg st="53" end="53"/>
+                                            </p:txEl>
+                                          </p:spTgt>
+                                        </p:tgtEl>
+                                        <p:attrNameLst>
+                                          <p:attrName>style.visibility</p:attrName>
+                                        </p:attrNameLst>
+                                      </p:cBhvr>
+                                      <p:to>
+                                        <p:strVal val="visible"/>
+                                      </p:to>
+                                    </p:set>
+                                  </p:childTnLst>
+                                </p:cTn>
+                              </p:par>
+                            </p:childTnLst>
+                          </p:cTn>
+                        </p:par>
+                      </p:childTnLst>
+                    </p:cTn>
+                  </p:par>
+                  <p:par>
+                    <p:cTn id="111" fill="hold">
+                      <p:stCondLst>
+                        <p:cond delay="indefinite"/>
+                      </p:stCondLst>
+                      <p:childTnLst>
+                        <p:par>
+                          <p:cTn id="112" fill="hold">
+                            <p:stCondLst>
+                              <p:cond delay="0"/>
+                            </p:stCondLst>
+                            <p:childTnLst>
+                              <p:par>
+                                <p:cTn id="113" presetID="1" presetClass="entr" presetSubtype="0" fill="hold" grpId="0" nodeType="clickEffect">
+                                  <p:stCondLst>
+                                    <p:cond delay="0"/>
+                                  </p:stCondLst>
+                                  <p:childTnLst>
+                                    <p:set>
+                                      <p:cBhvr>
+                                        <p:cTn id="114" dur="1" fill="hold">
+                                          <p:stCondLst>
+                                            <p:cond delay="0"/>
+                                          </p:stCondLst>
+                                        </p:cTn>
+                                        <p:tgtEl>
+                                          <p:spTgt spid="3">
+                                            <p:txEl>
+                                              <p:pRg st="54" end="54"/>
+                                            </p:txEl>
+                                          </p:spTgt>
+                                        </p:tgtEl>
+                                        <p:attrNameLst>
+                                          <p:attrName>style.visibility</p:attrName>
+                                        </p:attrNameLst>
+                                      </p:cBhvr>
+                                      <p:to>
+                                        <p:strVal val="visible"/>
+                                      </p:to>
+                                    </p:set>
+                                  </p:childTnLst>
+                                </p:cTn>
+                              </p:par>
+                            </p:childTnLst>
+                          </p:cTn>
+                        </p:par>
+                      </p:childTnLst>
+                    </p:cTn>
+                  </p:par>
+                  <p:par>
+                    <p:cTn id="115" fill="hold">
+                      <p:stCondLst>
+                        <p:cond delay="indefinite"/>
+                      </p:stCondLst>
+                      <p:childTnLst>
+                        <p:par>
+                          <p:cTn id="116" fill="hold">
+                            <p:stCondLst>
+                              <p:cond delay="0"/>
+                            </p:stCondLst>
+                            <p:childTnLst>
+                              <p:par>
+                                <p:cTn id="117" presetID="1" presetClass="entr" presetSubtype="0" fill="hold" grpId="0" nodeType="clickEffect">
+                                  <p:stCondLst>
+                                    <p:cond delay="0"/>
+                                  </p:stCondLst>
+                                  <p:childTnLst>
+                                    <p:set>
+                                      <p:cBhvr>
+                                        <p:cTn id="118" dur="1" fill="hold">
+                                          <p:stCondLst>
+                                            <p:cond delay="0"/>
+                                          </p:stCondLst>
+                                        </p:cTn>
+                                        <p:tgtEl>
+                                          <p:spTgt spid="3">
+                                            <p:txEl>
+                                              <p:pRg st="55" end="55"/>
                                             </p:txEl>
                                           </p:spTgt>
                                         </p:tgtEl>
@@ -5198,7 +8525,143 @@
 </p:sld>
 </file>
 
-<file path=ppt/slides/slide17.xml><?xml version="1.0" encoding="utf-8"?>
+<file path=ppt/slides/slide7.xml><?xml version="1.0" encoding="utf-8"?>
+<p:sld xmlns:a="http://schemas.openxmlformats.org/drawingml/2006/main" xmlns:r="http://schemas.openxmlformats.org/officeDocument/2006/relationships" xmlns:p="http://schemas.openxmlformats.org/presentationml/2006/main">
+  <p:cSld>
+    <p:spTree>
+      <p:nvGrpSpPr>
+        <p:cNvPr id="1" name=""/>
+        <p:cNvGrpSpPr/>
+        <p:nvPr/>
+      </p:nvGrpSpPr>
+      <p:grpSpPr>
+        <a:xfrm>
+          <a:off x="0" y="0"/>
+          <a:ext cx="0" cy="0"/>
+          <a:chOff x="0" y="0"/>
+          <a:chExt cx="0" cy="0"/>
+        </a:xfrm>
+      </p:grpSpPr>
+      <p:sp>
+        <p:nvSpPr>
+          <p:cNvPr id="2" name="Title 1"/>
+          <p:cNvSpPr>
+            <a:spLocks noGrp="1"/>
+          </p:cNvSpPr>
+          <p:nvPr>
+            <p:ph type="title"/>
+          </p:nvPr>
+        </p:nvSpPr>
+        <p:spPr>
+          <a:xfrm>
+            <a:off x="457201" y="204787"/>
+            <a:ext cx="3008313" cy="871538"/>
+          </a:xfrm>
+        </p:spPr>
+        <p:txBody>
+          <a:bodyPr/>
+          <a:lstStyle/>
+          <a:p>
+            <a:pPr lvl="0" indent="0" marL="0">
+              <a:buNone/>
+            </a:pPr>
+            <a:r>
+              <a:rPr>
+                <a:hlinkClick r:id="rId2"/>
+              </a:rPr>
+              <a:t>How to beat death by powerpoint</a:t>
+            </a:r>
+          </a:p>
+        </p:txBody>
+      </p:sp>
+      <p:sp>
+        <p:nvSpPr>
+          <p:cNvPr id="4" name="Text Placeholder 3"/>
+          <p:cNvSpPr>
+            <a:spLocks noGrp="1"/>
+          </p:cNvSpPr>
+          <p:nvPr>
+            <p:ph idx="2" sz="half" type="body"/>
+          </p:nvPr>
+        </p:nvSpPr>
+        <p:spPr/>
+        <p:txBody>
+          <a:bodyPr/>
+          <a:lstStyle/>
+          <a:p>
+            <a:pPr lvl="0" indent="0" marL="0">
+              <a:buNone/>
+            </a:pPr>
+            <a:r>
+              <a:rPr>
+                <a:hlinkClick r:id="rId3"/>
+              </a:rPr>
+              <a:t>Perezi on death by PPT</a:t>
+            </a:r>
+          </a:p>
+          <a:p>
+            <a:pPr lvl="0" indent="0" marL="0">
+              <a:buNone/>
+            </a:pPr>
+            <a:r>
+              <a:rPr>
+                <a:hlinkClick r:id="rId4"/>
+              </a:rPr>
+              <a:t>Forbes on how to avoid death by PPT</a:t>
+            </a:r>
+          </a:p>
+          <a:p>
+            <a:pPr lvl="0" indent="0" marL="0">
+              <a:spcBef>
+                <a:spcPts val="3000"/>
+              </a:spcBef>
+              <a:buNone/>
+            </a:pPr>
+            <a:r>
+              <a:rPr b="1">
+                <a:hlinkClick r:id="rId5"/>
+              </a:rPr>
+              <a:t>Effective Presentation</a:t>
+            </a:r>
+          </a:p>
+        </p:txBody>
+      </p:sp>
+      <p:pic>
+        <p:nvPicPr>
+          <p:cNvPr descr="images/presentation_sim.png" id="0" name="Picture 1"/>
+          <p:cNvPicPr>
+            <a:picLocks noGrp="1" noChangeAspect="1"/>
+          </p:cNvPicPr>
+          <p:nvPr/>
+        </p:nvPicPr>
+        <p:blipFill>
+          <a:blip r:embed="rId6"/>
+          <a:stretch>
+            <a:fillRect/>
+          </a:stretch>
+        </p:blipFill>
+        <p:spPr bwMode="auto">
+          <a:xfrm>
+            <a:off x="3568700" y="1270000"/>
+            <a:ext cx="5105400" cy="2247900"/>
+          </a:xfrm>
+          <a:prstGeom prst="rect">
+            <a:avLst/>
+          </a:prstGeom>
+          <a:noFill/>
+          <a:ln w="9525">
+            <a:noFill/>
+            <a:headEnd/>
+            <a:tailEnd/>
+          </a:ln>
+        </p:spPr>
+      </p:pic>
+    </p:spTree>
+  </p:cSld>
+</p:sld>
+</file>
+
+<file path=ppt/slides/slide8.xml><?xml version="1.0" encoding="utf-8"?>
 <p:sld xmlns:a="http://schemas.openxmlformats.org/drawingml/2006/main" xmlns:r="http://schemas.openxmlformats.org/officeDocument/2006/relationships" xmlns:p="http://schemas.openxmlformats.org/presentationml/2006/main">
   <p:cSld>
     <p:spTree>
@@ -5235,7 +8698,7 @@
             </a:pPr>
             <a:r>
               <a:rPr/>
-              <a:t>Favorable classroom atmosphere</a:t>
+              <a:t>The ability to learn faster than your competitors may be the only sustainable competitive advantage</a:t>
             </a:r>
           </a:p>
         </p:txBody>
@@ -5255,241 +8718,21 @@
           <a:bodyPr/>
           <a:lstStyle/>
           <a:p>
-            <a:pPr lvl="0"/>
-            <a:r>
-              <a:rPr b="1"/>
-              <a:t>Some students seem naturally enthusiastic about learning, but many need-or expect-their instructors to inspire, challenge, and stimulate them:</a:t>
-            </a:r>
-          </a:p>
-          <a:p>
-            <a:pPr lvl="0"/>
-            <a:r>
-              <a:rPr b="1"/>
-              <a:t>“Effective learning in the classroom depends on the teacher’s ability … ??</a:t>
-            </a:r>
-          </a:p>
-        </p:txBody>
-      </p:sp>
-    </p:spTree>
-  </p:cSld>
-  <p:timing>
-    <p:tnLst>
-      <p:par>
-        <p:cTn id="1" dur="indefinite" restart="never" nodeType="tmRoot">
-          <p:childTnLst>
-            <p:seq concurrent="1" nextAc="seek">
-              <p:cTn id="2" dur="indefinite" nodeType="mainSeq">
-                <p:childTnLst>
-                  <p:par>
-                    <p:cTn id="3" fill="hold">
-                      <p:stCondLst>
-                        <p:cond delay="indefinite"/>
-                      </p:stCondLst>
-                      <p:childTnLst>
-                        <p:par>
-                          <p:cTn id="4" fill="hold">
-                            <p:stCondLst>
-                              <p:cond delay="0"/>
-                            </p:stCondLst>
-                            <p:childTnLst>
-                              <p:par>
-                                <p:cTn id="5" presetID="1" presetClass="entr" presetSubtype="0" fill="hold" grpId="0" nodeType="clickEffect">
-                                  <p:stCondLst>
-                                    <p:cond delay="0"/>
-                                  </p:stCondLst>
-                                  <p:childTnLst>
-                                    <p:set>
-                                      <p:cBhvr>
-                                        <p:cTn id="6" dur="1" fill="hold">
-                                          <p:stCondLst>
-                                            <p:cond delay="0"/>
-                                          </p:stCondLst>
-                                        </p:cTn>
-                                        <p:tgtEl>
-                                          <p:spTgt spid="3">
-                                            <p:txEl>
-                                              <p:pRg st="0" end="0"/>
-                                            </p:txEl>
-                                          </p:spTgt>
-                                        </p:tgtEl>
-                                        <p:attrNameLst>
-                                          <p:attrName>style.visibility</p:attrName>
-                                        </p:attrNameLst>
-                                      </p:cBhvr>
-                                      <p:to>
-                                        <p:strVal val="visible"/>
-                                      </p:to>
-                                    </p:set>
-                                  </p:childTnLst>
-                                </p:cTn>
-                              </p:par>
-                            </p:childTnLst>
-                          </p:cTn>
-                        </p:par>
-                      </p:childTnLst>
-                    </p:cTn>
-                  </p:par>
-                  <p:par>
-                    <p:cTn id="7" fill="hold">
-                      <p:stCondLst>
-                        <p:cond delay="indefinite"/>
-                      </p:stCondLst>
-                      <p:childTnLst>
-                        <p:par>
-                          <p:cTn id="8" fill="hold">
-                            <p:stCondLst>
-                              <p:cond delay="0"/>
-                            </p:stCondLst>
-                            <p:childTnLst>
-                              <p:par>
-                                <p:cTn id="9" presetID="1" presetClass="entr" presetSubtype="0" fill="hold" grpId="0" nodeType="clickEffect">
-                                  <p:stCondLst>
-                                    <p:cond delay="0"/>
-                                  </p:stCondLst>
-                                  <p:childTnLst>
-                                    <p:set>
-                                      <p:cBhvr>
-                                        <p:cTn id="10" dur="1" fill="hold">
-                                          <p:stCondLst>
-                                            <p:cond delay="0"/>
-                                          </p:stCondLst>
-                                        </p:cTn>
-                                        <p:tgtEl>
-                                          <p:spTgt spid="3">
-                                            <p:txEl>
-                                              <p:pRg st="1" end="1"/>
-                                            </p:txEl>
-                                          </p:spTgt>
-                                        </p:tgtEl>
-                                        <p:attrNameLst>
-                                          <p:attrName>style.visibility</p:attrName>
-                                        </p:attrNameLst>
-                                      </p:cBhvr>
-                                      <p:to>
-                                        <p:strVal val="visible"/>
-                                      </p:to>
-                                    </p:set>
-                                  </p:childTnLst>
-                                </p:cTn>
-                              </p:par>
-                            </p:childTnLst>
-                          </p:cTn>
-                        </p:par>
-                      </p:childTnLst>
-                    </p:cTn>
-                  </p:par>
-                </p:childTnLst>
-              </p:cTn>
-              <p:prevCondLst>
-                <p:cond evt="onPrev" delay="0">
-                  <p:tgtEl>
-                    <p:sldTgt/>
-                  </p:tgtEl>
-                </p:cond>
-              </p:prevCondLst>
-              <p:nextCondLst>
-                <p:cond evt="onNext" delay="0">
-                  <p:tgtEl>
-                    <p:sldTgt/>
-                  </p:tgtEl>
-                </p:cond>
-              </p:nextCondLst>
-            </p:seq>
-          </p:childTnLst>
-        </p:cTn>
-      </p:par>
-    </p:tnLst>
-    <p:bldLst>
-      <p:bldP spid="3" grpId="0" uiExpand="1" build="p"/>
-    </p:bldLst>
-  </p:timing>
-</p:sld>
-</file>
-
-<file path=ppt/slides/slide18.xml><?xml version="1.0" encoding="utf-8"?>
-<p:sld xmlns:a="http://schemas.openxmlformats.org/drawingml/2006/main" xmlns:r="http://schemas.openxmlformats.org/officeDocument/2006/relationships" xmlns:p="http://schemas.openxmlformats.org/presentationml/2006/main">
-  <p:cSld>
-    <p:spTree>
-      <p:nvGrpSpPr>
-        <p:cNvPr id="1" name=""/>
-        <p:cNvGrpSpPr/>
-        <p:nvPr/>
-      </p:nvGrpSpPr>
-      <p:grpSpPr>
-        <a:xfrm>
-          <a:off x="0" y="0"/>
-          <a:ext cx="0" cy="0"/>
-          <a:chOff x="0" y="0"/>
-          <a:chExt cx="0" cy="0"/>
-        </a:xfrm>
-      </p:grpSpPr>
-      <p:sp>
-        <p:nvSpPr>
-          <p:cNvPr id="2" name="Title 1"/>
-          <p:cNvSpPr>
-            <a:spLocks noGrp="1"/>
-          </p:cNvSpPr>
-          <p:nvPr>
-            <p:ph type="title"/>
-          </p:nvPr>
-        </p:nvSpPr>
-        <p:spPr/>
-        <p:txBody>
-          <a:bodyPr/>
-          <a:lstStyle/>
-          <a:p>
             <a:pPr lvl="0" indent="0" marL="0">
               <a:buNone/>
             </a:pPr>
             <a:r>
               <a:rPr/>
-              <a:t>Teaching Modules</a:t>
-            </a:r>
-          </a:p>
-        </p:txBody>
-      </p:sp>
-      <p:sp>
-        <p:nvSpPr>
-          <p:cNvPr id="3" name="Content Placeholder 2"/>
-          <p:cNvSpPr>
-            <a:spLocks noGrp="1"/>
-          </p:cNvSpPr>
-          <p:nvPr>
-            <p:ph idx="1"/>
-          </p:nvPr>
-        </p:nvSpPr>
-        <p:spPr/>
-        <p:txBody>
-          <a:bodyPr/>
-          <a:lstStyle/>
-          <a:p>
-            <a:pPr lvl="0"/>
-            <a:r>
-              <a:rPr/>
-              <a:t>a-</a:t>
-            </a:r>
-            <a:r>
-              <a:rPr b="1"/>
-              <a:t>Improving teaching provision within the department by identifying models of best practice and promoting new teaching initiatives and curriculum development.</a:t>
-            </a:r>
-          </a:p>
-          <a:p>
-            <a:pPr lvl="0"/>
-            <a:r>
-              <a:rPr/>
-              <a:t>b- </a:t>
-            </a:r>
-            <a:r>
-              <a:rPr b="1"/>
-              <a:t>Promote links with other departments and/or disciplines where possible.</a:t>
-            </a:r>
-          </a:p>
-          <a:p>
-            <a:pPr lvl="0"/>
-            <a:r>
-              <a:rPr b="1"/>
-              <a:t>Trans-disciplinary and multidisciplinary</a:t>
-            </a:r>
+              <a:t>Peter Senge: The Fifth Discipline</a:t>
+            </a:r>
+          </a:p>
+          <a:p>
+            <a:pPr lvl="0" indent="0" marL="0">
+              <a:spcBef>
+                <a:spcPts val="3000"/>
+              </a:spcBef>
+              <a:buNone/>
+            </a:pPr>
           </a:p>
         </p:txBody>
       </p:sp>
@@ -5498,689 +8741,7 @@
 </p:sld>
 </file>
 
-<file path=ppt/slides/slide19.xml><?xml version="1.0" encoding="utf-8"?>
-<p:sld xmlns:a="http://schemas.openxmlformats.org/drawingml/2006/main" xmlns:r="http://schemas.openxmlformats.org/officeDocument/2006/relationships" xmlns:p="http://schemas.openxmlformats.org/presentationml/2006/main">
-  <p:cSld>
-    <p:spTree>
-      <p:nvGrpSpPr>
-        <p:cNvPr id="1" name=""/>
-        <p:cNvGrpSpPr/>
-        <p:nvPr/>
-      </p:nvGrpSpPr>
-      <p:grpSpPr>
-        <a:xfrm>
-          <a:off x="0" y="0"/>
-          <a:ext cx="0" cy="0"/>
-          <a:chOff x="0" y="0"/>
-          <a:chExt cx="0" cy="0"/>
-        </a:xfrm>
-      </p:grpSpPr>
-      <p:sp>
-        <p:nvSpPr>
-          <p:cNvPr id="2" name="Title 1"/>
-          <p:cNvSpPr>
-            <a:spLocks noGrp="1"/>
-          </p:cNvSpPr>
-          <p:nvPr>
-            <p:ph type="title"/>
-          </p:nvPr>
-        </p:nvSpPr>
-        <p:spPr/>
-        <p:txBody>
-          <a:bodyPr/>
-          <a:lstStyle/>
-          <a:p>
-            <a:pPr lvl="0" indent="0" marL="0">
-              <a:buNone/>
-            </a:pPr>
-            <a:r>
-              <a:rPr/>
-              <a:t>Interactive Learning</a:t>
-            </a:r>
-          </a:p>
-        </p:txBody>
-      </p:sp>
-      <p:sp>
-        <p:nvSpPr>
-          <p:cNvPr id="3" name="Content Placeholder 2"/>
-          <p:cNvSpPr>
-            <a:spLocks noGrp="1"/>
-          </p:cNvSpPr>
-          <p:nvPr>
-            <p:ph idx="1"/>
-          </p:nvPr>
-        </p:nvSpPr>
-        <p:spPr/>
-        <p:txBody>
-          <a:bodyPr/>
-          <a:lstStyle/>
-          <a:p>
-            <a:pPr lvl="0" indent="0" marL="0">
-              <a:buNone/>
-            </a:pPr>
-            <a:r>
-              <a:rPr b="1"/>
-              <a:t>Course assessment</a:t>
-            </a:r>
-          </a:p>
-          <a:p>
-            <a:pPr lvl="0" indent="0" marL="0">
-              <a:buNone/>
-            </a:pPr>
-            <a:r>
-              <a:rPr b="1"/>
-              <a:t>Students assessment</a:t>
-            </a:r>
-          </a:p>
-          <a:p>
-            <a:pPr lvl="0" indent="0" marL="0">
-              <a:buNone/>
-            </a:pPr>
-            <a:r>
-              <a:rPr b="1"/>
-              <a:t>Teaching Methods</a:t>
-            </a:r>
-          </a:p>
-          <a:p>
-            <a:pPr lvl="0" indent="0" marL="0">
-              <a:buNone/>
-            </a:pPr>
-            <a:r>
-              <a:rPr/>
-              <a:t>A thousand teachers,</a:t>
-            </a:r>
-          </a:p>
-          <a:p>
-            <a:pPr lvl="0" indent="0" marL="0">
-              <a:buNone/>
-            </a:pPr>
-            <a:r>
-              <a:rPr/>
-              <a:t>a thousand methods.(Chinese proverb)</a:t>
-            </a:r>
-          </a:p>
-        </p:txBody>
-      </p:sp>
-    </p:spTree>
-  </p:cSld>
-</p:sld>
-</file>
-
-<file path=ppt/slides/slide2.xml><?xml version="1.0" encoding="utf-8"?>
-<p:sld xmlns:a="http://schemas.openxmlformats.org/drawingml/2006/main" xmlns:r="http://schemas.openxmlformats.org/officeDocument/2006/relationships" xmlns:p="http://schemas.openxmlformats.org/presentationml/2006/main">
-  <p:cSld>
-    <p:spTree>
-      <p:nvGrpSpPr>
-        <p:cNvPr id="1" name=""/>
-        <p:cNvGrpSpPr/>
-        <p:nvPr/>
-      </p:nvGrpSpPr>
-      <p:grpSpPr>
-        <a:xfrm>
-          <a:off x="0" y="0"/>
-          <a:ext cx="0" cy="0"/>
-          <a:chOff x="0" y="0"/>
-          <a:chExt cx="0" cy="0"/>
-        </a:xfrm>
-      </p:grpSpPr>
-      <p:sp>
-        <p:nvSpPr>
-          <p:cNvPr id="2" name="Title 1"/>
-          <p:cNvSpPr>
-            <a:spLocks noGrp="1"/>
-          </p:cNvSpPr>
-          <p:nvPr>
-            <p:ph type="title"/>
-          </p:nvPr>
-        </p:nvSpPr>
-        <p:spPr>
-          <a:xfrm>
-            <a:off x="722313" y="3305176"/>
-            <a:ext cx="7772400" cy="1021556"/>
-          </a:xfrm>
-        </p:spPr>
-        <p:txBody>
-          <a:bodyPr/>
-          <a:lstStyle/>
-          <a:p>
-            <a:pPr lvl="0" indent="0" marL="0">
-              <a:buNone/>
-            </a:pPr>
-            <a:r>
-              <a:rPr/>
-              <a:t>“If we want to move from a future we dont want to </a:t>
-            </a:r>
-            <a:r>
-              <a:rPr i="1"/>
-              <a:t>a future we want</a:t>
-            </a:r>
-            <a:r>
-              <a:rPr/>
-              <a:t>, we have to consciously practice bold thinking to achieve the desired future.”</a:t>
-            </a:r>
-          </a:p>
-        </p:txBody>
-      </p:sp>
-    </p:spTree>
-  </p:cSld>
-</p:sld>
-</file>
-
-<file path=ppt/slides/slide20.xml><?xml version="1.0" encoding="utf-8"?>
-<p:sld xmlns:a="http://schemas.openxmlformats.org/drawingml/2006/main" xmlns:r="http://schemas.openxmlformats.org/officeDocument/2006/relationships" xmlns:p="http://schemas.openxmlformats.org/presentationml/2006/main">
-  <p:cSld>
-    <p:spTree>
-      <p:nvGrpSpPr>
-        <p:cNvPr id="1" name=""/>
-        <p:cNvGrpSpPr/>
-        <p:nvPr/>
-      </p:nvGrpSpPr>
-      <p:grpSpPr>
-        <a:xfrm>
-          <a:off x="0" y="0"/>
-          <a:ext cx="0" cy="0"/>
-          <a:chOff x="0" y="0"/>
-          <a:chExt cx="0" cy="0"/>
-        </a:xfrm>
-      </p:grpSpPr>
-      <p:sp>
-        <p:nvSpPr>
-          <p:cNvPr id="2" name="Title 1"/>
-          <p:cNvSpPr>
-            <a:spLocks noGrp="1"/>
-          </p:cNvSpPr>
-          <p:nvPr>
-            <p:ph type="title"/>
-          </p:nvPr>
-        </p:nvSpPr>
-        <p:spPr/>
-        <p:txBody>
-          <a:bodyPr/>
-          <a:lstStyle/>
-          <a:p>
-            <a:pPr lvl="0" indent="0" marL="0">
-              <a:buNone/>
-            </a:pPr>
-            <a:r>
-              <a:rPr/>
-              <a:t>Oral Presentation: Methods and Materials</a:t>
-            </a:r>
-          </a:p>
-        </p:txBody>
-      </p:sp>
-      <p:sp>
-        <p:nvSpPr>
-          <p:cNvPr id="3" name="Content Placeholder 2"/>
-          <p:cNvSpPr>
-            <a:spLocks noGrp="1"/>
-          </p:cNvSpPr>
-          <p:nvPr>
-            <p:ph idx="1"/>
-          </p:nvPr>
-        </p:nvSpPr>
-        <p:spPr/>
-        <p:txBody>
-          <a:bodyPr/>
-          <a:lstStyle/>
-          <a:p>
-            <a:pPr lvl="0" indent="-342900" marL="342900">
-              <a:buAutoNum type="arabicPeriod"/>
-            </a:pPr>
-            <a:r>
-              <a:rPr/>
-              <a:t>YOUR VOICE( audibility, pitch, pronunciation, pause. tone?.) How do you relieve monotony in your lecture?</a:t>
-            </a:r>
-          </a:p>
-          <a:p>
-            <a:pPr lvl="0" indent="-342900" marL="342900">
-              <a:buAutoNum type="arabicPeriod"/>
-            </a:pPr>
-            <a:r>
-              <a:rPr/>
-              <a:t>BODY LANGUAGE(Gestures ,pacing but no unpleasant movements)</a:t>
-            </a:r>
-          </a:p>
-          <a:p>
-            <a:pPr lvl="0" indent="-342900" marL="342900">
-              <a:buAutoNum type="arabicPeriod"/>
-            </a:pPr>
-            <a:r>
-              <a:rPr/>
-              <a:t>APPEARANCE (posture , .freezing in one corner?)</a:t>
-            </a:r>
-          </a:p>
-          <a:p>
-            <a:pPr lvl="0" indent="-342900" marL="342900">
-              <a:buAutoNum type="arabicPeriod"/>
-            </a:pPr>
-            <a:r>
-              <a:rPr/>
-              <a:t>Speed</a:t>
-            </a:r>
-          </a:p>
-        </p:txBody>
-      </p:sp>
-    </p:spTree>
-  </p:cSld>
-</p:sld>
-</file>
-
-<file path=ppt/slides/slide21.xml><?xml version="1.0" encoding="utf-8"?>
-<p:sld xmlns:a="http://schemas.openxmlformats.org/drawingml/2006/main" xmlns:r="http://schemas.openxmlformats.org/officeDocument/2006/relationships" xmlns:p="http://schemas.openxmlformats.org/presentationml/2006/main">
-  <p:cSld>
-    <p:spTree>
-      <p:nvGrpSpPr>
-        <p:cNvPr id="1" name=""/>
-        <p:cNvGrpSpPr/>
-        <p:nvPr/>
-      </p:nvGrpSpPr>
-      <p:grpSpPr>
-        <a:xfrm>
-          <a:off x="0" y="0"/>
-          <a:ext cx="0" cy="0"/>
-          <a:chOff x="0" y="0"/>
-          <a:chExt cx="0" cy="0"/>
-        </a:xfrm>
-      </p:grpSpPr>
-      <p:sp>
-        <p:nvSpPr>
-          <p:cNvPr id="2" name="Title 1"/>
-          <p:cNvSpPr>
-            <a:spLocks noGrp="1"/>
-          </p:cNvSpPr>
-          <p:nvPr>
-            <p:ph type="title"/>
-          </p:nvPr>
-        </p:nvSpPr>
-        <p:spPr/>
-        <p:txBody>
-          <a:bodyPr/>
-          <a:lstStyle/>
-          <a:p>
-            <a:pPr lvl="0" indent="0" marL="0">
-              <a:buNone/>
-            </a:pPr>
-            <a:r>
-              <a:rPr/>
-              <a:t>Closure</a:t>
-            </a:r>
-          </a:p>
-        </p:txBody>
-      </p:sp>
-      <p:sp>
-        <p:nvSpPr>
-          <p:cNvPr id="3" name="Content Placeholder 2"/>
-          <p:cNvSpPr>
-            <a:spLocks noGrp="1"/>
-          </p:cNvSpPr>
-          <p:nvPr>
-            <p:ph idx="1"/>
-          </p:nvPr>
-        </p:nvSpPr>
-        <p:spPr/>
-        <p:txBody>
-          <a:bodyPr/>
-          <a:lstStyle/>
-          <a:p>
-            <a:pPr lvl="0" indent="-342900" marL="342900">
-              <a:buAutoNum type="arabicPeriod"/>
-            </a:pPr>
-            <a:r>
-              <a:rPr b="1"/>
-              <a:t>No single teaching method covers everything</a:t>
-            </a:r>
-          </a:p>
-          <a:p>
-            <a:pPr lvl="0" indent="-342900" marL="342900">
-              <a:buAutoNum type="arabicPeriod"/>
-            </a:pPr>
-            <a:r>
-              <a:rPr b="1"/>
-              <a:t>Optimal approach features a mixture of instructional methods and learning activities</a:t>
-            </a:r>
-          </a:p>
-          <a:p>
-            <a:pPr lvl="0" indent="-342900" marL="342900">
-              <a:buAutoNum type="arabicPeriod"/>
-            </a:pPr>
-            <a:r>
-              <a:rPr b="1"/>
-              <a:t>Optimal mixture changes over time with change in students?</a:t>
-            </a:r>
-          </a:p>
-          <a:p>
-            <a:pPr lvl="0" indent="-342900" marL="342900">
-              <a:buAutoNum type="arabicPeriod"/>
-            </a:pPr>
-            <a:r>
-              <a:rPr b="1"/>
-              <a:t>Students involvement in the learning process</a:t>
-            </a:r>
-          </a:p>
-          <a:p>
-            <a:pPr lvl="0" indent="-342900" marL="342900">
-              <a:buAutoNum type="arabicPeriod"/>
-            </a:pPr>
-            <a:r>
-              <a:rPr b="1"/>
-              <a:t>Favorable classroom environment</a:t>
-            </a:r>
-          </a:p>
-        </p:txBody>
-      </p:sp>
-    </p:spTree>
-  </p:cSld>
-</p:sld>
-</file>
-
-<file path=ppt/slides/slide22.xml><?xml version="1.0" encoding="utf-8"?>
-<p:sld xmlns:a="http://schemas.openxmlformats.org/drawingml/2006/main" xmlns:r="http://schemas.openxmlformats.org/officeDocument/2006/relationships" xmlns:p="http://schemas.openxmlformats.org/presentationml/2006/main">
-  <p:cSld>
-    <p:spTree>
-      <p:nvGrpSpPr>
-        <p:cNvPr id="1" name=""/>
-        <p:cNvGrpSpPr/>
-        <p:nvPr/>
-      </p:nvGrpSpPr>
-      <p:grpSpPr>
-        <a:xfrm>
-          <a:off x="0" y="0"/>
-          <a:ext cx="0" cy="0"/>
-          <a:chOff x="0" y="0"/>
-          <a:chExt cx="0" cy="0"/>
-        </a:xfrm>
-      </p:grpSpPr>
-      <p:sp>
-        <p:nvSpPr>
-          <p:cNvPr id="2" name="Title 1"/>
-          <p:cNvSpPr>
-            <a:spLocks noGrp="1"/>
-          </p:cNvSpPr>
-          <p:nvPr>
-            <p:ph type="title"/>
-          </p:nvPr>
-        </p:nvSpPr>
-        <p:spPr/>
-        <p:txBody>
-          <a:bodyPr/>
-          <a:lstStyle/>
-          <a:p>
-            <a:pPr lvl="0" indent="0" marL="0">
-              <a:buNone/>
-            </a:pPr>
-            <a:r>
-              <a:rPr/>
-              <a:t>Summary</a:t>
-            </a:r>
-          </a:p>
-        </p:txBody>
-      </p:sp>
-      <p:sp>
-        <p:nvSpPr>
-          <p:cNvPr id="3" name="Content Placeholder 2"/>
-          <p:cNvSpPr>
-            <a:spLocks noGrp="1"/>
-          </p:cNvSpPr>
-          <p:nvPr>
-            <p:ph idx="1"/>
-          </p:nvPr>
-        </p:nvSpPr>
-        <p:spPr/>
-        <p:txBody>
-          <a:bodyPr/>
-          <a:lstStyle/>
-          <a:p>
-            <a:pPr lvl="0"/>
-            <a:r>
-              <a:rPr b="1"/>
-              <a:t>What one thing did you learn today?</a:t>
-            </a:r>
-          </a:p>
-          <a:p>
-            <a:pPr lvl="0"/>
-            <a:r>
-              <a:rPr b="1"/>
-              <a:t>How does today’s lesson impact your understanding?</a:t>
-            </a:r>
-          </a:p>
-          <a:p>
-            <a:pPr lvl="0"/>
-            <a:r>
-              <a:rPr b="1"/>
-              <a:t>How would you summarize today’s lecture for someone who wasn’t here?</a:t>
-            </a:r>
-          </a:p>
-          <a:p>
-            <a:pPr lvl="0"/>
-            <a:r>
-              <a:rPr b="1"/>
-              <a:t>What was the most significant learning from today’s lecture?</a:t>
-            </a:r>
-          </a:p>
-          <a:p>
-            <a:pPr lvl="0"/>
-            <a:r>
-              <a:rPr b="1"/>
-              <a:t>What was the most difficult concept in today’s lecture?</a:t>
-            </a:r>
-          </a:p>
-          <a:p>
-            <a:pPr lvl="0"/>
-            <a:r>
-              <a:rPr b="1"/>
-              <a:t>What should I review further in our next lecture?</a:t>
-            </a:r>
-          </a:p>
-          <a:p>
-            <a:pPr lvl="0"/>
-            <a:r>
-              <a:rPr b="1"/>
-              <a:t>What was one thing you were unsure about in the lecture ?</a:t>
-            </a:r>
-          </a:p>
-          <a:p>
-            <a:pPr lvl="0"/>
-            <a:r>
-              <a:rPr b="1"/>
-              <a:t>Clarify areas of confusion</a:t>
-            </a:r>
-          </a:p>
-        </p:txBody>
-      </p:sp>
-    </p:spTree>
-  </p:cSld>
-</p:sld>
-</file>
-
-<file path=ppt/slides/slide23.xml><?xml version="1.0" encoding="utf-8"?>
-<p:sld xmlns:a="http://schemas.openxmlformats.org/drawingml/2006/main" xmlns:r="http://schemas.openxmlformats.org/officeDocument/2006/relationships" xmlns:p="http://schemas.openxmlformats.org/presentationml/2006/main">
-  <p:cSld>
-    <p:spTree>
-      <p:nvGrpSpPr>
-        <p:cNvPr id="1" name=""/>
-        <p:cNvGrpSpPr/>
-        <p:nvPr/>
-      </p:nvGrpSpPr>
-      <p:grpSpPr>
-        <a:xfrm>
-          <a:off x="0" y="0"/>
-          <a:ext cx="0" cy="0"/>
-          <a:chOff x="0" y="0"/>
-          <a:chExt cx="0" cy="0"/>
-        </a:xfrm>
-      </p:grpSpPr>
-      <p:sp>
-        <p:nvSpPr>
-          <p:cNvPr id="2" name="Title 1"/>
-          <p:cNvSpPr>
-            <a:spLocks noGrp="1"/>
-          </p:cNvSpPr>
-          <p:nvPr>
-            <p:ph type="title"/>
-          </p:nvPr>
-        </p:nvSpPr>
-        <p:spPr>
-          <a:xfrm>
-            <a:off x="722313" y="3305176"/>
-            <a:ext cx="7772400" cy="1021556"/>
-          </a:xfrm>
-        </p:spPr>
-        <p:txBody>
-          <a:bodyPr/>
-          <a:lstStyle/>
-          <a:p>
-            <a:pPr lvl="0" indent="0" marL="0">
-              <a:buNone/>
-            </a:pPr>
-            <a:r>
-              <a:rPr/>
-              <a:t>How to beat death by powerpoint</a:t>
-            </a:r>
-          </a:p>
-        </p:txBody>
-      </p:sp>
-    </p:spTree>
-  </p:cSld>
-</p:sld>
-</file>
-
-<file path=ppt/slides/slide24.xml><?xml version="1.0" encoding="utf-8"?>
-<p:sld xmlns:a="http://schemas.openxmlformats.org/drawingml/2006/main" xmlns:r="http://schemas.openxmlformats.org/officeDocument/2006/relationships" xmlns:p="http://schemas.openxmlformats.org/presentationml/2006/main">
-  <p:cSld>
-    <p:spTree>
-      <p:nvGrpSpPr>
-        <p:cNvPr id="1" name=""/>
-        <p:cNvGrpSpPr/>
-        <p:nvPr/>
-      </p:nvGrpSpPr>
-      <p:grpSpPr>
-        <a:xfrm>
-          <a:off x="0" y="0"/>
-          <a:ext cx="0" cy="0"/>
-          <a:chOff x="0" y="0"/>
-          <a:chExt cx="0" cy="0"/>
-        </a:xfrm>
-      </p:grpSpPr>
-      <p:sp>
-        <p:nvSpPr>
-          <p:cNvPr id="2" name="Title 1"/>
-          <p:cNvSpPr>
-            <a:spLocks noGrp="1"/>
-          </p:cNvSpPr>
-          <p:nvPr>
-            <p:ph type="title"/>
-          </p:nvPr>
-        </p:nvSpPr>
-        <p:spPr/>
-        <p:txBody>
-          <a:bodyPr/>
-          <a:lstStyle/>
-          <a:p>
-            <a:pPr lvl="0" indent="0" marL="0">
-              <a:buNone/>
-            </a:pPr>
-            <a:r>
-              <a:rPr/>
-              <a:t>Effective Presentation</a:t>
-            </a:r>
-          </a:p>
-        </p:txBody>
-      </p:sp>
-      <p:sp>
-        <p:nvSpPr>
-          <p:cNvPr id="3" name="Content Placeholder 2"/>
-          <p:cNvSpPr>
-            <a:spLocks noGrp="1"/>
-          </p:cNvSpPr>
-          <p:nvPr>
-            <p:ph idx="1"/>
-          </p:nvPr>
-        </p:nvSpPr>
-        <p:spPr/>
-        <p:txBody>
-          <a:bodyPr/>
-          <a:lstStyle/>
-          <a:p>
-            <a:pPr lvl="0" indent="0" marL="0">
-              <a:buNone/>
-            </a:pPr>
-            <a:r>
-              <a:rPr>
-                <a:hlinkClick r:id="rId2"/>
-              </a:rPr>
-              <a:t>Effective Presentation</a:t>
-            </a:r>
-            <a:r>
-              <a:rPr/>
-              <a:t> </a:t>
-            </a:r>
-          </a:p>
-        </p:txBody>
-      </p:sp>
-    </p:spTree>
-  </p:cSld>
-</p:sld>
-</file>
-
-<file path=ppt/slides/slide25.xml><?xml version="1.0" encoding="utf-8"?>
-<p:sld xmlns:a="http://schemas.openxmlformats.org/drawingml/2006/main" xmlns:r="http://schemas.openxmlformats.org/officeDocument/2006/relationships" xmlns:p="http://schemas.openxmlformats.org/presentationml/2006/main">
-  <p:cSld>
-    <p:spTree>
-      <p:nvGrpSpPr>
-        <p:cNvPr id="1" name=""/>
-        <p:cNvGrpSpPr/>
-        <p:nvPr/>
-      </p:nvGrpSpPr>
-      <p:grpSpPr>
-        <a:xfrm>
-          <a:off x="0" y="0"/>
-          <a:ext cx="0" cy="0"/>
-          <a:chOff x="0" y="0"/>
-          <a:chExt cx="0" cy="0"/>
-        </a:xfrm>
-      </p:grpSpPr>
-      <p:sp>
-        <p:nvSpPr>
-          <p:cNvPr id="2" name="Title 1"/>
-          <p:cNvSpPr>
-            <a:spLocks noGrp="1"/>
-          </p:cNvSpPr>
-          <p:nvPr>
-            <p:ph type="title"/>
-          </p:nvPr>
-        </p:nvSpPr>
-        <p:spPr>
-          <a:xfrm>
-            <a:off x="722313" y="3305176"/>
-            <a:ext cx="7772400" cy="1021556"/>
-          </a:xfrm>
-        </p:spPr>
-        <p:txBody>
-          <a:bodyPr/>
-          <a:lstStyle/>
-          <a:p>
-            <a:pPr lvl="0" indent="0" marL="0">
-              <a:buNone/>
-            </a:pPr>
-            <a:r>
-              <a:rPr/>
-              <a:t>The ability to learn faster than your competitors may be the only sustainable competitive advantage</a:t>
-            </a:r>
-            <a:r>
-              <a:rPr baseline="30000">
-                <a:hlinkClick r:id="rId2" action="ppaction://hlinksldjump"/>
-              </a:rPr>
-              <a:t>1</a:t>
-            </a:r>
-          </a:p>
-        </p:txBody>
-      </p:sp>
-    </p:spTree>
-  </p:cSld>
-</p:sld>
-</file>
-
-<file path=ppt/slides/slide26.xml><?xml version="1.0" encoding="utf-8"?>
+<file path=ppt/slides/slide9.xml><?xml version="1.0" encoding="utf-8"?>
 <p:sld xmlns:a="http://schemas.openxmlformats.org/drawingml/2006/main" xmlns:r="http://schemas.openxmlformats.org/officeDocument/2006/relationships" xmlns:p="http://schemas.openxmlformats.org/presentationml/2006/main">
   <p:cSld>
     <p:spTree>
@@ -6780,2456 +9341,6 @@
     </p:tnLst>
     <p:bldLst>
       <p:bldP spid="4" grpId="0" uiExpand="1" build="p"/>
-    </p:bldLst>
-  </p:timing>
-</p:sld>
-</file>
-
-<file path=ppt/slides/slide27.xml><?xml version="1.0" encoding="utf-8"?>
-<p:sld xmlns:a="http://schemas.openxmlformats.org/drawingml/2006/main" xmlns:r="http://schemas.openxmlformats.org/officeDocument/2006/relationships" xmlns:p="http://schemas.openxmlformats.org/presentationml/2006/main">
-  <p:cSld>
-    <p:spTree>
-      <p:nvGrpSpPr>
-        <p:cNvPr id="1" name=""/>
-        <p:cNvGrpSpPr/>
-        <p:nvPr/>
-      </p:nvGrpSpPr>
-      <p:grpSpPr>
-        <a:xfrm>
-          <a:off x="0" y="0"/>
-          <a:ext cx="0" cy="0"/>
-          <a:chOff x="0" y="0"/>
-          <a:chExt cx="0" cy="0"/>
-        </a:xfrm>
-      </p:grpSpPr>
-      <p:sp>
-        <p:nvSpPr>
-          <p:cNvPr id="2" name="Title 1"/>
-          <p:cNvSpPr>
-            <a:spLocks noGrp="1"/>
-          </p:cNvSpPr>
-          <p:nvPr>
-            <p:ph type="title"/>
-          </p:nvPr>
-        </p:nvSpPr>
-        <p:spPr/>
-        <p:txBody>
-          <a:bodyPr/>
-          <a:lstStyle/>
-          <a:p>
-            <a:pPr lvl="0" indent="0" marL="0">
-              <a:buNone/>
-            </a:pPr>
-            <a:r>
-              <a:rPr/>
-              <a:t>Digital era education: challenges and oppotunities</a:t>
-            </a:r>
-          </a:p>
-        </p:txBody>
-      </p:sp>
-      <p:sp>
-        <p:nvSpPr>
-          <p:cNvPr id="3" name="Content Placeholder 2"/>
-          <p:cNvSpPr>
-            <a:spLocks noGrp="1"/>
-          </p:cNvSpPr>
-          <p:nvPr>
-            <p:ph idx="1"/>
-          </p:nvPr>
-        </p:nvSpPr>
-        <p:spPr/>
-        <p:txBody>
-          <a:bodyPr/>
-          <a:lstStyle/>
-          <a:p>
-            <a:pPr lvl="0"/>
-            <a:r>
-              <a:rPr>
-                <a:hlinkClick r:id="rId2"/>
-              </a:rPr>
-              <a:t>Immense learning sources</a:t>
-            </a:r>
-          </a:p>
-          <a:p>
-            <a:pPr lvl="0"/>
-            <a:r>
-              <a:rPr>
-                <a:hlinkClick r:id="rId3"/>
-              </a:rPr>
-              <a:t>youtube</a:t>
-            </a:r>
-            <a:r>
-              <a:rPr/>
-              <a:t> and</a:t>
-            </a:r>
-          </a:p>
-          <a:p>
-            <a:pPr lvl="0"/>
-            <a:r>
-              <a:rPr/>
-              <a:t>much more</a:t>
-            </a:r>
-          </a:p>
-          <a:p>
-            <a:pPr lvl="0"/>
-            <a:r>
-              <a:rPr>
-                <a:hlinkClick r:id="rId4"/>
-              </a:rPr>
-              <a:t>Galton Board</a:t>
-            </a:r>
-          </a:p>
-          <a:p>
-            <a:pPr lvl="0"/>
-            <a:r>
-              <a:rPr>
-                <a:hlinkClick r:id="rId5"/>
-              </a:rPr>
-              <a:t>Plinko</a:t>
-            </a:r>
-          </a:p>
-          <a:p>
-            <a:pPr lvl="0"/>
-            <a:r>
-              <a:rPr/>
-              <a:t>Flip based class room teaching</a:t>
-            </a:r>
-          </a:p>
-        </p:txBody>
-      </p:sp>
-    </p:spTree>
-  </p:cSld>
-</p:sld>
-</file>
-
-<file path=ppt/slides/slide28.xml><?xml version="1.0" encoding="utf-8"?>
-<p:sld xmlns:a="http://schemas.openxmlformats.org/drawingml/2006/main" xmlns:r="http://schemas.openxmlformats.org/officeDocument/2006/relationships" xmlns:p="http://schemas.openxmlformats.org/presentationml/2006/main">
-  <p:cSld>
-    <p:spTree>
-      <p:nvGrpSpPr>
-        <p:cNvPr id="1" name=""/>
-        <p:cNvGrpSpPr/>
-        <p:nvPr/>
-      </p:nvGrpSpPr>
-      <p:grpSpPr>
-        <a:xfrm>
-          <a:off x="0" y="0"/>
-          <a:ext cx="0" cy="0"/>
-          <a:chOff x="0" y="0"/>
-          <a:chExt cx="0" cy="0"/>
-        </a:xfrm>
-      </p:grpSpPr>
-      <p:sp>
-        <p:nvSpPr>
-          <p:cNvPr id="3" name="Content Placeholder 2"/>
-          <p:cNvSpPr>
-            <a:spLocks noGrp="1"/>
-          </p:cNvSpPr>
-          <p:nvPr>
-            <p:ph idx="1"/>
-          </p:nvPr>
-        </p:nvSpPr>
-        <p:spPr/>
-        <p:txBody>
-          <a:bodyPr/>
-          <a:lstStyle/>
-          <a:p>
-            <a:pPr lvl="0" indent="0" marL="0">
-              <a:buNone/>
-            </a:pPr>
-            <a:r>
-              <a:rPr>
-                <a:hlinkClick r:id="rId2"/>
-              </a:rPr>
-              <a:t>Teaching methods for inspiring students of the future</a:t>
-            </a:r>
-          </a:p>
-          <a:p>
-            <a:pPr lvl="0"/>
-            <a:r>
-              <a:rPr/>
-              <a:t>“</a:t>
-            </a:r>
-            <a:r>
-              <a:rPr b="1"/>
-              <a:t>The mind is not a vessel that needs filling, but wood that needs igniting.</a:t>
-            </a:r>
-            <a:r>
-              <a:rPr/>
-              <a:t>” Plutarch AD46-AD120</a:t>
-            </a:r>
-          </a:p>
-          <a:p>
-            <a:pPr lvl="0"/>
-            <a:r>
-              <a:rPr/>
-              <a:t>“</a:t>
-            </a:r>
-            <a:r>
-              <a:rPr b="1"/>
-              <a:t>Education is not the learning of facts, but the training of the mind to think.</a:t>
-            </a:r>
-            <a:r>
-              <a:rPr/>
-              <a:t>” Abert Einstein 1879-1955</a:t>
-            </a:r>
-          </a:p>
-        </p:txBody>
-      </p:sp>
-    </p:spTree>
-  </p:cSld>
-</p:sld>
-</file>
-
-<file path=ppt/slides/slide29.xml><?xml version="1.0" encoding="utf-8"?>
-<p:sld xmlns:a="http://schemas.openxmlformats.org/drawingml/2006/main" xmlns:r="http://schemas.openxmlformats.org/officeDocument/2006/relationships" xmlns:p="http://schemas.openxmlformats.org/presentationml/2006/main">
-  <p:cSld>
-    <p:spTree>
-      <p:nvGrpSpPr>
-        <p:cNvPr id="1" name=""/>
-        <p:cNvGrpSpPr/>
-        <p:nvPr/>
-      </p:nvGrpSpPr>
-      <p:grpSpPr>
-        <a:xfrm>
-          <a:off x="0" y="0"/>
-          <a:ext cx="0" cy="0"/>
-          <a:chOff x="0" y="0"/>
-          <a:chExt cx="0" cy="0"/>
-        </a:xfrm>
-      </p:grpSpPr>
-      <p:sp>
-        <p:nvSpPr>
-          <p:cNvPr id="3" name="Content Placeholder 2"/>
-          <p:cNvSpPr>
-            <a:spLocks noGrp="1"/>
-          </p:cNvSpPr>
-          <p:nvPr>
-            <p:ph idx="1"/>
-          </p:nvPr>
-        </p:nvSpPr>
-        <p:spPr/>
-        <p:txBody>
-          <a:bodyPr/>
-          <a:lstStyle/>
-          <a:p>
-            <a:pPr lvl="0" indent="0" marL="0">
-              <a:buNone/>
-            </a:pPr>
-            <a:r>
-              <a:rPr b="1"/>
-              <a:t>Allow students to engage in:</a:t>
-            </a:r>
-          </a:p>
-          <a:p>
-            <a:pPr lvl="0"/>
-            <a:r>
-              <a:rPr b="1"/>
-              <a:t>Choice</a:t>
-            </a:r>
-          </a:p>
-          <a:p>
-            <a:pPr lvl="0"/>
-            <a:r>
-              <a:rPr b="1"/>
-              <a:t>Collaboration</a:t>
-            </a:r>
-          </a:p>
-          <a:p>
-            <a:pPr lvl="0"/>
-            <a:r>
-              <a:rPr b="1"/>
-              <a:t>Communication</a:t>
-            </a:r>
-          </a:p>
-          <a:p>
-            <a:pPr lvl="0"/>
-            <a:r>
-              <a:rPr b="1"/>
-              <a:t>Critical Thinking</a:t>
-            </a:r>
-          </a:p>
-          <a:p>
-            <a:pPr lvl="0"/>
-            <a:r>
-              <a:rPr b="1"/>
-              <a:t>Creativity</a:t>
-            </a:r>
-            <a:r>
-              <a:rPr/>
-              <a:t> and </a:t>
-            </a:r>
-            <a:r>
-              <a:rPr b="1"/>
-              <a:t>greatest of all these is</a:t>
-            </a:r>
-          </a:p>
-          <a:p>
-            <a:pPr lvl="0"/>
-            <a:r>
-              <a:rPr b="1"/>
-              <a:t>LOVE</a:t>
-            </a:r>
-          </a:p>
-        </p:txBody>
-      </p:sp>
-    </p:spTree>
-  </p:cSld>
-  <p:timing>
-    <p:tnLst>
-      <p:par>
-        <p:cTn id="1" dur="indefinite" restart="never" nodeType="tmRoot">
-          <p:childTnLst>
-            <p:seq concurrent="1" nextAc="seek">
-              <p:cTn id="2" dur="indefinite" nodeType="mainSeq">
-                <p:childTnLst>
-                  <p:par>
-                    <p:cTn id="3" fill="hold">
-                      <p:stCondLst>
-                        <p:cond delay="indefinite"/>
-                      </p:stCondLst>
-                      <p:childTnLst>
-                        <p:par>
-                          <p:cTn id="4" fill="hold">
-                            <p:stCondLst>
-                              <p:cond delay="0"/>
-                            </p:stCondLst>
-                            <p:childTnLst>
-                              <p:par>
-                                <p:cTn id="5" presetID="1" presetClass="entr" presetSubtype="0" fill="hold" grpId="0" nodeType="clickEffect">
-                                  <p:stCondLst>
-                                    <p:cond delay="0"/>
-                                  </p:stCondLst>
-                                  <p:childTnLst>
-                                    <p:set>
-                                      <p:cBhvr>
-                                        <p:cTn id="6" dur="1" fill="hold">
-                                          <p:stCondLst>
-                                            <p:cond delay="0"/>
-                                          </p:stCondLst>
-                                        </p:cTn>
-                                        <p:tgtEl>
-                                          <p:spTgt spid="3">
-                                            <p:txEl>
-                                              <p:pRg st="1" end="1"/>
-                                            </p:txEl>
-                                          </p:spTgt>
-                                        </p:tgtEl>
-                                        <p:attrNameLst>
-                                          <p:attrName>style.visibility</p:attrName>
-                                        </p:attrNameLst>
-                                      </p:cBhvr>
-                                      <p:to>
-                                        <p:strVal val="visible"/>
-                                      </p:to>
-                                    </p:set>
-                                  </p:childTnLst>
-                                </p:cTn>
-                              </p:par>
-                            </p:childTnLst>
-                          </p:cTn>
-                        </p:par>
-                      </p:childTnLst>
-                    </p:cTn>
-                  </p:par>
-                  <p:par>
-                    <p:cTn id="7" fill="hold">
-                      <p:stCondLst>
-                        <p:cond delay="indefinite"/>
-                      </p:stCondLst>
-                      <p:childTnLst>
-                        <p:par>
-                          <p:cTn id="8" fill="hold">
-                            <p:stCondLst>
-                              <p:cond delay="0"/>
-                            </p:stCondLst>
-                            <p:childTnLst>
-                              <p:par>
-                                <p:cTn id="9" presetID="1" presetClass="entr" presetSubtype="0" fill="hold" grpId="0" nodeType="clickEffect">
-                                  <p:stCondLst>
-                                    <p:cond delay="0"/>
-                                  </p:stCondLst>
-                                  <p:childTnLst>
-                                    <p:set>
-                                      <p:cBhvr>
-                                        <p:cTn id="10" dur="1" fill="hold">
-                                          <p:stCondLst>
-                                            <p:cond delay="0"/>
-                                          </p:stCondLst>
-                                        </p:cTn>
-                                        <p:tgtEl>
-                                          <p:spTgt spid="3">
-                                            <p:txEl>
-                                              <p:pRg st="2" end="2"/>
-                                            </p:txEl>
-                                          </p:spTgt>
-                                        </p:tgtEl>
-                                        <p:attrNameLst>
-                                          <p:attrName>style.visibility</p:attrName>
-                                        </p:attrNameLst>
-                                      </p:cBhvr>
-                                      <p:to>
-                                        <p:strVal val="visible"/>
-                                      </p:to>
-                                    </p:set>
-                                  </p:childTnLst>
-                                </p:cTn>
-                              </p:par>
-                            </p:childTnLst>
-                          </p:cTn>
-                        </p:par>
-                      </p:childTnLst>
-                    </p:cTn>
-                  </p:par>
-                  <p:par>
-                    <p:cTn id="11" fill="hold">
-                      <p:stCondLst>
-                        <p:cond delay="indefinite"/>
-                      </p:stCondLst>
-                      <p:childTnLst>
-                        <p:par>
-                          <p:cTn id="12" fill="hold">
-                            <p:stCondLst>
-                              <p:cond delay="0"/>
-                            </p:stCondLst>
-                            <p:childTnLst>
-                              <p:par>
-                                <p:cTn id="13" presetID="1" presetClass="entr" presetSubtype="0" fill="hold" grpId="0" nodeType="clickEffect">
-                                  <p:stCondLst>
-                                    <p:cond delay="0"/>
-                                  </p:stCondLst>
-                                  <p:childTnLst>
-                                    <p:set>
-                                      <p:cBhvr>
-                                        <p:cTn id="14" dur="1" fill="hold">
-                                          <p:stCondLst>
-                                            <p:cond delay="0"/>
-                                          </p:stCondLst>
-                                        </p:cTn>
-                                        <p:tgtEl>
-                                          <p:spTgt spid="3">
-                                            <p:txEl>
-                                              <p:pRg st="3" end="3"/>
-                                            </p:txEl>
-                                          </p:spTgt>
-                                        </p:tgtEl>
-                                        <p:attrNameLst>
-                                          <p:attrName>style.visibility</p:attrName>
-                                        </p:attrNameLst>
-                                      </p:cBhvr>
-                                      <p:to>
-                                        <p:strVal val="visible"/>
-                                      </p:to>
-                                    </p:set>
-                                  </p:childTnLst>
-                                </p:cTn>
-                              </p:par>
-                            </p:childTnLst>
-                          </p:cTn>
-                        </p:par>
-                      </p:childTnLst>
-                    </p:cTn>
-                  </p:par>
-                  <p:par>
-                    <p:cTn id="15" fill="hold">
-                      <p:stCondLst>
-                        <p:cond delay="indefinite"/>
-                      </p:stCondLst>
-                      <p:childTnLst>
-                        <p:par>
-                          <p:cTn id="16" fill="hold">
-                            <p:stCondLst>
-                              <p:cond delay="0"/>
-                            </p:stCondLst>
-                            <p:childTnLst>
-                              <p:par>
-                                <p:cTn id="17" presetID="1" presetClass="entr" presetSubtype="0" fill="hold" grpId="0" nodeType="clickEffect">
-                                  <p:stCondLst>
-                                    <p:cond delay="0"/>
-                                  </p:stCondLst>
-                                  <p:childTnLst>
-                                    <p:set>
-                                      <p:cBhvr>
-                                        <p:cTn id="18" dur="1" fill="hold">
-                                          <p:stCondLst>
-                                            <p:cond delay="0"/>
-                                          </p:stCondLst>
-                                        </p:cTn>
-                                        <p:tgtEl>
-                                          <p:spTgt spid="3">
-                                            <p:txEl>
-                                              <p:pRg st="4" end="4"/>
-                                            </p:txEl>
-                                          </p:spTgt>
-                                        </p:tgtEl>
-                                        <p:attrNameLst>
-                                          <p:attrName>style.visibility</p:attrName>
-                                        </p:attrNameLst>
-                                      </p:cBhvr>
-                                      <p:to>
-                                        <p:strVal val="visible"/>
-                                      </p:to>
-                                    </p:set>
-                                  </p:childTnLst>
-                                </p:cTn>
-                              </p:par>
-                            </p:childTnLst>
-                          </p:cTn>
-                        </p:par>
-                      </p:childTnLst>
-                    </p:cTn>
-                  </p:par>
-                  <p:par>
-                    <p:cTn id="19" fill="hold">
-                      <p:stCondLst>
-                        <p:cond delay="indefinite"/>
-                      </p:stCondLst>
-                      <p:childTnLst>
-                        <p:par>
-                          <p:cTn id="20" fill="hold">
-                            <p:stCondLst>
-                              <p:cond delay="0"/>
-                            </p:stCondLst>
-                            <p:childTnLst>
-                              <p:par>
-                                <p:cTn id="21" presetID="1" presetClass="entr" presetSubtype="0" fill="hold" grpId="0" nodeType="clickEffect">
-                                  <p:stCondLst>
-                                    <p:cond delay="0"/>
-                                  </p:stCondLst>
-                                  <p:childTnLst>
-                                    <p:set>
-                                      <p:cBhvr>
-                                        <p:cTn id="22" dur="1" fill="hold">
-                                          <p:stCondLst>
-                                            <p:cond delay="0"/>
-                                          </p:stCondLst>
-                                        </p:cTn>
-                                        <p:tgtEl>
-                                          <p:spTgt spid="3">
-                                            <p:txEl>
-                                              <p:pRg st="5" end="5"/>
-                                            </p:txEl>
-                                          </p:spTgt>
-                                        </p:tgtEl>
-                                        <p:attrNameLst>
-                                          <p:attrName>style.visibility</p:attrName>
-                                        </p:attrNameLst>
-                                      </p:cBhvr>
-                                      <p:to>
-                                        <p:strVal val="visible"/>
-                                      </p:to>
-                                    </p:set>
-                                  </p:childTnLst>
-                                </p:cTn>
-                              </p:par>
-                            </p:childTnLst>
-                          </p:cTn>
-                        </p:par>
-                      </p:childTnLst>
-                    </p:cTn>
-                  </p:par>
-                  <p:par>
-                    <p:cTn id="23" fill="hold">
-                      <p:stCondLst>
-                        <p:cond delay="indefinite"/>
-                      </p:stCondLst>
-                      <p:childTnLst>
-                        <p:par>
-                          <p:cTn id="24" fill="hold">
-                            <p:stCondLst>
-                              <p:cond delay="0"/>
-                            </p:stCondLst>
-                            <p:childTnLst>
-                              <p:par>
-                                <p:cTn id="25" presetID="1" presetClass="entr" presetSubtype="0" fill="hold" grpId="0" nodeType="clickEffect">
-                                  <p:stCondLst>
-                                    <p:cond delay="0"/>
-                                  </p:stCondLst>
-                                  <p:childTnLst>
-                                    <p:set>
-                                      <p:cBhvr>
-                                        <p:cTn id="26" dur="1" fill="hold">
-                                          <p:stCondLst>
-                                            <p:cond delay="0"/>
-                                          </p:stCondLst>
-                                        </p:cTn>
-                                        <p:tgtEl>
-                                          <p:spTgt spid="3">
-                                            <p:txEl>
-                                              <p:pRg st="6" end="6"/>
-                                            </p:txEl>
-                                          </p:spTgt>
-                                        </p:tgtEl>
-                                        <p:attrNameLst>
-                                          <p:attrName>style.visibility</p:attrName>
-                                        </p:attrNameLst>
-                                      </p:cBhvr>
-                                      <p:to>
-                                        <p:strVal val="visible"/>
-                                      </p:to>
-                                    </p:set>
-                                  </p:childTnLst>
-                                </p:cTn>
-                              </p:par>
-                            </p:childTnLst>
-                          </p:cTn>
-                        </p:par>
-                      </p:childTnLst>
-                    </p:cTn>
-                  </p:par>
-                </p:childTnLst>
-              </p:cTn>
-              <p:prevCondLst>
-                <p:cond evt="onPrev" delay="0">
-                  <p:tgtEl>
-                    <p:sldTgt/>
-                  </p:tgtEl>
-                </p:cond>
-              </p:prevCondLst>
-              <p:nextCondLst>
-                <p:cond evt="onNext" delay="0">
-                  <p:tgtEl>
-                    <p:sldTgt/>
-                  </p:tgtEl>
-                </p:cond>
-              </p:nextCondLst>
-            </p:seq>
-          </p:childTnLst>
-        </p:cTn>
-      </p:par>
-    </p:tnLst>
-    <p:bldLst>
-      <p:bldP spid="3" grpId="0" uiExpand="1" build="p"/>
-    </p:bldLst>
-  </p:timing>
-</p:sld>
-</file>
-
-<file path=ppt/slides/slide3.xml><?xml version="1.0" encoding="utf-8"?>
-<p:sld xmlns:a="http://schemas.openxmlformats.org/drawingml/2006/main" xmlns:r="http://schemas.openxmlformats.org/officeDocument/2006/relationships" xmlns:p="http://schemas.openxmlformats.org/presentationml/2006/main">
-  <p:cSld>
-    <p:spTree>
-      <p:nvGrpSpPr>
-        <p:cNvPr id="1" name=""/>
-        <p:cNvGrpSpPr/>
-        <p:nvPr/>
-      </p:nvGrpSpPr>
-      <p:grpSpPr>
-        <a:xfrm>
-          <a:off x="0" y="0"/>
-          <a:ext cx="0" cy="0"/>
-          <a:chOff x="0" y="0"/>
-          <a:chExt cx="0" cy="0"/>
-        </a:xfrm>
-      </p:grpSpPr>
-      <p:sp>
-        <p:nvSpPr>
-          <p:cNvPr id="2" name="Title 1"/>
-          <p:cNvSpPr>
-            <a:spLocks noGrp="1"/>
-          </p:cNvSpPr>
-          <p:nvPr>
-            <p:ph type="title"/>
-          </p:nvPr>
-        </p:nvSpPr>
-        <p:spPr/>
-        <p:txBody>
-          <a:bodyPr/>
-          <a:lstStyle/>
-          <a:p>
-            <a:pPr lvl="0" indent="0" marL="0">
-              <a:buNone/>
-            </a:pPr>
-            <a:r>
-              <a:rPr/>
-              <a:t>About Me</a:t>
-            </a:r>
-          </a:p>
-        </p:txBody>
-      </p:sp>
-      <p:pic>
-        <p:nvPicPr>
-          <p:cNvPr descr="images/zahid.jpg" id="0" name="Picture 1"/>
-          <p:cNvPicPr>
-            <a:picLocks noGrp="1" noChangeAspect="1"/>
-          </p:cNvPicPr>
-          <p:nvPr/>
-        </p:nvPicPr>
-        <p:blipFill>
-          <a:blip r:embed="rId2"/>
-          <a:stretch>
-            <a:fillRect/>
-          </a:stretch>
-        </p:blipFill>
-        <p:spPr bwMode="auto">
-          <a:xfrm>
-            <a:off x="787400" y="1193800"/>
-            <a:ext cx="3390900" cy="3390900"/>
-          </a:xfrm>
-          <a:prstGeom prst="rect">
-            <a:avLst/>
-          </a:prstGeom>
-          <a:noFill/>
-          <a:ln w="9525">
-            <a:noFill/>
-            <a:headEnd/>
-            <a:tailEnd/>
-          </a:ln>
-        </p:spPr>
-      </p:pic>
-      <p:sp>
-        <p:nvSpPr>
-          <p:cNvPr id="4" name="Content Placeholder 3"/>
-          <p:cNvSpPr>
-            <a:spLocks noGrp="1"/>
-          </p:cNvSpPr>
-          <p:nvPr>
-            <p:ph idx="2" sz="half"/>
-          </p:nvPr>
-        </p:nvSpPr>
-        <p:spPr/>
-        <p:txBody>
-          <a:bodyPr/>
-          <a:lstStyle/>
-          <a:p>
-            <a:pPr lvl="0"/>
-            <a:r>
-              <a:rPr/>
-              <a:t>Ph.D (Economics) — Pakistan Institute of Development Economics, 2007</a:t>
-            </a:r>
-          </a:p>
-          <a:p>
-            <a:pPr lvl="0"/>
-            <a:r>
-              <a:rPr/>
-              <a:t>MSc (Statistics)</a:t>
-            </a:r>
-          </a:p>
-          <a:p>
-            <a:pPr lvl="0"/>
-            <a:r>
-              <a:rPr/>
-              <a:t>Specializations:</a:t>
-            </a:r>
-          </a:p>
-          <a:p>
-            <a:pPr lvl="1"/>
-            <a:r>
-              <a:rPr/>
-              <a:t>Applied Econoetrics</a:t>
-            </a:r>
-          </a:p>
-          <a:p>
-            <a:pPr lvl="1"/>
-            <a:r>
-              <a:rPr/>
-              <a:t>Data Analyst</a:t>
-            </a:r>
-          </a:p>
-          <a:p>
-            <a:pPr lvl="1"/>
-            <a:r>
-              <a:rPr/>
-              <a:t>Development Economics</a:t>
-            </a:r>
-          </a:p>
-          <a:p>
-            <a:pPr lvl="0"/>
-            <a:r>
-              <a:rPr/>
-              <a:t>Research interests : data for policy, data and analytical skill development ,data for policy</a:t>
-            </a:r>
-          </a:p>
-        </p:txBody>
-      </p:sp>
-    </p:spTree>
-  </p:cSld>
-</p:sld>
-</file>
-
-<file path=ppt/slides/slide30.xml><?xml version="1.0" encoding="utf-8"?>
-<p:sld xmlns:a="http://schemas.openxmlformats.org/drawingml/2006/main" xmlns:r="http://schemas.openxmlformats.org/officeDocument/2006/relationships" xmlns:p="http://schemas.openxmlformats.org/presentationml/2006/main">
-  <p:cSld>
-    <p:spTree>
-      <p:nvGrpSpPr>
-        <p:cNvPr id="1" name=""/>
-        <p:cNvGrpSpPr/>
-        <p:nvPr/>
-      </p:nvGrpSpPr>
-      <p:grpSpPr>
-        <a:xfrm>
-          <a:off x="0" y="0"/>
-          <a:ext cx="0" cy="0"/>
-          <a:chOff x="0" y="0"/>
-          <a:chExt cx="0" cy="0"/>
-        </a:xfrm>
-      </p:grpSpPr>
-      <p:sp>
-        <p:nvSpPr>
-          <p:cNvPr id="2" name="Title 1"/>
-          <p:cNvSpPr>
-            <a:spLocks noGrp="1"/>
-          </p:cNvSpPr>
-          <p:nvPr>
-            <p:ph type="title"/>
-          </p:nvPr>
-        </p:nvSpPr>
-        <p:spPr>
-          <a:xfrm>
-            <a:off x="722313" y="3305176"/>
-            <a:ext cx="7772400" cy="1021556"/>
-          </a:xfrm>
-        </p:spPr>
-        <p:txBody>
-          <a:bodyPr/>
-          <a:lstStyle/>
-          <a:p>
-            <a:pPr lvl="0" indent="0" marL="0">
-              <a:buNone/>
-            </a:pPr>
-            <a:r>
-              <a:rPr/>
-              <a:t>Stay Hungry, Stay Foolish</a:t>
-            </a:r>
-          </a:p>
-        </p:txBody>
-      </p:sp>
-    </p:spTree>
-  </p:cSld>
-</p:sld>
-</file>
-
-<file path=ppt/slides/slide31.xml><?xml version="1.0" encoding="utf-8"?>
-<p:sld xmlns:a="http://schemas.openxmlformats.org/drawingml/2006/main" xmlns:r="http://schemas.openxmlformats.org/officeDocument/2006/relationships" xmlns:p="http://schemas.openxmlformats.org/presentationml/2006/main">
-  <p:cSld>
-    <p:spTree>
-      <p:nvGrpSpPr>
-        <p:cNvPr id="1" name=""/>
-        <p:cNvGrpSpPr/>
-        <p:nvPr/>
-      </p:nvGrpSpPr>
-      <p:grpSpPr>
-        <a:xfrm>
-          <a:off x="0" y="0"/>
-          <a:ext cx="0" cy="0"/>
-          <a:chOff x="0" y="0"/>
-          <a:chExt cx="0" cy="0"/>
-        </a:xfrm>
-      </p:grpSpPr>
-      <p:sp>
-        <p:nvSpPr>
-          <p:cNvPr id="3" name="Content Placeholder 2"/>
-          <p:cNvSpPr>
-            <a:spLocks noGrp="1"/>
-          </p:cNvSpPr>
-          <p:nvPr>
-            <p:ph idx="1"/>
-          </p:nvPr>
-        </p:nvSpPr>
-        <p:spPr/>
-        <p:txBody>
-          <a:bodyPr/>
-          <a:lstStyle/>
-          <a:p>
-            <a:pPr lvl="0"/>
-            <a:r>
-              <a:rPr/>
-              <a:t>I </a:t>
-            </a:r>
-            <a:r>
-              <a:rPr i="1"/>
-              <a:t>am a great</a:t>
-            </a:r>
-            <a:r>
-              <a:rPr/>
-              <a:t> TEACHER</a:t>
-            </a:r>
-          </a:p>
-          <a:p>
-            <a:pPr lvl="0"/>
-            <a:r>
-              <a:rPr/>
-              <a:t>BECAUSE…</a:t>
-            </a:r>
-          </a:p>
-        </p:txBody>
-      </p:sp>
-    </p:spTree>
-  </p:cSld>
-  <p:timing>
-    <p:tnLst>
-      <p:par>
-        <p:cTn id="1" dur="indefinite" restart="never" nodeType="tmRoot">
-          <p:childTnLst>
-            <p:seq concurrent="1" nextAc="seek">
-              <p:cTn id="2" dur="indefinite" nodeType="mainSeq">
-                <p:childTnLst>
-                  <p:par>
-                    <p:cTn id="3" fill="hold">
-                      <p:stCondLst>
-                        <p:cond delay="indefinite"/>
-                      </p:stCondLst>
-                      <p:childTnLst>
-                        <p:par>
-                          <p:cTn id="4" fill="hold">
-                            <p:stCondLst>
-                              <p:cond delay="0"/>
-                            </p:stCondLst>
-                            <p:childTnLst>
-                              <p:par>
-                                <p:cTn id="5" presetID="1" presetClass="entr" presetSubtype="0" fill="hold" grpId="0" nodeType="clickEffect">
-                                  <p:stCondLst>
-                                    <p:cond delay="0"/>
-                                  </p:stCondLst>
-                                  <p:childTnLst>
-                                    <p:set>
-                                      <p:cBhvr>
-                                        <p:cTn id="6" dur="1" fill="hold">
-                                          <p:stCondLst>
-                                            <p:cond delay="0"/>
-                                          </p:stCondLst>
-                                        </p:cTn>
-                                        <p:tgtEl>
-                                          <p:spTgt spid="3">
-                                            <p:txEl>
-                                              <p:pRg st="0" end="0"/>
-                                            </p:txEl>
-                                          </p:spTgt>
-                                        </p:tgtEl>
-                                        <p:attrNameLst>
-                                          <p:attrName>style.visibility</p:attrName>
-                                        </p:attrNameLst>
-                                      </p:cBhvr>
-                                      <p:to>
-                                        <p:strVal val="visible"/>
-                                      </p:to>
-                                    </p:set>
-                                  </p:childTnLst>
-                                </p:cTn>
-                              </p:par>
-                            </p:childTnLst>
-                          </p:cTn>
-                        </p:par>
-                      </p:childTnLst>
-                    </p:cTn>
-                  </p:par>
-                  <p:par>
-                    <p:cTn id="7" fill="hold">
-                      <p:stCondLst>
-                        <p:cond delay="indefinite"/>
-                      </p:stCondLst>
-                      <p:childTnLst>
-                        <p:par>
-                          <p:cTn id="8" fill="hold">
-                            <p:stCondLst>
-                              <p:cond delay="0"/>
-                            </p:stCondLst>
-                            <p:childTnLst>
-                              <p:par>
-                                <p:cTn id="9" presetID="1" presetClass="entr" presetSubtype="0" fill="hold" grpId="0" nodeType="clickEffect">
-                                  <p:stCondLst>
-                                    <p:cond delay="0"/>
-                                  </p:stCondLst>
-                                  <p:childTnLst>
-                                    <p:set>
-                                      <p:cBhvr>
-                                        <p:cTn id="10" dur="1" fill="hold">
-                                          <p:stCondLst>
-                                            <p:cond delay="0"/>
-                                          </p:stCondLst>
-                                        </p:cTn>
-                                        <p:tgtEl>
-                                          <p:spTgt spid="3">
-                                            <p:txEl>
-                                              <p:pRg st="1" end="1"/>
-                                            </p:txEl>
-                                          </p:spTgt>
-                                        </p:tgtEl>
-                                        <p:attrNameLst>
-                                          <p:attrName>style.visibility</p:attrName>
-                                        </p:attrNameLst>
-                                      </p:cBhvr>
-                                      <p:to>
-                                        <p:strVal val="visible"/>
-                                      </p:to>
-                                    </p:set>
-                                  </p:childTnLst>
-                                </p:cTn>
-                              </p:par>
-                            </p:childTnLst>
-                          </p:cTn>
-                        </p:par>
-                      </p:childTnLst>
-                    </p:cTn>
-                  </p:par>
-                </p:childTnLst>
-              </p:cTn>
-              <p:prevCondLst>
-                <p:cond evt="onPrev" delay="0">
-                  <p:tgtEl>
-                    <p:sldTgt/>
-                  </p:tgtEl>
-                </p:cond>
-              </p:prevCondLst>
-              <p:nextCondLst>
-                <p:cond evt="onNext" delay="0">
-                  <p:tgtEl>
-                    <p:sldTgt/>
-                  </p:tgtEl>
-                </p:cond>
-              </p:nextCondLst>
-            </p:seq>
-          </p:childTnLst>
-        </p:cTn>
-      </p:par>
-    </p:tnLst>
-    <p:bldLst>
-      <p:bldP spid="3" grpId="0" uiExpand="1" build="p"/>
-    </p:bldLst>
-  </p:timing>
-</p:sld>
-</file>
-
-<file path=ppt/slides/slide32.xml><?xml version="1.0" encoding="utf-8"?>
-<p:sld xmlns:a="http://schemas.openxmlformats.org/drawingml/2006/main" xmlns:r="http://schemas.openxmlformats.org/officeDocument/2006/relationships" xmlns:p="http://schemas.openxmlformats.org/presentationml/2006/main">
-  <p:cSld>
-    <p:spTree>
-      <p:nvGrpSpPr>
-        <p:cNvPr id="1" name=""/>
-        <p:cNvGrpSpPr/>
-        <p:nvPr/>
-      </p:nvGrpSpPr>
-      <p:grpSpPr>
-        <a:xfrm>
-          <a:off x="0" y="0"/>
-          <a:ext cx="0" cy="0"/>
-          <a:chOff x="0" y="0"/>
-          <a:chExt cx="0" cy="0"/>
-        </a:xfrm>
-      </p:grpSpPr>
-      <p:sp>
-        <p:nvSpPr>
-          <p:cNvPr id="2" name="Title 1"/>
-          <p:cNvSpPr>
-            <a:spLocks noGrp="1"/>
-          </p:cNvSpPr>
-          <p:nvPr>
-            <p:ph type="title"/>
-          </p:nvPr>
-        </p:nvSpPr>
-        <p:spPr/>
-        <p:txBody>
-          <a:bodyPr/>
-          <a:lstStyle/>
-          <a:p>
-            <a:pPr lvl="0" indent="0" marL="0">
-              <a:buNone/>
-            </a:pPr>
-            <a:r>
-              <a:rPr/>
-              <a:t>Great teacher</a:t>
-            </a:r>
-          </a:p>
-        </p:txBody>
-      </p:sp>
-      <p:sp>
-        <p:nvSpPr>
-          <p:cNvPr id="3" name="Content Placeholder 2"/>
-          <p:cNvSpPr>
-            <a:spLocks noGrp="1"/>
-          </p:cNvSpPr>
-          <p:nvPr>
-            <p:ph idx="1"/>
-          </p:nvPr>
-        </p:nvSpPr>
-        <p:spPr/>
-        <p:txBody>
-          <a:bodyPr/>
-          <a:lstStyle/>
-          <a:p>
-            <a:pPr lvl="0"/>
-            <a:r>
-              <a:rPr/>
-              <a:t>Celebrate mistakes</a:t>
-            </a:r>
-          </a:p>
-          <a:p>
-            <a:pPr lvl="0"/>
-            <a:r>
-              <a:rPr/>
-              <a:t>Appreciate differences</a:t>
-            </a:r>
-          </a:p>
-          <a:p>
-            <a:pPr lvl="0"/>
-            <a:r>
-              <a:rPr/>
-              <a:t>Relay feedback</a:t>
-            </a:r>
-          </a:p>
-          <a:p>
-            <a:pPr lvl="0"/>
-            <a:r>
-              <a:rPr/>
-              <a:t>Evaluate themselves</a:t>
-            </a:r>
-          </a:p>
-          <a:p>
-            <a:pPr lvl="0" indent="0" marL="1270000">
-              <a:buNone/>
-            </a:pPr>
-            <a:r>
-              <a:rPr sz="2000" b="1"/>
-              <a:t>“I have learned that people will forget what yousaid</a:t>
-            </a:r>
-            <a:r>
-              <a:rPr sz="2000"/>
-              <a:t>, [people will forget what you] </a:t>
-            </a:r>
-            <a:r>
-              <a:rPr sz="2000" b="1"/>
-              <a:t>did</a:t>
-            </a:r>
-            <a:r>
-              <a:rPr sz="2000"/>
-              <a:t>, but people will never forget how you made them </a:t>
-            </a:r>
-            <a:r>
-              <a:rPr sz="2000" b="1"/>
-              <a:t>feel</a:t>
-            </a:r>
-            <a:r>
-              <a:rPr sz="2000"/>
-              <a:t>.” -Maya Angelou</a:t>
-            </a:r>
-          </a:p>
-        </p:txBody>
-      </p:sp>
-    </p:spTree>
-  </p:cSld>
-</p:sld>
-</file>
-
-<file path=ppt/slides/slide33.xml><?xml version="1.0" encoding="utf-8"?>
-<p:sld xmlns:a="http://schemas.openxmlformats.org/drawingml/2006/main" xmlns:r="http://schemas.openxmlformats.org/officeDocument/2006/relationships" xmlns:p="http://schemas.openxmlformats.org/presentationml/2006/main">
-  <p:cSld>
-    <p:spTree>
-      <p:nvGrpSpPr>
-        <p:cNvPr id="1" name=""/>
-        <p:cNvGrpSpPr/>
-        <p:nvPr/>
-      </p:nvGrpSpPr>
-      <p:grpSpPr>
-        <a:xfrm>
-          <a:off x="0" y="0"/>
-          <a:ext cx="0" cy="0"/>
-          <a:chOff x="0" y="0"/>
-          <a:chExt cx="0" cy="0"/>
-        </a:xfrm>
-      </p:grpSpPr>
-      <p:sp>
-        <p:nvSpPr>
-          <p:cNvPr id="2" name="Title 1"/>
-          <p:cNvSpPr>
-            <a:spLocks noGrp="1"/>
-          </p:cNvSpPr>
-          <p:nvPr>
-            <p:ph type="title"/>
-          </p:nvPr>
-        </p:nvSpPr>
-        <p:spPr/>
-        <p:txBody>
-          <a:bodyPr/>
-          <a:lstStyle/>
-          <a:p>
-            <a:pPr lvl="0" indent="0" marL="0">
-              <a:buNone/>
-            </a:pPr>
-            <a:r>
-              <a:rPr/>
-              <a:t>Notes</a:t>
-            </a:r>
-          </a:p>
-        </p:txBody>
-      </p:sp>
-      <p:sp>
-        <p:nvSpPr>
-          <p:cNvPr id="3" name="Content Placeholder 2"/>
-          <p:cNvSpPr>
-            <a:spLocks noGrp="1"/>
-          </p:cNvSpPr>
-          <p:nvPr>
-            <p:ph idx="1"/>
-          </p:nvPr>
-        </p:nvSpPr>
-        <p:spPr/>
-        <p:txBody>
-          <a:bodyPr/>
-          <a:lstStyle/>
-          <a:p>
-            <a:pPr lvl="0" indent="0" marL="0">
-              <a:buNone/>
-            </a:pPr>
-            <a:r>
-              <a:rPr sz="1800"/>
-              <a:t>1. Peter Senge: The Fifth Discipline</a:t>
-            </a:r>
-          </a:p>
-        </p:txBody>
-      </p:sp>
-    </p:spTree>
-  </p:cSld>
-</p:sld>
-</file>
-
-<file path=ppt/slides/slide4.xml><?xml version="1.0" encoding="utf-8"?>
-<p:sld xmlns:a="http://schemas.openxmlformats.org/drawingml/2006/main" xmlns:r="http://schemas.openxmlformats.org/officeDocument/2006/relationships" xmlns:p="http://schemas.openxmlformats.org/presentationml/2006/main">
-  <p:cSld>
-    <p:spTree>
-      <p:nvGrpSpPr>
-        <p:cNvPr id="1" name=""/>
-        <p:cNvGrpSpPr/>
-        <p:nvPr/>
-      </p:nvGrpSpPr>
-      <p:grpSpPr>
-        <a:xfrm>
-          <a:off x="0" y="0"/>
-          <a:ext cx="0" cy="0"/>
-          <a:chOff x="0" y="0"/>
-          <a:chExt cx="0" cy="0"/>
-        </a:xfrm>
-      </p:grpSpPr>
-      <p:sp>
-        <p:nvSpPr>
-          <p:cNvPr id="2" name="Title 1"/>
-          <p:cNvSpPr>
-            <a:spLocks noGrp="1"/>
-          </p:cNvSpPr>
-          <p:nvPr>
-            <p:ph type="title"/>
-          </p:nvPr>
-        </p:nvSpPr>
-        <p:spPr>
-          <a:xfrm>
-            <a:off x="722313" y="3305176"/>
-            <a:ext cx="7772400" cy="1021556"/>
-          </a:xfrm>
-        </p:spPr>
-        <p:txBody>
-          <a:bodyPr/>
-          <a:lstStyle/>
-          <a:p>
-            <a:pPr lvl="0" indent="0" marL="0">
-              <a:buNone/>
-            </a:pPr>
-            <a:r>
-              <a:rPr>
-                <a:hlinkClick r:id="rId2"/>
-              </a:rPr>
-              <a:t>How to Give a Killer Presentation HBR</a:t>
-            </a:r>
-          </a:p>
-        </p:txBody>
-      </p:sp>
-    </p:spTree>
-  </p:cSld>
-</p:sld>
-</file>
-
-<file path=ppt/slides/slide5.xml><?xml version="1.0" encoding="utf-8"?>
-<p:sld xmlns:a="http://schemas.openxmlformats.org/drawingml/2006/main" xmlns:r="http://schemas.openxmlformats.org/officeDocument/2006/relationships" xmlns:p="http://schemas.openxmlformats.org/presentationml/2006/main">
-  <p:cSld>
-    <p:bg>
-      <p:bgPr>
-        <a:blipFill dpi="0" rotWithShape="1">
-          <a:blip r:embed="rId2">
-            <a:lum/>
-          </a:blip>
-          <a:srcRect/>
-          <a:stretch>
-            <a:fillRect/>
-          </a:stretch>
-        </a:blipFill>
-        <a:effectsLst/>
-      </p:bgPr>
-    </p:bg>
-    <p:spTree>
-      <p:nvGrpSpPr>
-        <p:cNvPr id="1" name=""/>
-        <p:cNvGrpSpPr/>
-        <p:nvPr/>
-      </p:nvGrpSpPr>
-      <p:grpSpPr>
-        <a:xfrm>
-          <a:off x="0" y="0"/>
-          <a:ext cx="0" cy="0"/>
-          <a:chOff x="0" y="0"/>
-          <a:chExt cx="0" cy="0"/>
-        </a:xfrm>
-      </p:grpSpPr>
-    </p:spTree>
-  </p:cSld>
-</p:sld>
-</file>
-
-<file path=ppt/slides/slide6.xml><?xml version="1.0" encoding="utf-8"?>
-<p:sld xmlns:a="http://schemas.openxmlformats.org/drawingml/2006/main" xmlns:r="http://schemas.openxmlformats.org/officeDocument/2006/relationships" xmlns:p="http://schemas.openxmlformats.org/presentationml/2006/main">
-  <p:cSld>
-    <p:bg>
-      <p:bgPr>
-        <a:blipFill dpi="0" rotWithShape="1">
-          <a:blip r:embed="rId2">
-            <a:lum/>
-          </a:blip>
-          <a:srcRect/>
-          <a:stretch>
-            <a:fillRect/>
-          </a:stretch>
-        </a:blipFill>
-        <a:effectsLst/>
-      </p:bgPr>
-    </p:bg>
-    <p:spTree>
-      <p:nvGrpSpPr>
-        <p:cNvPr id="1" name=""/>
-        <p:cNvGrpSpPr/>
-        <p:nvPr/>
-      </p:nvGrpSpPr>
-      <p:grpSpPr>
-        <a:xfrm>
-          <a:off x="0" y="0"/>
-          <a:ext cx="0" cy="0"/>
-          <a:chOff x="0" y="0"/>
-          <a:chExt cx="0" cy="0"/>
-        </a:xfrm>
-      </p:grpSpPr>
-    </p:spTree>
-  </p:cSld>
-</p:sld>
-</file>
-
-<file path=ppt/slides/slide7.xml><?xml version="1.0" encoding="utf-8"?>
-<p:sld xmlns:a="http://schemas.openxmlformats.org/drawingml/2006/main" xmlns:r="http://schemas.openxmlformats.org/officeDocument/2006/relationships" xmlns:p="http://schemas.openxmlformats.org/presentationml/2006/main">
-  <p:cSld>
-    <p:spTree>
-      <p:nvGrpSpPr>
-        <p:cNvPr id="1" name=""/>
-        <p:cNvGrpSpPr/>
-        <p:nvPr/>
-      </p:nvGrpSpPr>
-      <p:grpSpPr>
-        <a:xfrm>
-          <a:off x="0" y="0"/>
-          <a:ext cx="0" cy="0"/>
-          <a:chOff x="0" y="0"/>
-          <a:chExt cx="0" cy="0"/>
-        </a:xfrm>
-      </p:grpSpPr>
-      <p:sp>
-        <p:nvSpPr>
-          <p:cNvPr id="2" name="Title 1"/>
-          <p:cNvSpPr>
-            <a:spLocks noGrp="1"/>
-          </p:cNvSpPr>
-          <p:nvPr>
-            <p:ph type="title"/>
-          </p:nvPr>
-        </p:nvSpPr>
-        <p:spPr/>
-        <p:txBody>
-          <a:bodyPr/>
-          <a:lstStyle/>
-          <a:p>
-            <a:pPr lvl="0" indent="0" marL="0">
-              <a:buNone/>
-            </a:pPr>
-            <a:r>
-              <a:rPr/>
-              <a:t>Why do we teach?</a:t>
-            </a:r>
-          </a:p>
-        </p:txBody>
-      </p:sp>
-      <p:sp>
-        <p:nvSpPr>
-          <p:cNvPr id="3" name="Content Placeholder 2"/>
-          <p:cNvSpPr>
-            <a:spLocks noGrp="1"/>
-          </p:cNvSpPr>
-          <p:nvPr>
-            <p:ph idx="1"/>
-          </p:nvPr>
-        </p:nvSpPr>
-        <p:spPr/>
-        <p:txBody>
-          <a:bodyPr/>
-          <a:lstStyle/>
-          <a:p>
-            <a:pPr lvl="0"/>
-            <a:r>
-              <a:rPr b="1"/>
-              <a:t>What is your mission of teaching?</a:t>
-            </a:r>
-          </a:p>
-          <a:p>
-            <a:pPr lvl="0"/>
-            <a:r>
-              <a:rPr b="1"/>
-              <a:t>What is happening when we teach?</a:t>
-            </a:r>
-          </a:p>
-          <a:p>
-            <a:pPr lvl="0"/>
-            <a:r>
-              <a:rPr b="1"/>
-              <a:t>What is teaching?</a:t>
-            </a:r>
-          </a:p>
-        </p:txBody>
-      </p:sp>
-    </p:spTree>
-  </p:cSld>
-  <p:timing>
-    <p:tnLst>
-      <p:par>
-        <p:cTn id="1" dur="indefinite" restart="never" nodeType="tmRoot">
-          <p:childTnLst>
-            <p:seq concurrent="1" nextAc="seek">
-              <p:cTn id="2" dur="indefinite" nodeType="mainSeq">
-                <p:childTnLst>
-                  <p:par>
-                    <p:cTn id="3" fill="hold">
-                      <p:stCondLst>
-                        <p:cond delay="indefinite"/>
-                      </p:stCondLst>
-                      <p:childTnLst>
-                        <p:par>
-                          <p:cTn id="4" fill="hold">
-                            <p:stCondLst>
-                              <p:cond delay="0"/>
-                            </p:stCondLst>
-                            <p:childTnLst>
-                              <p:par>
-                                <p:cTn id="5" presetID="1" presetClass="entr" presetSubtype="0" fill="hold" grpId="0" nodeType="clickEffect">
-                                  <p:stCondLst>
-                                    <p:cond delay="0"/>
-                                  </p:stCondLst>
-                                  <p:childTnLst>
-                                    <p:set>
-                                      <p:cBhvr>
-                                        <p:cTn id="6" dur="1" fill="hold">
-                                          <p:stCondLst>
-                                            <p:cond delay="0"/>
-                                          </p:stCondLst>
-                                        </p:cTn>
-                                        <p:tgtEl>
-                                          <p:spTgt spid="3">
-                                            <p:txEl>
-                                              <p:pRg st="0" end="0"/>
-                                            </p:txEl>
-                                          </p:spTgt>
-                                        </p:tgtEl>
-                                        <p:attrNameLst>
-                                          <p:attrName>style.visibility</p:attrName>
-                                        </p:attrNameLst>
-                                      </p:cBhvr>
-                                      <p:to>
-                                        <p:strVal val="visible"/>
-                                      </p:to>
-                                    </p:set>
-                                  </p:childTnLst>
-                                </p:cTn>
-                              </p:par>
-                            </p:childTnLst>
-                          </p:cTn>
-                        </p:par>
-                      </p:childTnLst>
-                    </p:cTn>
-                  </p:par>
-                  <p:par>
-                    <p:cTn id="7" fill="hold">
-                      <p:stCondLst>
-                        <p:cond delay="indefinite"/>
-                      </p:stCondLst>
-                      <p:childTnLst>
-                        <p:par>
-                          <p:cTn id="8" fill="hold">
-                            <p:stCondLst>
-                              <p:cond delay="0"/>
-                            </p:stCondLst>
-                            <p:childTnLst>
-                              <p:par>
-                                <p:cTn id="9" presetID="1" presetClass="entr" presetSubtype="0" fill="hold" grpId="0" nodeType="clickEffect">
-                                  <p:stCondLst>
-                                    <p:cond delay="0"/>
-                                  </p:stCondLst>
-                                  <p:childTnLst>
-                                    <p:set>
-                                      <p:cBhvr>
-                                        <p:cTn id="10" dur="1" fill="hold">
-                                          <p:stCondLst>
-                                            <p:cond delay="0"/>
-                                          </p:stCondLst>
-                                        </p:cTn>
-                                        <p:tgtEl>
-                                          <p:spTgt spid="3">
-                                            <p:txEl>
-                                              <p:pRg st="1" end="1"/>
-                                            </p:txEl>
-                                          </p:spTgt>
-                                        </p:tgtEl>
-                                        <p:attrNameLst>
-                                          <p:attrName>style.visibility</p:attrName>
-                                        </p:attrNameLst>
-                                      </p:cBhvr>
-                                      <p:to>
-                                        <p:strVal val="visible"/>
-                                      </p:to>
-                                    </p:set>
-                                  </p:childTnLst>
-                                </p:cTn>
-                              </p:par>
-                            </p:childTnLst>
-                          </p:cTn>
-                        </p:par>
-                      </p:childTnLst>
-                    </p:cTn>
-                  </p:par>
-                  <p:par>
-                    <p:cTn id="11" fill="hold">
-                      <p:stCondLst>
-                        <p:cond delay="indefinite"/>
-                      </p:stCondLst>
-                      <p:childTnLst>
-                        <p:par>
-                          <p:cTn id="12" fill="hold">
-                            <p:stCondLst>
-                              <p:cond delay="0"/>
-                            </p:stCondLst>
-                            <p:childTnLst>
-                              <p:par>
-                                <p:cTn id="13" presetID="1" presetClass="entr" presetSubtype="0" fill="hold" grpId="0" nodeType="clickEffect">
-                                  <p:stCondLst>
-                                    <p:cond delay="0"/>
-                                  </p:stCondLst>
-                                  <p:childTnLst>
-                                    <p:set>
-                                      <p:cBhvr>
-                                        <p:cTn id="14" dur="1" fill="hold">
-                                          <p:stCondLst>
-                                            <p:cond delay="0"/>
-                                          </p:stCondLst>
-                                        </p:cTn>
-                                        <p:tgtEl>
-                                          <p:spTgt spid="3">
-                                            <p:txEl>
-                                              <p:pRg st="2" end="2"/>
-                                            </p:txEl>
-                                          </p:spTgt>
-                                        </p:tgtEl>
-                                        <p:attrNameLst>
-                                          <p:attrName>style.visibility</p:attrName>
-                                        </p:attrNameLst>
-                                      </p:cBhvr>
-                                      <p:to>
-                                        <p:strVal val="visible"/>
-                                      </p:to>
-                                    </p:set>
-                                  </p:childTnLst>
-                                </p:cTn>
-                              </p:par>
-                            </p:childTnLst>
-                          </p:cTn>
-                        </p:par>
-                      </p:childTnLst>
-                    </p:cTn>
-                  </p:par>
-                </p:childTnLst>
-              </p:cTn>
-              <p:prevCondLst>
-                <p:cond evt="onPrev" delay="0">
-                  <p:tgtEl>
-                    <p:sldTgt/>
-                  </p:tgtEl>
-                </p:cond>
-              </p:prevCondLst>
-              <p:nextCondLst>
-                <p:cond evt="onNext" delay="0">
-                  <p:tgtEl>
-                    <p:sldTgt/>
-                  </p:tgtEl>
-                </p:cond>
-              </p:nextCondLst>
-            </p:seq>
-          </p:childTnLst>
-        </p:cTn>
-      </p:par>
-    </p:tnLst>
-    <p:bldLst>
-      <p:bldP spid="3" grpId="0" uiExpand="1" build="p"/>
-    </p:bldLst>
-  </p:timing>
-</p:sld>
-</file>
-
-<file path=ppt/slides/slide8.xml><?xml version="1.0" encoding="utf-8"?>
-<p:sld xmlns:a="http://schemas.openxmlformats.org/drawingml/2006/main" xmlns:r="http://schemas.openxmlformats.org/officeDocument/2006/relationships" xmlns:p="http://schemas.openxmlformats.org/presentationml/2006/main">
-  <p:cSld>
-    <p:spTree>
-      <p:nvGrpSpPr>
-        <p:cNvPr id="1" name=""/>
-        <p:cNvGrpSpPr/>
-        <p:nvPr/>
-      </p:nvGrpSpPr>
-      <p:grpSpPr>
-        <a:xfrm>
-          <a:off x="0" y="0"/>
-          <a:ext cx="0" cy="0"/>
-          <a:chOff x="0" y="0"/>
-          <a:chExt cx="0" cy="0"/>
-        </a:xfrm>
-      </p:grpSpPr>
-      <p:sp>
-        <p:nvSpPr>
-          <p:cNvPr id="2" name="Title 1"/>
-          <p:cNvSpPr>
-            <a:spLocks noGrp="1"/>
-          </p:cNvSpPr>
-          <p:nvPr>
-            <p:ph type="title"/>
-          </p:nvPr>
-        </p:nvSpPr>
-        <p:spPr/>
-        <p:txBody>
-          <a:bodyPr/>
-          <a:lstStyle/>
-          <a:p>
-            <a:pPr lvl="0" indent="0" marL="0">
-              <a:buNone/>
-            </a:pPr>
-            <a:r>
-              <a:rPr/>
-              <a:t>Contents:</a:t>
-            </a:r>
-          </a:p>
-        </p:txBody>
-      </p:sp>
-      <p:sp>
-        <p:nvSpPr>
-          <p:cNvPr id="3" name="Content Placeholder 2"/>
-          <p:cNvSpPr>
-            <a:spLocks noGrp="1"/>
-          </p:cNvSpPr>
-          <p:nvPr>
-            <p:ph idx="1"/>
-          </p:nvPr>
-        </p:nvSpPr>
-        <p:spPr/>
-        <p:txBody>
-          <a:bodyPr/>
-          <a:lstStyle/>
-          <a:p>
-            <a:pPr lvl="0" indent="-342900" marL="342900">
-              <a:buAutoNum type="arabicPeriod"/>
-            </a:pPr>
-            <a:r>
-              <a:rPr b="1"/>
-              <a:t>Requirements of a good teacher</a:t>
-            </a:r>
-          </a:p>
-          <a:p>
-            <a:pPr lvl="0" indent="-342900" marL="342900">
-              <a:buAutoNum type="arabicPeriod"/>
-            </a:pPr>
-            <a:r>
-              <a:rPr b="1"/>
-              <a:t>Types of Teacher</a:t>
-            </a:r>
-          </a:p>
-          <a:p>
-            <a:pPr lvl="0" indent="-342900" marL="342900">
-              <a:buAutoNum type="arabicPeriod"/>
-            </a:pPr>
-            <a:r>
-              <a:rPr b="1"/>
-              <a:t>Lecturing</a:t>
-            </a:r>
-          </a:p>
-          <a:p>
-            <a:pPr lvl="0" indent="-342900" marL="342900">
-              <a:buAutoNum type="arabicPeriod"/>
-            </a:pPr>
-            <a:r>
-              <a:rPr b="1"/>
-              <a:t>Requirements of Successful Lecturing</a:t>
-            </a:r>
-          </a:p>
-          <a:p>
-            <a:pPr lvl="0" indent="-342900" marL="342900">
-              <a:buAutoNum type="arabicPeriod"/>
-            </a:pPr>
-            <a:r>
-              <a:rPr b="1"/>
-              <a:t>Oral presentation Material and Methods</a:t>
-            </a:r>
-          </a:p>
-          <a:p>
-            <a:pPr lvl="0" indent="-342900" marL="342900">
-              <a:buAutoNum type="arabicPeriod"/>
-            </a:pPr>
-            <a:r>
-              <a:rPr b="1"/>
-              <a:t>Requirements of Ideal effective lecturing</a:t>
-            </a:r>
-          </a:p>
-          <a:p>
-            <a:pPr lvl="0" indent="-342900" marL="342900">
-              <a:buAutoNum type="arabicPeriod"/>
-            </a:pPr>
-            <a:r>
-              <a:rPr b="1"/>
-              <a:t>Characteristics of Good Instructions.</a:t>
-            </a:r>
-          </a:p>
-        </p:txBody>
-      </p:sp>
-    </p:spTree>
-  </p:cSld>
-  <p:timing>
-    <p:tnLst>
-      <p:par>
-        <p:cTn id="1" dur="indefinite" restart="never" nodeType="tmRoot">
-          <p:childTnLst>
-            <p:seq concurrent="1" nextAc="seek">
-              <p:cTn id="2" dur="indefinite" nodeType="mainSeq">
-                <p:childTnLst>
-                  <p:par>
-                    <p:cTn id="3" fill="hold">
-                      <p:stCondLst>
-                        <p:cond delay="indefinite"/>
-                      </p:stCondLst>
-                      <p:childTnLst>
-                        <p:par>
-                          <p:cTn id="4" fill="hold">
-                            <p:stCondLst>
-                              <p:cond delay="0"/>
-                            </p:stCondLst>
-                            <p:childTnLst>
-                              <p:par>
-                                <p:cTn id="5" presetID="1" presetClass="entr" presetSubtype="0" fill="hold" grpId="0" nodeType="clickEffect">
-                                  <p:stCondLst>
-                                    <p:cond delay="0"/>
-                                  </p:stCondLst>
-                                  <p:childTnLst>
-                                    <p:set>
-                                      <p:cBhvr>
-                                        <p:cTn id="6" dur="1" fill="hold">
-                                          <p:stCondLst>
-                                            <p:cond delay="0"/>
-                                          </p:stCondLst>
-                                        </p:cTn>
-                                        <p:tgtEl>
-                                          <p:spTgt spid="3">
-                                            <p:txEl>
-                                              <p:pRg st="0" end="0"/>
-                                            </p:txEl>
-                                          </p:spTgt>
-                                        </p:tgtEl>
-                                        <p:attrNameLst>
-                                          <p:attrName>style.visibility</p:attrName>
-                                        </p:attrNameLst>
-                                      </p:cBhvr>
-                                      <p:to>
-                                        <p:strVal val="visible"/>
-                                      </p:to>
-                                    </p:set>
-                                  </p:childTnLst>
-                                </p:cTn>
-                              </p:par>
-                            </p:childTnLst>
-                          </p:cTn>
-                        </p:par>
-                      </p:childTnLst>
-                    </p:cTn>
-                  </p:par>
-                  <p:par>
-                    <p:cTn id="7" fill="hold">
-                      <p:stCondLst>
-                        <p:cond delay="indefinite"/>
-                      </p:stCondLst>
-                      <p:childTnLst>
-                        <p:par>
-                          <p:cTn id="8" fill="hold">
-                            <p:stCondLst>
-                              <p:cond delay="0"/>
-                            </p:stCondLst>
-                            <p:childTnLst>
-                              <p:par>
-                                <p:cTn id="9" presetID="1" presetClass="entr" presetSubtype="0" fill="hold" grpId="0" nodeType="clickEffect">
-                                  <p:stCondLst>
-                                    <p:cond delay="0"/>
-                                  </p:stCondLst>
-                                  <p:childTnLst>
-                                    <p:set>
-                                      <p:cBhvr>
-                                        <p:cTn id="10" dur="1" fill="hold">
-                                          <p:stCondLst>
-                                            <p:cond delay="0"/>
-                                          </p:stCondLst>
-                                        </p:cTn>
-                                        <p:tgtEl>
-                                          <p:spTgt spid="3">
-                                            <p:txEl>
-                                              <p:pRg st="1" end="1"/>
-                                            </p:txEl>
-                                          </p:spTgt>
-                                        </p:tgtEl>
-                                        <p:attrNameLst>
-                                          <p:attrName>style.visibility</p:attrName>
-                                        </p:attrNameLst>
-                                      </p:cBhvr>
-                                      <p:to>
-                                        <p:strVal val="visible"/>
-                                      </p:to>
-                                    </p:set>
-                                  </p:childTnLst>
-                                </p:cTn>
-                              </p:par>
-                            </p:childTnLst>
-                          </p:cTn>
-                        </p:par>
-                      </p:childTnLst>
-                    </p:cTn>
-                  </p:par>
-                  <p:par>
-                    <p:cTn id="11" fill="hold">
-                      <p:stCondLst>
-                        <p:cond delay="indefinite"/>
-                      </p:stCondLst>
-                      <p:childTnLst>
-                        <p:par>
-                          <p:cTn id="12" fill="hold">
-                            <p:stCondLst>
-                              <p:cond delay="0"/>
-                            </p:stCondLst>
-                            <p:childTnLst>
-                              <p:par>
-                                <p:cTn id="13" presetID="1" presetClass="entr" presetSubtype="0" fill="hold" grpId="0" nodeType="clickEffect">
-                                  <p:stCondLst>
-                                    <p:cond delay="0"/>
-                                  </p:stCondLst>
-                                  <p:childTnLst>
-                                    <p:set>
-                                      <p:cBhvr>
-                                        <p:cTn id="14" dur="1" fill="hold">
-                                          <p:stCondLst>
-                                            <p:cond delay="0"/>
-                                          </p:stCondLst>
-                                        </p:cTn>
-                                        <p:tgtEl>
-                                          <p:spTgt spid="3">
-                                            <p:txEl>
-                                              <p:pRg st="2" end="2"/>
-                                            </p:txEl>
-                                          </p:spTgt>
-                                        </p:tgtEl>
-                                        <p:attrNameLst>
-                                          <p:attrName>style.visibility</p:attrName>
-                                        </p:attrNameLst>
-                                      </p:cBhvr>
-                                      <p:to>
-                                        <p:strVal val="visible"/>
-                                      </p:to>
-                                    </p:set>
-                                  </p:childTnLst>
-                                </p:cTn>
-                              </p:par>
-                            </p:childTnLst>
-                          </p:cTn>
-                        </p:par>
-                      </p:childTnLst>
-                    </p:cTn>
-                  </p:par>
-                  <p:par>
-                    <p:cTn id="15" fill="hold">
-                      <p:stCondLst>
-                        <p:cond delay="indefinite"/>
-                      </p:stCondLst>
-                      <p:childTnLst>
-                        <p:par>
-                          <p:cTn id="16" fill="hold">
-                            <p:stCondLst>
-                              <p:cond delay="0"/>
-                            </p:stCondLst>
-                            <p:childTnLst>
-                              <p:par>
-                                <p:cTn id="17" presetID="1" presetClass="entr" presetSubtype="0" fill="hold" grpId="0" nodeType="clickEffect">
-                                  <p:stCondLst>
-                                    <p:cond delay="0"/>
-                                  </p:stCondLst>
-                                  <p:childTnLst>
-                                    <p:set>
-                                      <p:cBhvr>
-                                        <p:cTn id="18" dur="1" fill="hold">
-                                          <p:stCondLst>
-                                            <p:cond delay="0"/>
-                                          </p:stCondLst>
-                                        </p:cTn>
-                                        <p:tgtEl>
-                                          <p:spTgt spid="3">
-                                            <p:txEl>
-                                              <p:pRg st="3" end="3"/>
-                                            </p:txEl>
-                                          </p:spTgt>
-                                        </p:tgtEl>
-                                        <p:attrNameLst>
-                                          <p:attrName>style.visibility</p:attrName>
-                                        </p:attrNameLst>
-                                      </p:cBhvr>
-                                      <p:to>
-                                        <p:strVal val="visible"/>
-                                      </p:to>
-                                    </p:set>
-                                  </p:childTnLst>
-                                </p:cTn>
-                              </p:par>
-                            </p:childTnLst>
-                          </p:cTn>
-                        </p:par>
-                      </p:childTnLst>
-                    </p:cTn>
-                  </p:par>
-                  <p:par>
-                    <p:cTn id="19" fill="hold">
-                      <p:stCondLst>
-                        <p:cond delay="indefinite"/>
-                      </p:stCondLst>
-                      <p:childTnLst>
-                        <p:par>
-                          <p:cTn id="20" fill="hold">
-                            <p:stCondLst>
-                              <p:cond delay="0"/>
-                            </p:stCondLst>
-                            <p:childTnLst>
-                              <p:par>
-                                <p:cTn id="21" presetID="1" presetClass="entr" presetSubtype="0" fill="hold" grpId="0" nodeType="clickEffect">
-                                  <p:stCondLst>
-                                    <p:cond delay="0"/>
-                                  </p:stCondLst>
-                                  <p:childTnLst>
-                                    <p:set>
-                                      <p:cBhvr>
-                                        <p:cTn id="22" dur="1" fill="hold">
-                                          <p:stCondLst>
-                                            <p:cond delay="0"/>
-                                          </p:stCondLst>
-                                        </p:cTn>
-                                        <p:tgtEl>
-                                          <p:spTgt spid="3">
-                                            <p:txEl>
-                                              <p:pRg st="4" end="4"/>
-                                            </p:txEl>
-                                          </p:spTgt>
-                                        </p:tgtEl>
-                                        <p:attrNameLst>
-                                          <p:attrName>style.visibility</p:attrName>
-                                        </p:attrNameLst>
-                                      </p:cBhvr>
-                                      <p:to>
-                                        <p:strVal val="visible"/>
-                                      </p:to>
-                                    </p:set>
-                                  </p:childTnLst>
-                                </p:cTn>
-                              </p:par>
-                            </p:childTnLst>
-                          </p:cTn>
-                        </p:par>
-                      </p:childTnLst>
-                    </p:cTn>
-                  </p:par>
-                  <p:par>
-                    <p:cTn id="23" fill="hold">
-                      <p:stCondLst>
-                        <p:cond delay="indefinite"/>
-                      </p:stCondLst>
-                      <p:childTnLst>
-                        <p:par>
-                          <p:cTn id="24" fill="hold">
-                            <p:stCondLst>
-                              <p:cond delay="0"/>
-                            </p:stCondLst>
-                            <p:childTnLst>
-                              <p:par>
-                                <p:cTn id="25" presetID="1" presetClass="entr" presetSubtype="0" fill="hold" grpId="0" nodeType="clickEffect">
-                                  <p:stCondLst>
-                                    <p:cond delay="0"/>
-                                  </p:stCondLst>
-                                  <p:childTnLst>
-                                    <p:set>
-                                      <p:cBhvr>
-                                        <p:cTn id="26" dur="1" fill="hold">
-                                          <p:stCondLst>
-                                            <p:cond delay="0"/>
-                                          </p:stCondLst>
-                                        </p:cTn>
-                                        <p:tgtEl>
-                                          <p:spTgt spid="3">
-                                            <p:txEl>
-                                              <p:pRg st="5" end="5"/>
-                                            </p:txEl>
-                                          </p:spTgt>
-                                        </p:tgtEl>
-                                        <p:attrNameLst>
-                                          <p:attrName>style.visibility</p:attrName>
-                                        </p:attrNameLst>
-                                      </p:cBhvr>
-                                      <p:to>
-                                        <p:strVal val="visible"/>
-                                      </p:to>
-                                    </p:set>
-                                  </p:childTnLst>
-                                </p:cTn>
-                              </p:par>
-                            </p:childTnLst>
-                          </p:cTn>
-                        </p:par>
-                      </p:childTnLst>
-                    </p:cTn>
-                  </p:par>
-                  <p:par>
-                    <p:cTn id="27" fill="hold">
-                      <p:stCondLst>
-                        <p:cond delay="indefinite"/>
-                      </p:stCondLst>
-                      <p:childTnLst>
-                        <p:par>
-                          <p:cTn id="28" fill="hold">
-                            <p:stCondLst>
-                              <p:cond delay="0"/>
-                            </p:stCondLst>
-                            <p:childTnLst>
-                              <p:par>
-                                <p:cTn id="29" presetID="1" presetClass="entr" presetSubtype="0" fill="hold" grpId="0" nodeType="clickEffect">
-                                  <p:stCondLst>
-                                    <p:cond delay="0"/>
-                                  </p:stCondLst>
-                                  <p:childTnLst>
-                                    <p:set>
-                                      <p:cBhvr>
-                                        <p:cTn id="30" dur="1" fill="hold">
-                                          <p:stCondLst>
-                                            <p:cond delay="0"/>
-                                          </p:stCondLst>
-                                        </p:cTn>
-                                        <p:tgtEl>
-                                          <p:spTgt spid="3">
-                                            <p:txEl>
-                                              <p:pRg st="6" end="6"/>
-                                            </p:txEl>
-                                          </p:spTgt>
-                                        </p:tgtEl>
-                                        <p:attrNameLst>
-                                          <p:attrName>style.visibility</p:attrName>
-                                        </p:attrNameLst>
-                                      </p:cBhvr>
-                                      <p:to>
-                                        <p:strVal val="visible"/>
-                                      </p:to>
-                                    </p:set>
-                                  </p:childTnLst>
-                                </p:cTn>
-                              </p:par>
-                            </p:childTnLst>
-                          </p:cTn>
-                        </p:par>
-                      </p:childTnLst>
-                    </p:cTn>
-                  </p:par>
-                </p:childTnLst>
-              </p:cTn>
-              <p:prevCondLst>
-                <p:cond evt="onPrev" delay="0">
-                  <p:tgtEl>
-                    <p:sldTgt/>
-                  </p:tgtEl>
-                </p:cond>
-              </p:prevCondLst>
-              <p:nextCondLst>
-                <p:cond evt="onNext" delay="0">
-                  <p:tgtEl>
-                    <p:sldTgt/>
-                  </p:tgtEl>
-                </p:cond>
-              </p:nextCondLst>
-            </p:seq>
-          </p:childTnLst>
-        </p:cTn>
-      </p:par>
-    </p:tnLst>
-    <p:bldLst>
-      <p:bldP spid="3" grpId="0" uiExpand="1" build="p"/>
-    </p:bldLst>
-  </p:timing>
-</p:sld>
-</file>
-
-<file path=ppt/slides/slide9.xml><?xml version="1.0" encoding="utf-8"?>
-<p:sld xmlns:a="http://schemas.openxmlformats.org/drawingml/2006/main" xmlns:r="http://schemas.openxmlformats.org/officeDocument/2006/relationships" xmlns:p="http://schemas.openxmlformats.org/presentationml/2006/main">
-  <p:cSld>
-    <p:spTree>
-      <p:nvGrpSpPr>
-        <p:cNvPr id="1" name=""/>
-        <p:cNvGrpSpPr/>
-        <p:nvPr/>
-      </p:nvGrpSpPr>
-      <p:grpSpPr>
-        <a:xfrm>
-          <a:off x="0" y="0"/>
-          <a:ext cx="0" cy="0"/>
-          <a:chOff x="0" y="0"/>
-          <a:chExt cx="0" cy="0"/>
-        </a:xfrm>
-      </p:grpSpPr>
-      <p:sp>
-        <p:nvSpPr>
-          <p:cNvPr id="3" name="Content Placeholder 2"/>
-          <p:cNvSpPr>
-            <a:spLocks noGrp="1"/>
-          </p:cNvSpPr>
-          <p:nvPr>
-            <p:ph idx="1"/>
-          </p:nvPr>
-        </p:nvSpPr>
-        <p:spPr/>
-        <p:txBody>
-          <a:bodyPr/>
-          <a:lstStyle/>
-          <a:p>
-            <a:pPr lvl="0" indent="-342900" marL="342900">
-              <a:buAutoNum startAt="8" type="arabicPeriod"/>
-            </a:pPr>
-            <a:r>
-              <a:rPr b="1"/>
-              <a:t>Structure of the lecture</a:t>
-            </a:r>
-          </a:p>
-          <a:p>
-            <a:pPr lvl="0" indent="-342900" marL="342900">
-              <a:buAutoNum startAt="8" type="arabicPeriod"/>
-            </a:pPr>
-            <a:r>
-              <a:rPr b="1"/>
-              <a:t>Summary of the requirements for an ideal and effective lecture</a:t>
-            </a:r>
-          </a:p>
-          <a:p>
-            <a:pPr lvl="0" indent="-342900" marL="342900">
-              <a:buAutoNum startAt="8" type="arabicPeriod"/>
-            </a:pPr>
-            <a:r>
-              <a:rPr b="1"/>
-              <a:t>Closure</a:t>
-            </a:r>
-          </a:p>
-          <a:p>
-            <a:pPr lvl="0" indent="-342900" marL="342900">
-              <a:buAutoNum startAt="8" type="arabicPeriod"/>
-            </a:pPr>
-            <a:r>
-              <a:rPr b="1"/>
-              <a:t>Summary</a:t>
-            </a:r>
-          </a:p>
-          <a:p>
-            <a:pPr lvl="0" indent="-342900" marL="342900">
-              <a:buAutoNum startAt="8" type="arabicPeriod"/>
-            </a:pPr>
-            <a:r>
-              <a:rPr b="1"/>
-              <a:t>Conclusion</a:t>
-            </a:r>
-          </a:p>
-        </p:txBody>
-      </p:sp>
-    </p:spTree>
-  </p:cSld>
-  <p:timing>
-    <p:tnLst>
-      <p:par>
-        <p:cTn id="1" dur="indefinite" restart="never" nodeType="tmRoot">
-          <p:childTnLst>
-            <p:seq concurrent="1" nextAc="seek">
-              <p:cTn id="2" dur="indefinite" nodeType="mainSeq">
-                <p:childTnLst>
-                  <p:par>
-                    <p:cTn id="3" fill="hold">
-                      <p:stCondLst>
-                        <p:cond delay="indefinite"/>
-                      </p:stCondLst>
-                      <p:childTnLst>
-                        <p:par>
-                          <p:cTn id="4" fill="hold">
-                            <p:stCondLst>
-                              <p:cond delay="0"/>
-                            </p:stCondLst>
-                            <p:childTnLst>
-                              <p:par>
-                                <p:cTn id="5" presetID="1" presetClass="entr" presetSubtype="0" fill="hold" grpId="0" nodeType="clickEffect">
-                                  <p:stCondLst>
-                                    <p:cond delay="0"/>
-                                  </p:stCondLst>
-                                  <p:childTnLst>
-                                    <p:set>
-                                      <p:cBhvr>
-                                        <p:cTn id="6" dur="1" fill="hold">
-                                          <p:stCondLst>
-                                            <p:cond delay="0"/>
-                                          </p:stCondLst>
-                                        </p:cTn>
-                                        <p:tgtEl>
-                                          <p:spTgt spid="3">
-                                            <p:txEl>
-                                              <p:pRg st="0" end="0"/>
-                                            </p:txEl>
-                                          </p:spTgt>
-                                        </p:tgtEl>
-                                        <p:attrNameLst>
-                                          <p:attrName>style.visibility</p:attrName>
-                                        </p:attrNameLst>
-                                      </p:cBhvr>
-                                      <p:to>
-                                        <p:strVal val="visible"/>
-                                      </p:to>
-                                    </p:set>
-                                  </p:childTnLst>
-                                </p:cTn>
-                              </p:par>
-                            </p:childTnLst>
-                          </p:cTn>
-                        </p:par>
-                      </p:childTnLst>
-                    </p:cTn>
-                  </p:par>
-                  <p:par>
-                    <p:cTn id="7" fill="hold">
-                      <p:stCondLst>
-                        <p:cond delay="indefinite"/>
-                      </p:stCondLst>
-                      <p:childTnLst>
-                        <p:par>
-                          <p:cTn id="8" fill="hold">
-                            <p:stCondLst>
-                              <p:cond delay="0"/>
-                            </p:stCondLst>
-                            <p:childTnLst>
-                              <p:par>
-                                <p:cTn id="9" presetID="1" presetClass="entr" presetSubtype="0" fill="hold" grpId="0" nodeType="clickEffect">
-                                  <p:stCondLst>
-                                    <p:cond delay="0"/>
-                                  </p:stCondLst>
-                                  <p:childTnLst>
-                                    <p:set>
-                                      <p:cBhvr>
-                                        <p:cTn id="10" dur="1" fill="hold">
-                                          <p:stCondLst>
-                                            <p:cond delay="0"/>
-                                          </p:stCondLst>
-                                        </p:cTn>
-                                        <p:tgtEl>
-                                          <p:spTgt spid="3">
-                                            <p:txEl>
-                                              <p:pRg st="1" end="1"/>
-                                            </p:txEl>
-                                          </p:spTgt>
-                                        </p:tgtEl>
-                                        <p:attrNameLst>
-                                          <p:attrName>style.visibility</p:attrName>
-                                        </p:attrNameLst>
-                                      </p:cBhvr>
-                                      <p:to>
-                                        <p:strVal val="visible"/>
-                                      </p:to>
-                                    </p:set>
-                                  </p:childTnLst>
-                                </p:cTn>
-                              </p:par>
-                            </p:childTnLst>
-                          </p:cTn>
-                        </p:par>
-                      </p:childTnLst>
-                    </p:cTn>
-                  </p:par>
-                  <p:par>
-                    <p:cTn id="11" fill="hold">
-                      <p:stCondLst>
-                        <p:cond delay="indefinite"/>
-                      </p:stCondLst>
-                      <p:childTnLst>
-                        <p:par>
-                          <p:cTn id="12" fill="hold">
-                            <p:stCondLst>
-                              <p:cond delay="0"/>
-                            </p:stCondLst>
-                            <p:childTnLst>
-                              <p:par>
-                                <p:cTn id="13" presetID="1" presetClass="entr" presetSubtype="0" fill="hold" grpId="0" nodeType="clickEffect">
-                                  <p:stCondLst>
-                                    <p:cond delay="0"/>
-                                  </p:stCondLst>
-                                  <p:childTnLst>
-                                    <p:set>
-                                      <p:cBhvr>
-                                        <p:cTn id="14" dur="1" fill="hold">
-                                          <p:stCondLst>
-                                            <p:cond delay="0"/>
-                                          </p:stCondLst>
-                                        </p:cTn>
-                                        <p:tgtEl>
-                                          <p:spTgt spid="3">
-                                            <p:txEl>
-                                              <p:pRg st="2" end="2"/>
-                                            </p:txEl>
-                                          </p:spTgt>
-                                        </p:tgtEl>
-                                        <p:attrNameLst>
-                                          <p:attrName>style.visibility</p:attrName>
-                                        </p:attrNameLst>
-                                      </p:cBhvr>
-                                      <p:to>
-                                        <p:strVal val="visible"/>
-                                      </p:to>
-                                    </p:set>
-                                  </p:childTnLst>
-                                </p:cTn>
-                              </p:par>
-                            </p:childTnLst>
-                          </p:cTn>
-                        </p:par>
-                      </p:childTnLst>
-                    </p:cTn>
-                  </p:par>
-                  <p:par>
-                    <p:cTn id="15" fill="hold">
-                      <p:stCondLst>
-                        <p:cond delay="indefinite"/>
-                      </p:stCondLst>
-                      <p:childTnLst>
-                        <p:par>
-                          <p:cTn id="16" fill="hold">
-                            <p:stCondLst>
-                              <p:cond delay="0"/>
-                            </p:stCondLst>
-                            <p:childTnLst>
-                              <p:par>
-                                <p:cTn id="17" presetID="1" presetClass="entr" presetSubtype="0" fill="hold" grpId="0" nodeType="clickEffect">
-                                  <p:stCondLst>
-                                    <p:cond delay="0"/>
-                                  </p:stCondLst>
-                                  <p:childTnLst>
-                                    <p:set>
-                                      <p:cBhvr>
-                                        <p:cTn id="18" dur="1" fill="hold">
-                                          <p:stCondLst>
-                                            <p:cond delay="0"/>
-                                          </p:stCondLst>
-                                        </p:cTn>
-                                        <p:tgtEl>
-                                          <p:spTgt spid="3">
-                                            <p:txEl>
-                                              <p:pRg st="3" end="3"/>
-                                            </p:txEl>
-                                          </p:spTgt>
-                                        </p:tgtEl>
-                                        <p:attrNameLst>
-                                          <p:attrName>style.visibility</p:attrName>
-                                        </p:attrNameLst>
-                                      </p:cBhvr>
-                                      <p:to>
-                                        <p:strVal val="visible"/>
-                                      </p:to>
-                                    </p:set>
-                                  </p:childTnLst>
-                                </p:cTn>
-                              </p:par>
-                            </p:childTnLst>
-                          </p:cTn>
-                        </p:par>
-                      </p:childTnLst>
-                    </p:cTn>
-                  </p:par>
-                  <p:par>
-                    <p:cTn id="19" fill="hold">
-                      <p:stCondLst>
-                        <p:cond delay="indefinite"/>
-                      </p:stCondLst>
-                      <p:childTnLst>
-                        <p:par>
-                          <p:cTn id="20" fill="hold">
-                            <p:stCondLst>
-                              <p:cond delay="0"/>
-                            </p:stCondLst>
-                            <p:childTnLst>
-                              <p:par>
-                                <p:cTn id="21" presetID="1" presetClass="entr" presetSubtype="0" fill="hold" grpId="0" nodeType="clickEffect">
-                                  <p:stCondLst>
-                                    <p:cond delay="0"/>
-                                  </p:stCondLst>
-                                  <p:childTnLst>
-                                    <p:set>
-                                      <p:cBhvr>
-                                        <p:cTn id="22" dur="1" fill="hold">
-                                          <p:stCondLst>
-                                            <p:cond delay="0"/>
-                                          </p:stCondLst>
-                                        </p:cTn>
-                                        <p:tgtEl>
-                                          <p:spTgt spid="3">
-                                            <p:txEl>
-                                              <p:pRg st="4" end="4"/>
-                                            </p:txEl>
-                                          </p:spTgt>
-                                        </p:tgtEl>
-                                        <p:attrNameLst>
-                                          <p:attrName>style.visibility</p:attrName>
-                                        </p:attrNameLst>
-                                      </p:cBhvr>
-                                      <p:to>
-                                        <p:strVal val="visible"/>
-                                      </p:to>
-                                    </p:set>
-                                  </p:childTnLst>
-                                </p:cTn>
-                              </p:par>
-                            </p:childTnLst>
-                          </p:cTn>
-                        </p:par>
-                      </p:childTnLst>
-                    </p:cTn>
-                  </p:par>
-                </p:childTnLst>
-              </p:cTn>
-              <p:prevCondLst>
-                <p:cond evt="onPrev" delay="0">
-                  <p:tgtEl>
-                    <p:sldTgt/>
-                  </p:tgtEl>
-                </p:cond>
-              </p:prevCondLst>
-              <p:nextCondLst>
-                <p:cond evt="onNext" delay="0">
-                  <p:tgtEl>
-                    <p:sldTgt/>
-                  </p:tgtEl>
-                </p:cond>
-              </p:nextCondLst>
-            </p:seq>
-          </p:childTnLst>
-        </p:cTn>
-      </p:par>
-    </p:tnLst>
-    <p:bldLst>
-      <p:bldP spid="3" grpId="0" uiExpand="1" build="p"/>
     </p:bldLst>
   </p:timing>
 </p:sld>
